--- a/Thuyết trình ngày 24-4-2020/thuyết_trình_nhóm_6.pptx
+++ b/Thuyết trình ngày 24-4-2020/thuyết_trình_nhóm_6.pptx
@@ -5,7 +5,7 @@
     <p:sldMasterId id="2147483648" r:id="rId1"/>
   </p:sldMasterIdLst>
   <p:notesMasterIdLst>
-    <p:notesMasterId r:id="rId13"/>
+    <p:notesMasterId r:id="rId12"/>
   </p:notesMasterIdLst>
   <p:sldIdLst>
     <p:sldId id="256" r:id="rId2"/>
@@ -16,33 +16,32 @@
     <p:sldId id="271" r:id="rId7"/>
     <p:sldId id="272" r:id="rId8"/>
     <p:sldId id="269" r:id="rId9"/>
-    <p:sldId id="270" r:id="rId10"/>
-    <p:sldId id="262" r:id="rId11"/>
-    <p:sldId id="268" r:id="rId12"/>
+    <p:sldId id="262" r:id="rId10"/>
+    <p:sldId id="268" r:id="rId11"/>
   </p:sldIdLst>
   <p:sldSz cx="9144000" cy="6858000" type="screen4x3"/>
   <p:notesSz cx="6858000" cy="9144000"/>
   <p:embeddedFontLst>
     <p:embeddedFont>
       <p:font typeface="Roboto" panose="020B0604020202020204" charset="0"/>
-      <p:regular r:id="rId14"/>
-      <p:bold r:id="rId15"/>
-      <p:italic r:id="rId16"/>
-      <p:boldItalic r:id="rId17"/>
+      <p:regular r:id="rId13"/>
+      <p:bold r:id="rId14"/>
+      <p:italic r:id="rId15"/>
+      <p:boldItalic r:id="rId16"/>
     </p:embeddedFont>
     <p:embeddedFont>
       <p:font typeface="Quattrocento Sans" panose="020B0604020202020204" charset="0"/>
-      <p:regular r:id="rId18"/>
-      <p:bold r:id="rId19"/>
-      <p:italic r:id="rId20"/>
-      <p:boldItalic r:id="rId21"/>
+      <p:regular r:id="rId17"/>
+      <p:bold r:id="rId18"/>
+      <p:italic r:id="rId19"/>
+      <p:boldItalic r:id="rId20"/>
     </p:embeddedFont>
     <p:embeddedFont>
       <p:font typeface="Calibri" panose="020F0502020204030204" pitchFamily="34" charset="0"/>
-      <p:regular r:id="rId22"/>
-      <p:bold r:id="rId23"/>
-      <p:italic r:id="rId24"/>
-      <p:boldItalic r:id="rId25"/>
+      <p:regular r:id="rId21"/>
+      <p:bold r:id="rId22"/>
+      <p:italic r:id="rId23"/>
+      <p:boldItalic r:id="rId24"/>
     </p:embeddedFont>
   </p:embeddedFontLst>
   <p:defaultTextStyle>
@@ -304,7 +303,7 @@
       </p15:notesGuideLst>
     </p:ext>
     <p:ext uri="http://customooxmlschemas.google.com/">
-      <go:slidesCustomData xmlns:go="http://customooxmlschemas.google.com/" xmlns:p15="http://schemas.microsoft.com/office/powerpoint/2012/main" xmlns:p14="http://schemas.microsoft.com/office/powerpoint/2010/main" xmlns:com="http://schemas.openxmlformats.org/drawingml/2006/compatibility" xmlns:pvml="urn:schemas-microsoft-com:office:powerpoint" xmlns:v="urn:schemas-microsoft-com:vml" xmlns:o="urn:schemas-microsoft-com:office:office" xmlns:dgm="http://schemas.openxmlformats.org/drawingml/2006/diagram" xmlns:c="http://schemas.openxmlformats.org/drawingml/2006/chart" xmlns:mv="urn:schemas-microsoft-com:mac:vml" xmlns:mc="http://schemas.openxmlformats.org/markup-compatibility/2006" xmlns="" r:id="rId29" roundtripDataSignature="AMtx7miOGBkPJPiBwm29evHY2cxksiT79w=="/>
+      <go:slidesCustomData xmlns="" xmlns:mc="http://schemas.openxmlformats.org/markup-compatibility/2006" xmlns:mv="urn:schemas-microsoft-com:mac:vml" xmlns:c="http://schemas.openxmlformats.org/drawingml/2006/chart" xmlns:dgm="http://schemas.openxmlformats.org/drawingml/2006/diagram" xmlns:o="urn:schemas-microsoft-com:office:office" xmlns:v="urn:schemas-microsoft-com:vml" xmlns:pvml="urn:schemas-microsoft-com:office:powerpoint" xmlns:com="http://schemas.openxmlformats.org/drawingml/2006/compatibility" xmlns:p14="http://schemas.microsoft.com/office/powerpoint/2010/main" xmlns:p15="http://schemas.microsoft.com/office/powerpoint/2012/main" xmlns:go="http://customooxmlschemas.google.com/" r:id="rId29" roundtripDataSignature="AMtx7miOGBkPJPiBwm29evHY2cxksiT79w=="/>
     </p:ext>
   </p:extLst>
 </p:presentation>
@@ -2552,753 +2551,6 @@
 </file>
 
 <file path=ppt/diagrams/colors4.xml><?xml version="1.0" encoding="utf-8"?>
-<dgm:colorsDef xmlns:dgm="http://schemas.openxmlformats.org/drawingml/2006/diagram" xmlns:a="http://schemas.openxmlformats.org/drawingml/2006/main" uniqueId="urn:microsoft.com/office/officeart/2005/8/colors/accent1_2">
-  <dgm:title val=""/>
-  <dgm:desc val=""/>
-  <dgm:catLst>
-    <dgm:cat type="accent1" pri="11200"/>
-  </dgm:catLst>
-  <dgm:styleLbl name="node0">
-    <dgm:fillClrLst meth="repeat">
-      <a:schemeClr val="accent1"/>
-    </dgm:fillClrLst>
-    <dgm:linClrLst meth="repeat">
-      <a:schemeClr val="lt1"/>
-    </dgm:linClrLst>
-    <dgm:effectClrLst/>
-    <dgm:txLinClrLst/>
-    <dgm:txFillClrLst/>
-    <dgm:txEffectClrLst/>
-  </dgm:styleLbl>
-  <dgm:styleLbl name="alignNode1">
-    <dgm:fillClrLst meth="repeat">
-      <a:schemeClr val="accent1"/>
-    </dgm:fillClrLst>
-    <dgm:linClrLst meth="repeat">
-      <a:schemeClr val="accent1"/>
-    </dgm:linClrLst>
-    <dgm:effectClrLst/>
-    <dgm:txLinClrLst/>
-    <dgm:txFillClrLst/>
-    <dgm:txEffectClrLst/>
-  </dgm:styleLbl>
-  <dgm:styleLbl name="node1">
-    <dgm:fillClrLst meth="repeat">
-      <a:schemeClr val="accent1"/>
-    </dgm:fillClrLst>
-    <dgm:linClrLst meth="repeat">
-      <a:schemeClr val="lt1"/>
-    </dgm:linClrLst>
-    <dgm:effectClrLst/>
-    <dgm:txLinClrLst/>
-    <dgm:txFillClrLst/>
-    <dgm:txEffectClrLst/>
-  </dgm:styleLbl>
-  <dgm:styleLbl name="lnNode1">
-    <dgm:fillClrLst meth="repeat">
-      <a:schemeClr val="accent1"/>
-    </dgm:fillClrLst>
-    <dgm:linClrLst meth="repeat">
-      <a:schemeClr val="lt1"/>
-    </dgm:linClrLst>
-    <dgm:effectClrLst/>
-    <dgm:txLinClrLst/>
-    <dgm:txFillClrLst/>
-    <dgm:txEffectClrLst/>
-  </dgm:styleLbl>
-  <dgm:styleLbl name="vennNode1">
-    <dgm:fillClrLst meth="repeat">
-      <a:schemeClr val="accent1">
-        <a:alpha val="50000"/>
-      </a:schemeClr>
-    </dgm:fillClrLst>
-    <dgm:linClrLst meth="repeat">
-      <a:schemeClr val="lt1"/>
-    </dgm:linClrLst>
-    <dgm:effectClrLst/>
-    <dgm:txLinClrLst/>
-    <dgm:txFillClrLst/>
-    <dgm:txEffectClrLst/>
-  </dgm:styleLbl>
-  <dgm:styleLbl name="node2">
-    <dgm:fillClrLst meth="repeat">
-      <a:schemeClr val="accent1"/>
-    </dgm:fillClrLst>
-    <dgm:linClrLst meth="repeat">
-      <a:schemeClr val="lt1"/>
-    </dgm:linClrLst>
-    <dgm:effectClrLst/>
-    <dgm:txLinClrLst/>
-    <dgm:txFillClrLst/>
-    <dgm:txEffectClrLst/>
-  </dgm:styleLbl>
-  <dgm:styleLbl name="node3">
-    <dgm:fillClrLst meth="repeat">
-      <a:schemeClr val="accent1"/>
-    </dgm:fillClrLst>
-    <dgm:linClrLst meth="repeat">
-      <a:schemeClr val="lt1"/>
-    </dgm:linClrLst>
-    <dgm:effectClrLst/>
-    <dgm:txLinClrLst/>
-    <dgm:txFillClrLst/>
-    <dgm:txEffectClrLst/>
-  </dgm:styleLbl>
-  <dgm:styleLbl name="node4">
-    <dgm:fillClrLst meth="repeat">
-      <a:schemeClr val="accent1"/>
-    </dgm:fillClrLst>
-    <dgm:linClrLst meth="repeat">
-      <a:schemeClr val="lt1"/>
-    </dgm:linClrLst>
-    <dgm:effectClrLst/>
-    <dgm:txLinClrLst/>
-    <dgm:txFillClrLst/>
-    <dgm:txEffectClrLst/>
-  </dgm:styleLbl>
-  <dgm:styleLbl name="fgImgPlace1">
-    <dgm:fillClrLst meth="repeat">
-      <a:schemeClr val="accent1">
-        <a:tint val="50000"/>
-      </a:schemeClr>
-    </dgm:fillClrLst>
-    <dgm:linClrLst meth="repeat">
-      <a:schemeClr val="lt1"/>
-    </dgm:linClrLst>
-    <dgm:effectClrLst/>
-    <dgm:txLinClrLst/>
-    <dgm:txFillClrLst meth="repeat">
-      <a:schemeClr val="lt1"/>
-    </dgm:txFillClrLst>
-    <dgm:txEffectClrLst/>
-  </dgm:styleLbl>
-  <dgm:styleLbl name="alignImgPlace1">
-    <dgm:fillClrLst meth="repeat">
-      <a:schemeClr val="accent1">
-        <a:tint val="50000"/>
-      </a:schemeClr>
-    </dgm:fillClrLst>
-    <dgm:linClrLst meth="repeat">
-      <a:schemeClr val="lt1"/>
-    </dgm:linClrLst>
-    <dgm:effectClrLst/>
-    <dgm:txLinClrLst/>
-    <dgm:txFillClrLst meth="repeat">
-      <a:schemeClr val="lt1"/>
-    </dgm:txFillClrLst>
-    <dgm:txEffectClrLst/>
-  </dgm:styleLbl>
-  <dgm:styleLbl name="bgImgPlace1">
-    <dgm:fillClrLst meth="repeat">
-      <a:schemeClr val="accent1">
-        <a:tint val="50000"/>
-      </a:schemeClr>
-    </dgm:fillClrLst>
-    <dgm:linClrLst meth="repeat">
-      <a:schemeClr val="lt1"/>
-    </dgm:linClrLst>
-    <dgm:effectClrLst/>
-    <dgm:txLinClrLst/>
-    <dgm:txFillClrLst meth="repeat">
-      <a:schemeClr val="lt1"/>
-    </dgm:txFillClrLst>
-    <dgm:txEffectClrLst/>
-  </dgm:styleLbl>
-  <dgm:styleLbl name="sibTrans2D1">
-    <dgm:fillClrLst meth="repeat">
-      <a:schemeClr val="accent1">
-        <a:tint val="60000"/>
-      </a:schemeClr>
-    </dgm:fillClrLst>
-    <dgm:linClrLst meth="repeat">
-      <a:schemeClr val="accent1">
-        <a:tint val="60000"/>
-      </a:schemeClr>
-    </dgm:linClrLst>
-    <dgm:effectClrLst/>
-    <dgm:txLinClrLst/>
-    <dgm:txFillClrLst/>
-    <dgm:txEffectClrLst/>
-  </dgm:styleLbl>
-  <dgm:styleLbl name="fgSibTrans2D1">
-    <dgm:fillClrLst meth="repeat">
-      <a:schemeClr val="accent1">
-        <a:tint val="60000"/>
-      </a:schemeClr>
-    </dgm:fillClrLst>
-    <dgm:linClrLst meth="repeat">
-      <a:schemeClr val="accent1">
-        <a:tint val="60000"/>
-      </a:schemeClr>
-    </dgm:linClrLst>
-    <dgm:effectClrLst/>
-    <dgm:txLinClrLst/>
-    <dgm:txFillClrLst/>
-    <dgm:txEffectClrLst/>
-  </dgm:styleLbl>
-  <dgm:styleLbl name="bgSibTrans2D1">
-    <dgm:fillClrLst meth="repeat">
-      <a:schemeClr val="accent1">
-        <a:tint val="60000"/>
-      </a:schemeClr>
-    </dgm:fillClrLst>
-    <dgm:linClrLst meth="repeat">
-      <a:schemeClr val="accent1">
-        <a:tint val="60000"/>
-      </a:schemeClr>
-    </dgm:linClrLst>
-    <dgm:effectClrLst/>
-    <dgm:txLinClrLst/>
-    <dgm:txFillClrLst/>
-    <dgm:txEffectClrLst/>
-  </dgm:styleLbl>
-  <dgm:styleLbl name="sibTrans1D1">
-    <dgm:fillClrLst meth="repeat">
-      <a:schemeClr val="accent1"/>
-    </dgm:fillClrLst>
-    <dgm:linClrLst meth="repeat">
-      <a:schemeClr val="accent1"/>
-    </dgm:linClrLst>
-    <dgm:effectClrLst/>
-    <dgm:txLinClrLst/>
-    <dgm:txFillClrLst meth="repeat">
-      <a:schemeClr val="tx1"/>
-    </dgm:txFillClrLst>
-    <dgm:txEffectClrLst/>
-  </dgm:styleLbl>
-  <dgm:styleLbl name="callout">
-    <dgm:fillClrLst meth="repeat">
-      <a:schemeClr val="accent1"/>
-    </dgm:fillClrLst>
-    <dgm:linClrLst meth="repeat">
-      <a:schemeClr val="accent1">
-        <a:tint val="50000"/>
-      </a:schemeClr>
-    </dgm:linClrLst>
-    <dgm:effectClrLst/>
-    <dgm:txLinClrLst/>
-    <dgm:txFillClrLst meth="repeat">
-      <a:schemeClr val="tx1"/>
-    </dgm:txFillClrLst>
-    <dgm:txEffectClrLst/>
-  </dgm:styleLbl>
-  <dgm:styleLbl name="asst0">
-    <dgm:fillClrLst meth="repeat">
-      <a:schemeClr val="accent1"/>
-    </dgm:fillClrLst>
-    <dgm:linClrLst meth="repeat">
-      <a:schemeClr val="lt1"/>
-    </dgm:linClrLst>
-    <dgm:effectClrLst/>
-    <dgm:txLinClrLst/>
-    <dgm:txFillClrLst/>
-    <dgm:txEffectClrLst/>
-  </dgm:styleLbl>
-  <dgm:styleLbl name="asst1">
-    <dgm:fillClrLst meth="repeat">
-      <a:schemeClr val="accent1"/>
-    </dgm:fillClrLst>
-    <dgm:linClrLst meth="repeat">
-      <a:schemeClr val="lt1"/>
-    </dgm:linClrLst>
-    <dgm:effectClrLst/>
-    <dgm:txLinClrLst/>
-    <dgm:txFillClrLst/>
-    <dgm:txEffectClrLst/>
-  </dgm:styleLbl>
-  <dgm:styleLbl name="asst2">
-    <dgm:fillClrLst meth="repeat">
-      <a:schemeClr val="accent1"/>
-    </dgm:fillClrLst>
-    <dgm:linClrLst meth="repeat">
-      <a:schemeClr val="lt1"/>
-    </dgm:linClrLst>
-    <dgm:effectClrLst/>
-    <dgm:txLinClrLst/>
-    <dgm:txFillClrLst/>
-    <dgm:txEffectClrLst/>
-  </dgm:styleLbl>
-  <dgm:styleLbl name="asst3">
-    <dgm:fillClrLst meth="repeat">
-      <a:schemeClr val="accent1"/>
-    </dgm:fillClrLst>
-    <dgm:linClrLst meth="repeat">
-      <a:schemeClr val="lt1"/>
-    </dgm:linClrLst>
-    <dgm:effectClrLst/>
-    <dgm:txLinClrLst/>
-    <dgm:txFillClrLst/>
-    <dgm:txEffectClrLst/>
-  </dgm:styleLbl>
-  <dgm:styleLbl name="asst4">
-    <dgm:fillClrLst meth="repeat">
-      <a:schemeClr val="accent1"/>
-    </dgm:fillClrLst>
-    <dgm:linClrLst meth="repeat">
-      <a:schemeClr val="lt1"/>
-    </dgm:linClrLst>
-    <dgm:effectClrLst/>
-    <dgm:txLinClrLst/>
-    <dgm:txFillClrLst/>
-    <dgm:txEffectClrLst/>
-  </dgm:styleLbl>
-  <dgm:styleLbl name="parChTrans2D1">
-    <dgm:fillClrLst meth="repeat">
-      <a:schemeClr val="accent1">
-        <a:tint val="60000"/>
-      </a:schemeClr>
-    </dgm:fillClrLst>
-    <dgm:linClrLst meth="repeat">
-      <a:schemeClr val="accent1">
-        <a:tint val="60000"/>
-      </a:schemeClr>
-    </dgm:linClrLst>
-    <dgm:effectClrLst/>
-    <dgm:txLinClrLst/>
-    <dgm:txFillClrLst meth="repeat">
-      <a:schemeClr val="lt1"/>
-    </dgm:txFillClrLst>
-    <dgm:txEffectClrLst/>
-  </dgm:styleLbl>
-  <dgm:styleLbl name="parChTrans2D2">
-    <dgm:fillClrLst meth="repeat">
-      <a:schemeClr val="accent1"/>
-    </dgm:fillClrLst>
-    <dgm:linClrLst meth="repeat">
-      <a:schemeClr val="accent1"/>
-    </dgm:linClrLst>
-    <dgm:effectClrLst/>
-    <dgm:txLinClrLst/>
-    <dgm:txFillClrLst meth="repeat">
-      <a:schemeClr val="lt1"/>
-    </dgm:txFillClrLst>
-    <dgm:txEffectClrLst/>
-  </dgm:styleLbl>
-  <dgm:styleLbl name="parChTrans2D3">
-    <dgm:fillClrLst meth="repeat">
-      <a:schemeClr val="accent1"/>
-    </dgm:fillClrLst>
-    <dgm:linClrLst meth="repeat">
-      <a:schemeClr val="accent1"/>
-    </dgm:linClrLst>
-    <dgm:effectClrLst/>
-    <dgm:txLinClrLst/>
-    <dgm:txFillClrLst meth="repeat">
-      <a:schemeClr val="lt1"/>
-    </dgm:txFillClrLst>
-    <dgm:txEffectClrLst/>
-  </dgm:styleLbl>
-  <dgm:styleLbl name="parChTrans2D4">
-    <dgm:fillClrLst meth="repeat">
-      <a:schemeClr val="accent1"/>
-    </dgm:fillClrLst>
-    <dgm:linClrLst meth="repeat">
-      <a:schemeClr val="accent1"/>
-    </dgm:linClrLst>
-    <dgm:effectClrLst/>
-    <dgm:txLinClrLst/>
-    <dgm:txFillClrLst meth="repeat">
-      <a:schemeClr val="lt1"/>
-    </dgm:txFillClrLst>
-    <dgm:txEffectClrLst/>
-  </dgm:styleLbl>
-  <dgm:styleLbl name="parChTrans1D1">
-    <dgm:fillClrLst meth="repeat">
-      <a:schemeClr val="accent1"/>
-    </dgm:fillClrLst>
-    <dgm:linClrLst meth="repeat">
-      <a:schemeClr val="accent1">
-        <a:shade val="60000"/>
-      </a:schemeClr>
-    </dgm:linClrLst>
-    <dgm:effectClrLst/>
-    <dgm:txLinClrLst/>
-    <dgm:txFillClrLst meth="repeat">
-      <a:schemeClr val="tx1"/>
-    </dgm:txFillClrLst>
-    <dgm:txEffectClrLst/>
-  </dgm:styleLbl>
-  <dgm:styleLbl name="parChTrans1D2">
-    <dgm:fillClrLst meth="repeat">
-      <a:schemeClr val="accent1"/>
-    </dgm:fillClrLst>
-    <dgm:linClrLst meth="repeat">
-      <a:schemeClr val="accent1">
-        <a:shade val="60000"/>
-      </a:schemeClr>
-    </dgm:linClrLst>
-    <dgm:effectClrLst/>
-    <dgm:txLinClrLst/>
-    <dgm:txFillClrLst meth="repeat">
-      <a:schemeClr val="tx1"/>
-    </dgm:txFillClrLst>
-    <dgm:txEffectClrLst/>
-  </dgm:styleLbl>
-  <dgm:styleLbl name="parChTrans1D3">
-    <dgm:fillClrLst meth="repeat">
-      <a:schemeClr val="accent1"/>
-    </dgm:fillClrLst>
-    <dgm:linClrLst meth="repeat">
-      <a:schemeClr val="accent1">
-        <a:shade val="80000"/>
-      </a:schemeClr>
-    </dgm:linClrLst>
-    <dgm:effectClrLst/>
-    <dgm:txLinClrLst/>
-    <dgm:txFillClrLst meth="repeat">
-      <a:schemeClr val="tx1"/>
-    </dgm:txFillClrLst>
-    <dgm:txEffectClrLst/>
-  </dgm:styleLbl>
-  <dgm:styleLbl name="parChTrans1D4">
-    <dgm:fillClrLst meth="repeat">
-      <a:schemeClr val="accent1"/>
-    </dgm:fillClrLst>
-    <dgm:linClrLst meth="repeat">
-      <a:schemeClr val="accent1">
-        <a:shade val="80000"/>
-      </a:schemeClr>
-    </dgm:linClrLst>
-    <dgm:effectClrLst/>
-    <dgm:txLinClrLst/>
-    <dgm:txFillClrLst meth="repeat">
-      <a:schemeClr val="tx1"/>
-    </dgm:txFillClrLst>
-    <dgm:txEffectClrLst/>
-  </dgm:styleLbl>
-  <dgm:styleLbl name="fgAcc1">
-    <dgm:fillClrLst meth="repeat">
-      <a:schemeClr val="lt1">
-        <a:alpha val="90000"/>
-      </a:schemeClr>
-    </dgm:fillClrLst>
-    <dgm:linClrLst meth="repeat">
-      <a:schemeClr val="accent1"/>
-    </dgm:linClrLst>
-    <dgm:effectClrLst/>
-    <dgm:txLinClrLst/>
-    <dgm:txFillClrLst meth="repeat">
-      <a:schemeClr val="dk1"/>
-    </dgm:txFillClrLst>
-    <dgm:txEffectClrLst/>
-  </dgm:styleLbl>
-  <dgm:styleLbl name="conFgAcc1">
-    <dgm:fillClrLst meth="repeat">
-      <a:schemeClr val="lt1">
-        <a:alpha val="90000"/>
-      </a:schemeClr>
-    </dgm:fillClrLst>
-    <dgm:linClrLst meth="repeat">
-      <a:schemeClr val="accent1"/>
-    </dgm:linClrLst>
-    <dgm:effectClrLst/>
-    <dgm:txLinClrLst/>
-    <dgm:txFillClrLst meth="repeat">
-      <a:schemeClr val="dk1"/>
-    </dgm:txFillClrLst>
-    <dgm:txEffectClrLst/>
-  </dgm:styleLbl>
-  <dgm:styleLbl name="alignAcc1">
-    <dgm:fillClrLst meth="repeat">
-      <a:schemeClr val="lt1">
-        <a:alpha val="90000"/>
-      </a:schemeClr>
-    </dgm:fillClrLst>
-    <dgm:linClrLst meth="repeat">
-      <a:schemeClr val="accent1"/>
-    </dgm:linClrLst>
-    <dgm:effectClrLst/>
-    <dgm:txLinClrLst/>
-    <dgm:txFillClrLst meth="repeat">
-      <a:schemeClr val="dk1"/>
-    </dgm:txFillClrLst>
-    <dgm:txEffectClrLst/>
-  </dgm:styleLbl>
-  <dgm:styleLbl name="trAlignAcc1">
-    <dgm:fillClrLst meth="repeat">
-      <a:schemeClr val="lt1">
-        <a:alpha val="40000"/>
-      </a:schemeClr>
-    </dgm:fillClrLst>
-    <dgm:linClrLst meth="repeat">
-      <a:schemeClr val="accent1"/>
-    </dgm:linClrLst>
-    <dgm:effectClrLst/>
-    <dgm:txLinClrLst/>
-    <dgm:txFillClrLst meth="repeat">
-      <a:schemeClr val="dk1"/>
-    </dgm:txFillClrLst>
-    <dgm:txEffectClrLst/>
-  </dgm:styleLbl>
-  <dgm:styleLbl name="bgAcc1">
-    <dgm:fillClrLst meth="repeat">
-      <a:schemeClr val="lt1">
-        <a:alpha val="90000"/>
-      </a:schemeClr>
-    </dgm:fillClrLst>
-    <dgm:linClrLst meth="repeat">
-      <a:schemeClr val="accent1"/>
-    </dgm:linClrLst>
-    <dgm:effectClrLst/>
-    <dgm:txLinClrLst/>
-    <dgm:txFillClrLst meth="repeat">
-      <a:schemeClr val="dk1"/>
-    </dgm:txFillClrLst>
-    <dgm:txEffectClrLst/>
-  </dgm:styleLbl>
-  <dgm:styleLbl name="solidFgAcc1">
-    <dgm:fillClrLst meth="repeat">
-      <a:schemeClr val="lt1"/>
-    </dgm:fillClrLst>
-    <dgm:linClrLst meth="repeat">
-      <a:schemeClr val="accent1"/>
-    </dgm:linClrLst>
-    <dgm:effectClrLst/>
-    <dgm:txLinClrLst/>
-    <dgm:txFillClrLst meth="repeat">
-      <a:schemeClr val="dk1"/>
-    </dgm:txFillClrLst>
-    <dgm:txEffectClrLst/>
-  </dgm:styleLbl>
-  <dgm:styleLbl name="solidAlignAcc1">
-    <dgm:fillClrLst meth="repeat">
-      <a:schemeClr val="lt1"/>
-    </dgm:fillClrLst>
-    <dgm:linClrLst meth="repeat">
-      <a:schemeClr val="accent1"/>
-    </dgm:linClrLst>
-    <dgm:effectClrLst/>
-    <dgm:txLinClrLst/>
-    <dgm:txFillClrLst meth="repeat">
-      <a:schemeClr val="dk1"/>
-    </dgm:txFillClrLst>
-    <dgm:txEffectClrLst/>
-  </dgm:styleLbl>
-  <dgm:styleLbl name="solidBgAcc1">
-    <dgm:fillClrLst meth="repeat">
-      <a:schemeClr val="lt1"/>
-    </dgm:fillClrLst>
-    <dgm:linClrLst meth="repeat">
-      <a:schemeClr val="accent1"/>
-    </dgm:linClrLst>
-    <dgm:effectClrLst/>
-    <dgm:txLinClrLst/>
-    <dgm:txFillClrLst meth="repeat">
-      <a:schemeClr val="dk1"/>
-    </dgm:txFillClrLst>
-    <dgm:txEffectClrLst/>
-  </dgm:styleLbl>
-  <dgm:styleLbl name="fgAccFollowNode1">
-    <dgm:fillClrLst meth="repeat">
-      <a:schemeClr val="accent1">
-        <a:alpha val="90000"/>
-        <a:tint val="40000"/>
-      </a:schemeClr>
-    </dgm:fillClrLst>
-    <dgm:linClrLst meth="repeat">
-      <a:schemeClr val="accent1">
-        <a:alpha val="90000"/>
-        <a:tint val="40000"/>
-      </a:schemeClr>
-    </dgm:linClrLst>
-    <dgm:effectClrLst/>
-    <dgm:txLinClrLst/>
-    <dgm:txFillClrLst meth="repeat">
-      <a:schemeClr val="dk1"/>
-    </dgm:txFillClrLst>
-    <dgm:txEffectClrLst/>
-  </dgm:styleLbl>
-  <dgm:styleLbl name="alignAccFollowNode1">
-    <dgm:fillClrLst meth="repeat">
-      <a:schemeClr val="accent1">
-        <a:alpha val="90000"/>
-        <a:tint val="40000"/>
-      </a:schemeClr>
-    </dgm:fillClrLst>
-    <dgm:linClrLst meth="repeat">
-      <a:schemeClr val="accent1">
-        <a:alpha val="90000"/>
-        <a:tint val="40000"/>
-      </a:schemeClr>
-    </dgm:linClrLst>
-    <dgm:effectClrLst/>
-    <dgm:txLinClrLst/>
-    <dgm:txFillClrLst meth="repeat">
-      <a:schemeClr val="dk1"/>
-    </dgm:txFillClrLst>
-    <dgm:txEffectClrLst/>
-  </dgm:styleLbl>
-  <dgm:styleLbl name="bgAccFollowNode1">
-    <dgm:fillClrLst meth="repeat">
-      <a:schemeClr val="accent1">
-        <a:alpha val="90000"/>
-        <a:tint val="40000"/>
-      </a:schemeClr>
-    </dgm:fillClrLst>
-    <dgm:linClrLst meth="repeat">
-      <a:schemeClr val="accent1">
-        <a:alpha val="90000"/>
-        <a:tint val="40000"/>
-      </a:schemeClr>
-    </dgm:linClrLst>
-    <dgm:effectClrLst/>
-    <dgm:txLinClrLst/>
-    <dgm:txFillClrLst meth="repeat">
-      <a:schemeClr val="dk1"/>
-    </dgm:txFillClrLst>
-    <dgm:txEffectClrLst/>
-  </dgm:styleLbl>
-  <dgm:styleLbl name="fgAcc0">
-    <dgm:fillClrLst meth="repeat">
-      <a:schemeClr val="lt1">
-        <a:alpha val="90000"/>
-      </a:schemeClr>
-    </dgm:fillClrLst>
-    <dgm:linClrLst meth="repeat">
-      <a:schemeClr val="accent1"/>
-    </dgm:linClrLst>
-    <dgm:effectClrLst/>
-    <dgm:txLinClrLst/>
-    <dgm:txFillClrLst meth="repeat">
-      <a:schemeClr val="dk1"/>
-    </dgm:txFillClrLst>
-    <dgm:txEffectClrLst/>
-  </dgm:styleLbl>
-  <dgm:styleLbl name="fgAcc2">
-    <dgm:fillClrLst meth="repeat">
-      <a:schemeClr val="lt1">
-        <a:alpha val="90000"/>
-      </a:schemeClr>
-    </dgm:fillClrLst>
-    <dgm:linClrLst meth="repeat">
-      <a:schemeClr val="accent1"/>
-    </dgm:linClrLst>
-    <dgm:effectClrLst/>
-    <dgm:txLinClrLst/>
-    <dgm:txFillClrLst meth="repeat">
-      <a:schemeClr val="dk1"/>
-    </dgm:txFillClrLst>
-    <dgm:txEffectClrLst/>
-  </dgm:styleLbl>
-  <dgm:styleLbl name="fgAcc3">
-    <dgm:fillClrLst meth="repeat">
-      <a:schemeClr val="lt1">
-        <a:alpha val="90000"/>
-      </a:schemeClr>
-    </dgm:fillClrLst>
-    <dgm:linClrLst meth="repeat">
-      <a:schemeClr val="accent1"/>
-    </dgm:linClrLst>
-    <dgm:effectClrLst/>
-    <dgm:txLinClrLst/>
-    <dgm:txFillClrLst meth="repeat">
-      <a:schemeClr val="dk1"/>
-    </dgm:txFillClrLst>
-    <dgm:txEffectClrLst/>
-  </dgm:styleLbl>
-  <dgm:styleLbl name="fgAcc4">
-    <dgm:fillClrLst meth="repeat">
-      <a:schemeClr val="lt1">
-        <a:alpha val="90000"/>
-      </a:schemeClr>
-    </dgm:fillClrLst>
-    <dgm:linClrLst meth="repeat">
-      <a:schemeClr val="accent1"/>
-    </dgm:linClrLst>
-    <dgm:effectClrLst/>
-    <dgm:txLinClrLst/>
-    <dgm:txFillClrLst meth="repeat">
-      <a:schemeClr val="dk1"/>
-    </dgm:txFillClrLst>
-    <dgm:txEffectClrLst/>
-  </dgm:styleLbl>
-  <dgm:styleLbl name="bgShp">
-    <dgm:fillClrLst meth="repeat">
-      <a:schemeClr val="accent1">
-        <a:tint val="40000"/>
-      </a:schemeClr>
-    </dgm:fillClrLst>
-    <dgm:linClrLst meth="repeat">
-      <a:schemeClr val="accent1"/>
-    </dgm:linClrLst>
-    <dgm:effectClrLst/>
-    <dgm:txLinClrLst/>
-    <dgm:txFillClrLst meth="repeat">
-      <a:schemeClr val="dk1"/>
-    </dgm:txFillClrLst>
-    <dgm:txEffectClrLst/>
-  </dgm:styleLbl>
-  <dgm:styleLbl name="dkBgShp">
-    <dgm:fillClrLst meth="repeat">
-      <a:schemeClr val="accent1">
-        <a:shade val="80000"/>
-      </a:schemeClr>
-    </dgm:fillClrLst>
-    <dgm:linClrLst meth="repeat">
-      <a:schemeClr val="accent1"/>
-    </dgm:linClrLst>
-    <dgm:effectClrLst/>
-    <dgm:txLinClrLst/>
-    <dgm:txFillClrLst meth="repeat">
-      <a:schemeClr val="lt1"/>
-    </dgm:txFillClrLst>
-    <dgm:txEffectClrLst/>
-  </dgm:styleLbl>
-  <dgm:styleLbl name="trBgShp">
-    <dgm:fillClrLst meth="repeat">
-      <a:schemeClr val="accent1">
-        <a:tint val="50000"/>
-        <a:alpha val="40000"/>
-      </a:schemeClr>
-    </dgm:fillClrLst>
-    <dgm:linClrLst meth="repeat">
-      <a:schemeClr val="accent1"/>
-    </dgm:linClrLst>
-    <dgm:effectClrLst/>
-    <dgm:txLinClrLst/>
-    <dgm:txFillClrLst meth="repeat">
-      <a:schemeClr val="lt1"/>
-    </dgm:txFillClrLst>
-    <dgm:txEffectClrLst/>
-  </dgm:styleLbl>
-  <dgm:styleLbl name="fgShp">
-    <dgm:fillClrLst meth="repeat">
-      <a:schemeClr val="accent1">
-        <a:tint val="60000"/>
-      </a:schemeClr>
-    </dgm:fillClrLst>
-    <dgm:linClrLst meth="repeat">
-      <a:schemeClr val="lt1"/>
-    </dgm:linClrLst>
-    <dgm:effectClrLst/>
-    <dgm:txLinClrLst/>
-    <dgm:txFillClrLst meth="repeat">
-      <a:schemeClr val="dk1"/>
-    </dgm:txFillClrLst>
-    <dgm:txEffectClrLst/>
-  </dgm:styleLbl>
-  <dgm:styleLbl name="revTx">
-    <dgm:fillClrLst meth="repeat">
-      <a:schemeClr val="lt1">
-        <a:alpha val="0"/>
-      </a:schemeClr>
-    </dgm:fillClrLst>
-    <dgm:linClrLst meth="repeat">
-      <a:schemeClr val="dk1">
-        <a:alpha val="0"/>
-      </a:schemeClr>
-    </dgm:linClrLst>
-    <dgm:effectClrLst/>
-    <dgm:txLinClrLst/>
-    <dgm:txFillClrLst meth="repeat">
-      <a:schemeClr val="tx1"/>
-    </dgm:txFillClrLst>
-    <dgm:txEffectClrLst/>
-  </dgm:styleLbl>
-</dgm:colorsDef>
-</file>
-
-<file path=ppt/diagrams/colors5.xml><?xml version="1.0" encoding="utf-8"?>
 <dgm:colorsDef xmlns:dgm="http://schemas.openxmlformats.org/drawingml/2006/diagram" xmlns:a="http://schemas.openxmlformats.org/drawingml/2006/main" uniqueId="urn:microsoft.com/office/officeart/2005/8/colors/accent1_2">
   <dgm:title val=""/>
   <dgm:desc val=""/>
@@ -5385,6 +4637,13 @@
         </dgm:presLayoutVars>
       </dgm:prSet>
       <dgm:spPr/>
+      <dgm:t>
+        <a:bodyPr/>
+        <a:lstStyle/>
+        <a:p>
+          <a:endParaRPr lang="en-US"/>
+        </a:p>
+      </dgm:t>
     </dgm:pt>
     <dgm:pt modelId="{B32530DD-C8C8-4E2B-8DC4-E6F6D947EADB}" type="pres">
       <dgm:prSet presAssocID="{FAC5A2B6-7AD8-4C8E-BAB1-99257CBCB364}" presName="root1" presStyleCnt="0"/>
@@ -5412,10 +4671,24 @@
     <dgm:pt modelId="{D10D567C-08E6-4346-AB7A-8754AACB3606}" type="pres">
       <dgm:prSet presAssocID="{6F6B887B-9D41-4895-9B1D-5D35A7C6AE02}" presName="conn2-1" presStyleLbl="parChTrans1D2" presStyleIdx="0" presStyleCnt="7"/>
       <dgm:spPr/>
+      <dgm:t>
+        <a:bodyPr/>
+        <a:lstStyle/>
+        <a:p>
+          <a:endParaRPr lang="en-US"/>
+        </a:p>
+      </dgm:t>
     </dgm:pt>
     <dgm:pt modelId="{FD737A76-4D14-457E-989E-E2A698A6AC59}" type="pres">
       <dgm:prSet presAssocID="{6F6B887B-9D41-4895-9B1D-5D35A7C6AE02}" presName="connTx" presStyleLbl="parChTrans1D2" presStyleIdx="0" presStyleCnt="7"/>
       <dgm:spPr/>
+      <dgm:t>
+        <a:bodyPr/>
+        <a:lstStyle/>
+        <a:p>
+          <a:endParaRPr lang="en-US"/>
+        </a:p>
+      </dgm:t>
     </dgm:pt>
     <dgm:pt modelId="{816AC5B1-78B0-4907-B4E0-F841D5E17071}" type="pres">
       <dgm:prSet presAssocID="{B3BA3593-7F53-4F4C-82F7-F8AE72B9A44D}" presName="root2" presStyleCnt="0"/>
@@ -5443,10 +4716,24 @@
     <dgm:pt modelId="{54830C52-BE14-4A1A-95EB-E86AA46CA51D}" type="pres">
       <dgm:prSet presAssocID="{3C1DB102-3684-483C-AB87-38370001D9D7}" presName="conn2-1" presStyleLbl="parChTrans1D2" presStyleIdx="1" presStyleCnt="7"/>
       <dgm:spPr/>
+      <dgm:t>
+        <a:bodyPr/>
+        <a:lstStyle/>
+        <a:p>
+          <a:endParaRPr lang="en-US"/>
+        </a:p>
+      </dgm:t>
     </dgm:pt>
     <dgm:pt modelId="{24DE7519-3A79-44B9-BDBB-813DB206300C}" type="pres">
       <dgm:prSet presAssocID="{3C1DB102-3684-483C-AB87-38370001D9D7}" presName="connTx" presStyleLbl="parChTrans1D2" presStyleIdx="1" presStyleCnt="7"/>
       <dgm:spPr/>
+      <dgm:t>
+        <a:bodyPr/>
+        <a:lstStyle/>
+        <a:p>
+          <a:endParaRPr lang="en-US"/>
+        </a:p>
+      </dgm:t>
     </dgm:pt>
     <dgm:pt modelId="{4CD17262-3554-4CBC-98B3-3F2EB2F985BC}" type="pres">
       <dgm:prSet presAssocID="{9C644EC0-C432-4B6A-A672-781D0CEAF829}" presName="root2" presStyleCnt="0"/>
@@ -5474,10 +4761,24 @@
     <dgm:pt modelId="{A947F44B-C97A-463B-B12C-4A27431E5464}" type="pres">
       <dgm:prSet presAssocID="{437024EB-2350-4D65-BC4E-DA1295B339E5}" presName="conn2-1" presStyleLbl="parChTrans1D2" presStyleIdx="2" presStyleCnt="7"/>
       <dgm:spPr/>
+      <dgm:t>
+        <a:bodyPr/>
+        <a:lstStyle/>
+        <a:p>
+          <a:endParaRPr lang="en-US"/>
+        </a:p>
+      </dgm:t>
     </dgm:pt>
     <dgm:pt modelId="{018451A9-1798-46E0-A8E8-7B7802379DF6}" type="pres">
       <dgm:prSet presAssocID="{437024EB-2350-4D65-BC4E-DA1295B339E5}" presName="connTx" presStyleLbl="parChTrans1D2" presStyleIdx="2" presStyleCnt="7"/>
       <dgm:spPr/>
+      <dgm:t>
+        <a:bodyPr/>
+        <a:lstStyle/>
+        <a:p>
+          <a:endParaRPr lang="en-US"/>
+        </a:p>
+      </dgm:t>
     </dgm:pt>
     <dgm:pt modelId="{0748889D-F095-4930-9199-5452BDD4185F}" type="pres">
       <dgm:prSet presAssocID="{291710CE-B00D-412F-9946-EF465FC3EF3C}" presName="root2" presStyleCnt="0"/>
@@ -5505,10 +4806,24 @@
     <dgm:pt modelId="{87400BC7-1F2C-47AD-89BC-EA557CEA5C6C}" type="pres">
       <dgm:prSet presAssocID="{4BCB0DA2-066F-411D-90B2-1638AD60401D}" presName="conn2-1" presStyleLbl="parChTrans1D2" presStyleIdx="3" presStyleCnt="7"/>
       <dgm:spPr/>
+      <dgm:t>
+        <a:bodyPr/>
+        <a:lstStyle/>
+        <a:p>
+          <a:endParaRPr lang="en-US"/>
+        </a:p>
+      </dgm:t>
     </dgm:pt>
     <dgm:pt modelId="{EF0BBA68-5166-4B9B-BFD1-C2F7DDB1C0EB}" type="pres">
       <dgm:prSet presAssocID="{4BCB0DA2-066F-411D-90B2-1638AD60401D}" presName="connTx" presStyleLbl="parChTrans1D2" presStyleIdx="3" presStyleCnt="7"/>
       <dgm:spPr/>
+      <dgm:t>
+        <a:bodyPr/>
+        <a:lstStyle/>
+        <a:p>
+          <a:endParaRPr lang="en-US"/>
+        </a:p>
+      </dgm:t>
     </dgm:pt>
     <dgm:pt modelId="{A584CA40-20A2-46AC-BD0C-1EC42F8B0AAB}" type="pres">
       <dgm:prSet presAssocID="{4453E654-4147-4FCC-A2B4-4DE5202E7D79}" presName="root2" presStyleCnt="0"/>
@@ -5536,10 +4851,24 @@
     <dgm:pt modelId="{C1C5D8E9-11D8-46F7-AADC-5D7474D40A6C}" type="pres">
       <dgm:prSet presAssocID="{32003586-DEC7-4BB5-B5F6-F862E7B8C342}" presName="conn2-1" presStyleLbl="parChTrans1D2" presStyleIdx="4" presStyleCnt="7"/>
       <dgm:spPr/>
+      <dgm:t>
+        <a:bodyPr/>
+        <a:lstStyle/>
+        <a:p>
+          <a:endParaRPr lang="en-US"/>
+        </a:p>
+      </dgm:t>
     </dgm:pt>
     <dgm:pt modelId="{A7B4ABB0-B9C3-4481-AC5D-7CD38A6CC54C}" type="pres">
       <dgm:prSet presAssocID="{32003586-DEC7-4BB5-B5F6-F862E7B8C342}" presName="connTx" presStyleLbl="parChTrans1D2" presStyleIdx="4" presStyleCnt="7"/>
       <dgm:spPr/>
+      <dgm:t>
+        <a:bodyPr/>
+        <a:lstStyle/>
+        <a:p>
+          <a:endParaRPr lang="en-US"/>
+        </a:p>
+      </dgm:t>
     </dgm:pt>
     <dgm:pt modelId="{B5720BDC-6445-4E1B-82E6-01A639A08ED6}" type="pres">
       <dgm:prSet presAssocID="{84C0ACAA-3ED0-412C-9A7B-511243BA06A1}" presName="root2" presStyleCnt="0"/>
@@ -5552,6 +4881,13 @@
         </dgm:presLayoutVars>
       </dgm:prSet>
       <dgm:spPr/>
+      <dgm:t>
+        <a:bodyPr/>
+        <a:lstStyle/>
+        <a:p>
+          <a:endParaRPr lang="en-US"/>
+        </a:p>
+      </dgm:t>
     </dgm:pt>
     <dgm:pt modelId="{5B4EFEDD-2E48-4AC4-BBA0-FC81E827A141}" type="pres">
       <dgm:prSet presAssocID="{84C0ACAA-3ED0-412C-9A7B-511243BA06A1}" presName="level3hierChild" presStyleCnt="0"/>
@@ -5560,10 +4896,24 @@
     <dgm:pt modelId="{68ACADBA-7432-47D9-9C80-3F296A3C5279}" type="pres">
       <dgm:prSet presAssocID="{2EEA3BD5-9943-4405-A3D1-D617AF81C870}" presName="conn2-1" presStyleLbl="parChTrans1D2" presStyleIdx="5" presStyleCnt="7"/>
       <dgm:spPr/>
+      <dgm:t>
+        <a:bodyPr/>
+        <a:lstStyle/>
+        <a:p>
+          <a:endParaRPr lang="en-US"/>
+        </a:p>
+      </dgm:t>
     </dgm:pt>
     <dgm:pt modelId="{37A1D1D2-ADB3-47A4-83CC-D491A1B60750}" type="pres">
       <dgm:prSet presAssocID="{2EEA3BD5-9943-4405-A3D1-D617AF81C870}" presName="connTx" presStyleLbl="parChTrans1D2" presStyleIdx="5" presStyleCnt="7"/>
       <dgm:spPr/>
+      <dgm:t>
+        <a:bodyPr/>
+        <a:lstStyle/>
+        <a:p>
+          <a:endParaRPr lang="en-US"/>
+        </a:p>
+      </dgm:t>
     </dgm:pt>
     <dgm:pt modelId="{07DAF156-9A1C-42C9-A99A-B1CDAB67FC2D}" type="pres">
       <dgm:prSet presAssocID="{0E5C8B0D-34DC-4825-A436-92A8BD36E347}" presName="root2" presStyleCnt="0"/>
@@ -5576,6 +4926,13 @@
         </dgm:presLayoutVars>
       </dgm:prSet>
       <dgm:spPr/>
+      <dgm:t>
+        <a:bodyPr/>
+        <a:lstStyle/>
+        <a:p>
+          <a:endParaRPr lang="en-US"/>
+        </a:p>
+      </dgm:t>
     </dgm:pt>
     <dgm:pt modelId="{F7CEA87F-5171-43D2-950B-25F2B571C924}" type="pres">
       <dgm:prSet presAssocID="{0E5C8B0D-34DC-4825-A436-92A8BD36E347}" presName="level3hierChild" presStyleCnt="0"/>
@@ -5584,10 +4941,24 @@
     <dgm:pt modelId="{EFDB44CE-A729-4FB0-9211-4FFD6FBB4A0D}" type="pres">
       <dgm:prSet presAssocID="{77D4AA51-4EDD-4F3D-AE92-B734F5A7B2AB}" presName="conn2-1" presStyleLbl="parChTrans1D2" presStyleIdx="6" presStyleCnt="7"/>
       <dgm:spPr/>
+      <dgm:t>
+        <a:bodyPr/>
+        <a:lstStyle/>
+        <a:p>
+          <a:endParaRPr lang="en-US"/>
+        </a:p>
+      </dgm:t>
     </dgm:pt>
     <dgm:pt modelId="{2EAFB008-B3FA-4D0F-A1D9-019B1815EC25}" type="pres">
       <dgm:prSet presAssocID="{77D4AA51-4EDD-4F3D-AE92-B734F5A7B2AB}" presName="connTx" presStyleLbl="parChTrans1D2" presStyleIdx="6" presStyleCnt="7"/>
       <dgm:spPr/>
+      <dgm:t>
+        <a:bodyPr/>
+        <a:lstStyle/>
+        <a:p>
+          <a:endParaRPr lang="en-US"/>
+        </a:p>
+      </dgm:t>
     </dgm:pt>
     <dgm:pt modelId="{745E4515-436D-465E-A419-50EFCB7B26C8}" type="pres">
       <dgm:prSet presAssocID="{005C86AA-7526-42AC-A445-795289BF3886}" presName="root2" presStyleCnt="0"/>
@@ -5600,6 +4971,13 @@
         </dgm:presLayoutVars>
       </dgm:prSet>
       <dgm:spPr/>
+      <dgm:t>
+        <a:bodyPr/>
+        <a:lstStyle/>
+        <a:p>
+          <a:endParaRPr lang="en-US"/>
+        </a:p>
+      </dgm:t>
     </dgm:pt>
     <dgm:pt modelId="{3E562F09-D683-4BC0-A9A2-747DC2518579}" type="pres">
       <dgm:prSet presAssocID="{005C86AA-7526-42AC-A445-795289BF3886}" presName="level3hierChild" presStyleCnt="0"/>
@@ -6018,6 +5396,13 @@
     <dgm:pt modelId="{1712F67D-2757-46B9-99DE-1063297C8FEF}" type="pres">
       <dgm:prSet presAssocID="{B365B8D3-E264-48D7-A3A3-A1779DC9AF90}" presName="Name10" presStyleLbl="parChTrans1D2" presStyleIdx="1" presStyleCnt="2"/>
       <dgm:spPr/>
+      <dgm:t>
+        <a:bodyPr/>
+        <a:lstStyle/>
+        <a:p>
+          <a:endParaRPr lang="en-US"/>
+        </a:p>
+      </dgm:t>
     </dgm:pt>
     <dgm:pt modelId="{B960B600-1EA0-41EF-9E4C-EABBF875DA29}" type="pres">
       <dgm:prSet presAssocID="{E4F6112C-D56A-495A-92D2-9C357C35EF87}" presName="hierRoot2" presStyleCnt="0"/>
@@ -6095,6 +5480,13 @@
     <dgm:pt modelId="{D0A692DF-C106-4069-B8AB-562813C46452}" type="pres">
       <dgm:prSet presAssocID="{FC557C24-89EB-41C1-8E6E-F1CD9B7B2DBD}" presName="Name17" presStyleLbl="parChTrans1D3" presStyleIdx="1" presStyleCnt="3"/>
       <dgm:spPr/>
+      <dgm:t>
+        <a:bodyPr/>
+        <a:lstStyle/>
+        <a:p>
+          <a:endParaRPr lang="en-US"/>
+        </a:p>
+      </dgm:t>
     </dgm:pt>
     <dgm:pt modelId="{70816EB1-8E6E-408A-B427-B46BD2ADDDD8}" type="pres">
       <dgm:prSet presAssocID="{7897116E-54C2-425E-9142-558BB64EC0B0}" presName="hierRoot3" presStyleCnt="0"/>
@@ -6130,6 +5522,13 @@
     <dgm:pt modelId="{24B3BF8E-6C7C-4C8B-A7E2-0A696373D9E2}" type="pres">
       <dgm:prSet presAssocID="{83793687-EA82-402C-B21C-1A858D88905C}" presName="Name17" presStyleLbl="parChTrans1D3" presStyleIdx="2" presStyleCnt="3"/>
       <dgm:spPr/>
+      <dgm:t>
+        <a:bodyPr/>
+        <a:lstStyle/>
+        <a:p>
+          <a:endParaRPr lang="en-US"/>
+        </a:p>
+      </dgm:t>
     </dgm:pt>
     <dgm:pt modelId="{9FB6FD34-C8DE-46E6-B6AC-AF797E2E5D45}" type="pres">
       <dgm:prSet presAssocID="{342F94B4-E815-4065-AEC9-75336B1B7E11}" presName="hierRoot3" presStyleCnt="0"/>
@@ -6164,24 +5563,24 @@
     </dgm:pt>
   </dgm:ptLst>
   <dgm:cxnLst>
+    <dgm:cxn modelId="{5ED88AB3-9AC5-4264-A698-9852DB3AC7AF}" type="presOf" srcId="{E9BCB5EF-8399-4525-AB16-717A1E0163F1}" destId="{5D66E1F5-FEC1-4AE8-8C6C-CC7D5EC557B8}" srcOrd="0" destOrd="0" presId="urn:microsoft.com/office/officeart/2005/8/layout/hierarchy1"/>
+    <dgm:cxn modelId="{E208AC06-6CF1-4996-A57C-6C47F29ED724}" srcId="{7F130BE0-01C8-4D9A-BB1B-3C5BCD6D38C8}" destId="{E9BCB5EF-8399-4525-AB16-717A1E0163F1}" srcOrd="0" destOrd="0" parTransId="{CD128504-1683-4CC6-8BA8-4BB9C807B359}" sibTransId="{E6668B10-5B0D-424D-9185-6506923F4996}"/>
+    <dgm:cxn modelId="{D73FF5B8-5F15-48C2-A7FA-41991F6326E8}" type="presOf" srcId="{23F10388-47AC-435C-A015-B286197A3FBB}" destId="{B24874F1-0DB6-4FC0-85C2-552C0F84413C}" srcOrd="0" destOrd="0" presId="urn:microsoft.com/office/officeart/2005/8/layout/hierarchy1"/>
+    <dgm:cxn modelId="{41BEA43B-81F7-455B-940A-B11DE09C4DCC}" type="presOf" srcId="{E4F6112C-D56A-495A-92D2-9C357C35EF87}" destId="{36AA362B-CD62-44B4-BC65-4B9D793360DF}" srcOrd="0" destOrd="0" presId="urn:microsoft.com/office/officeart/2005/8/layout/hierarchy1"/>
+    <dgm:cxn modelId="{9E9B376B-BCDF-4150-BF76-B3864C54F199}" srcId="{E4F6112C-D56A-495A-92D2-9C357C35EF87}" destId="{23F10388-47AC-435C-A015-B286197A3FBB}" srcOrd="0" destOrd="0" parTransId="{2295F0A3-DDA1-475C-8403-8B23168794B7}" sibTransId="{64FC148A-4BF9-42D3-848E-436AA95AF786}"/>
+    <dgm:cxn modelId="{1225B834-45C4-402A-9171-0C8692270661}" srcId="{E4F6112C-D56A-495A-92D2-9C357C35EF87}" destId="{7897116E-54C2-425E-9142-558BB64EC0B0}" srcOrd="1" destOrd="0" parTransId="{FC557C24-89EB-41C1-8E6E-F1CD9B7B2DBD}" sibTransId="{912D871E-D7FC-4FE8-B233-93A46F8901B5}"/>
+    <dgm:cxn modelId="{2644BBA3-C3F6-493C-B0D7-D7EA85BD9D91}" type="presOf" srcId="{B365B8D3-E264-48D7-A3A3-A1779DC9AF90}" destId="{1712F67D-2757-46B9-99DE-1063297C8FEF}" srcOrd="0" destOrd="0" presId="urn:microsoft.com/office/officeart/2005/8/layout/hierarchy1"/>
+    <dgm:cxn modelId="{83BA2010-E4B8-4F07-A786-9D9AF86303C3}" srcId="{7F130BE0-01C8-4D9A-BB1B-3C5BCD6D38C8}" destId="{E4F6112C-D56A-495A-92D2-9C357C35EF87}" srcOrd="1" destOrd="0" parTransId="{B365B8D3-E264-48D7-A3A3-A1779DC9AF90}" sibTransId="{E315FD0C-EDBA-48A2-A941-031A5A1E3762}"/>
+    <dgm:cxn modelId="{46E95547-0F2D-4B76-AFD6-84AFAB17FA57}" type="presOf" srcId="{7897116E-54C2-425E-9142-558BB64EC0B0}" destId="{07E43FDC-2451-4E49-B09D-01E1C470BAF5}" srcOrd="0" destOrd="0" presId="urn:microsoft.com/office/officeart/2005/8/layout/hierarchy1"/>
+    <dgm:cxn modelId="{96469F34-9833-4C86-8347-DBAD82F676E6}" type="presOf" srcId="{7F130BE0-01C8-4D9A-BB1B-3C5BCD6D38C8}" destId="{A7B1ABD5-A842-4E4A-886C-D1AE7036A20D}" srcOrd="0" destOrd="0" presId="urn:microsoft.com/office/officeart/2005/8/layout/hierarchy1"/>
+    <dgm:cxn modelId="{1FD71DFC-5DC8-4524-B5E3-0AA82F3D5D02}" type="presOf" srcId="{83793687-EA82-402C-B21C-1A858D88905C}" destId="{24B3BF8E-6C7C-4C8B-A7E2-0A696373D9E2}" srcOrd="0" destOrd="0" presId="urn:microsoft.com/office/officeart/2005/8/layout/hierarchy1"/>
+    <dgm:cxn modelId="{545831B2-B05C-41CB-A4AA-A3386D687583}" type="presOf" srcId="{CD128504-1683-4CC6-8BA8-4BB9C807B359}" destId="{98AAD8F0-CDEA-411F-BC4A-6AEA69606101}" srcOrd="0" destOrd="0" presId="urn:microsoft.com/office/officeart/2005/8/layout/hierarchy1"/>
+    <dgm:cxn modelId="{0D8F0D94-C060-4F2C-B583-68EE2523E9E9}" type="presOf" srcId="{2295F0A3-DDA1-475C-8403-8B23168794B7}" destId="{0CA7B415-8F44-4627-8CF8-951FA77DA24C}" srcOrd="0" destOrd="0" presId="urn:microsoft.com/office/officeart/2005/8/layout/hierarchy1"/>
+    <dgm:cxn modelId="{2F6509B3-C945-4FF4-8DC4-7C59B2546BA7}" srcId="{75E35E2E-3C27-492C-B580-D136251FC391}" destId="{7F130BE0-01C8-4D9A-BB1B-3C5BCD6D38C8}" srcOrd="0" destOrd="0" parTransId="{D7EBBA46-E899-4C7A-ABD8-A88A8DBB152A}" sibTransId="{D38DEE3E-7F3D-4BD5-B3FE-A4DF6683BF57}"/>
+    <dgm:cxn modelId="{5FA6A6B1-500F-43D2-9B27-B6091813B252}" type="presOf" srcId="{FC557C24-89EB-41C1-8E6E-F1CD9B7B2DBD}" destId="{D0A692DF-C106-4069-B8AB-562813C46452}" srcOrd="0" destOrd="0" presId="urn:microsoft.com/office/officeart/2005/8/layout/hierarchy1"/>
+    <dgm:cxn modelId="{580356BA-3B60-414E-BEF0-E30279303A03}" type="presOf" srcId="{342F94B4-E815-4065-AEC9-75336B1B7E11}" destId="{296BC530-21A3-49CE-8200-B1F7FD1A89C1}" srcOrd="0" destOrd="0" presId="urn:microsoft.com/office/officeart/2005/8/layout/hierarchy1"/>
     <dgm:cxn modelId="{DA2B9C1E-37F9-4E88-81B7-5E48A62E062D}" type="presOf" srcId="{75E35E2E-3C27-492C-B580-D136251FC391}" destId="{2BC365F2-49A4-42D8-AA6F-2F36E9402C2A}" srcOrd="0" destOrd="0" presId="urn:microsoft.com/office/officeart/2005/8/layout/hierarchy1"/>
-    <dgm:cxn modelId="{41BEA43B-81F7-455B-940A-B11DE09C4DCC}" type="presOf" srcId="{E4F6112C-D56A-495A-92D2-9C357C35EF87}" destId="{36AA362B-CD62-44B4-BC65-4B9D793360DF}" srcOrd="0" destOrd="0" presId="urn:microsoft.com/office/officeart/2005/8/layout/hierarchy1"/>
-    <dgm:cxn modelId="{545831B2-B05C-41CB-A4AA-A3386D687583}" type="presOf" srcId="{CD128504-1683-4CC6-8BA8-4BB9C807B359}" destId="{98AAD8F0-CDEA-411F-BC4A-6AEA69606101}" srcOrd="0" destOrd="0" presId="urn:microsoft.com/office/officeart/2005/8/layout/hierarchy1"/>
-    <dgm:cxn modelId="{2F6509B3-C945-4FF4-8DC4-7C59B2546BA7}" srcId="{75E35E2E-3C27-492C-B580-D136251FC391}" destId="{7F130BE0-01C8-4D9A-BB1B-3C5BCD6D38C8}" srcOrd="0" destOrd="0" parTransId="{D7EBBA46-E899-4C7A-ABD8-A88A8DBB152A}" sibTransId="{D38DEE3E-7F3D-4BD5-B3FE-A4DF6683BF57}"/>
-    <dgm:cxn modelId="{1FD71DFC-5DC8-4524-B5E3-0AA82F3D5D02}" type="presOf" srcId="{83793687-EA82-402C-B21C-1A858D88905C}" destId="{24B3BF8E-6C7C-4C8B-A7E2-0A696373D9E2}" srcOrd="0" destOrd="0" presId="urn:microsoft.com/office/officeart/2005/8/layout/hierarchy1"/>
-    <dgm:cxn modelId="{83BA2010-E4B8-4F07-A786-9D9AF86303C3}" srcId="{7F130BE0-01C8-4D9A-BB1B-3C5BCD6D38C8}" destId="{E4F6112C-D56A-495A-92D2-9C357C35EF87}" srcOrd="1" destOrd="0" parTransId="{B365B8D3-E264-48D7-A3A3-A1779DC9AF90}" sibTransId="{E315FD0C-EDBA-48A2-A941-031A5A1E3762}"/>
-    <dgm:cxn modelId="{E208AC06-6CF1-4996-A57C-6C47F29ED724}" srcId="{7F130BE0-01C8-4D9A-BB1B-3C5BCD6D38C8}" destId="{E9BCB5EF-8399-4525-AB16-717A1E0163F1}" srcOrd="0" destOrd="0" parTransId="{CD128504-1683-4CC6-8BA8-4BB9C807B359}" sibTransId="{E6668B10-5B0D-424D-9185-6506923F4996}"/>
-    <dgm:cxn modelId="{5ED88AB3-9AC5-4264-A698-9852DB3AC7AF}" type="presOf" srcId="{E9BCB5EF-8399-4525-AB16-717A1E0163F1}" destId="{5D66E1F5-FEC1-4AE8-8C6C-CC7D5EC557B8}" srcOrd="0" destOrd="0" presId="urn:microsoft.com/office/officeart/2005/8/layout/hierarchy1"/>
-    <dgm:cxn modelId="{580356BA-3B60-414E-BEF0-E30279303A03}" type="presOf" srcId="{342F94B4-E815-4065-AEC9-75336B1B7E11}" destId="{296BC530-21A3-49CE-8200-B1F7FD1A89C1}" srcOrd="0" destOrd="0" presId="urn:microsoft.com/office/officeart/2005/8/layout/hierarchy1"/>
-    <dgm:cxn modelId="{96469F34-9833-4C86-8347-DBAD82F676E6}" type="presOf" srcId="{7F130BE0-01C8-4D9A-BB1B-3C5BCD6D38C8}" destId="{A7B1ABD5-A842-4E4A-886C-D1AE7036A20D}" srcOrd="0" destOrd="0" presId="urn:microsoft.com/office/officeart/2005/8/layout/hierarchy1"/>
-    <dgm:cxn modelId="{2644BBA3-C3F6-493C-B0D7-D7EA85BD9D91}" type="presOf" srcId="{B365B8D3-E264-48D7-A3A3-A1779DC9AF90}" destId="{1712F67D-2757-46B9-99DE-1063297C8FEF}" srcOrd="0" destOrd="0" presId="urn:microsoft.com/office/officeart/2005/8/layout/hierarchy1"/>
-    <dgm:cxn modelId="{1225B834-45C4-402A-9171-0C8692270661}" srcId="{E4F6112C-D56A-495A-92D2-9C357C35EF87}" destId="{7897116E-54C2-425E-9142-558BB64EC0B0}" srcOrd="1" destOrd="0" parTransId="{FC557C24-89EB-41C1-8E6E-F1CD9B7B2DBD}" sibTransId="{912D871E-D7FC-4FE8-B233-93A46F8901B5}"/>
-    <dgm:cxn modelId="{9E9B376B-BCDF-4150-BF76-B3864C54F199}" srcId="{E4F6112C-D56A-495A-92D2-9C357C35EF87}" destId="{23F10388-47AC-435C-A015-B286197A3FBB}" srcOrd="0" destOrd="0" parTransId="{2295F0A3-DDA1-475C-8403-8B23168794B7}" sibTransId="{64FC148A-4BF9-42D3-848E-436AA95AF786}"/>
     <dgm:cxn modelId="{EEF94C88-06C3-41FB-9FF4-8F098CA729A8}" srcId="{E4F6112C-D56A-495A-92D2-9C357C35EF87}" destId="{342F94B4-E815-4065-AEC9-75336B1B7E11}" srcOrd="2" destOrd="0" parTransId="{83793687-EA82-402C-B21C-1A858D88905C}" sibTransId="{F70574B9-CAE1-46E4-91B2-C6A572A9ECA7}"/>
-    <dgm:cxn modelId="{D73FF5B8-5F15-48C2-A7FA-41991F6326E8}" type="presOf" srcId="{23F10388-47AC-435C-A015-B286197A3FBB}" destId="{B24874F1-0DB6-4FC0-85C2-552C0F84413C}" srcOrd="0" destOrd="0" presId="urn:microsoft.com/office/officeart/2005/8/layout/hierarchy1"/>
-    <dgm:cxn modelId="{0D8F0D94-C060-4F2C-B583-68EE2523E9E9}" type="presOf" srcId="{2295F0A3-DDA1-475C-8403-8B23168794B7}" destId="{0CA7B415-8F44-4627-8CF8-951FA77DA24C}" srcOrd="0" destOrd="0" presId="urn:microsoft.com/office/officeart/2005/8/layout/hierarchy1"/>
-    <dgm:cxn modelId="{5FA6A6B1-500F-43D2-9B27-B6091813B252}" type="presOf" srcId="{FC557C24-89EB-41C1-8E6E-F1CD9B7B2DBD}" destId="{D0A692DF-C106-4069-B8AB-562813C46452}" srcOrd="0" destOrd="0" presId="urn:microsoft.com/office/officeart/2005/8/layout/hierarchy1"/>
-    <dgm:cxn modelId="{46E95547-0F2D-4B76-AFD6-84AFAB17FA57}" type="presOf" srcId="{7897116E-54C2-425E-9142-558BB64EC0B0}" destId="{07E43FDC-2451-4E49-B09D-01E1C470BAF5}" srcOrd="0" destOrd="0" presId="urn:microsoft.com/office/officeart/2005/8/layout/hierarchy1"/>
     <dgm:cxn modelId="{D62CB951-9064-42B6-9B6C-E8DD7D1EF630}" type="presParOf" srcId="{2BC365F2-49A4-42D8-AA6F-2F36E9402C2A}" destId="{FA27D020-9249-4404-A132-CC49157FA098}" srcOrd="0" destOrd="0" presId="urn:microsoft.com/office/officeart/2005/8/layout/hierarchy1"/>
     <dgm:cxn modelId="{A6E073C0-C212-44D1-9E32-ADCC6CD702C6}" type="presParOf" srcId="{FA27D020-9249-4404-A132-CC49157FA098}" destId="{A1B570B5-AFF8-492F-AA19-E5E0A19EFA8A}" srcOrd="0" destOrd="0" presId="urn:microsoft.com/office/officeart/2005/8/layout/hierarchy1"/>
     <dgm:cxn modelId="{4AE1EC06-C015-465E-AA09-0C53C17D9A2D}" type="presParOf" srcId="{A1B570B5-AFF8-492F-AA19-E5E0A19EFA8A}" destId="{61EA8C5B-FD65-4D36-97E0-B4187F87E225}" srcOrd="0" destOrd="0" presId="urn:microsoft.com/office/officeart/2005/8/layout/hierarchy1"/>
@@ -6217,597 +5616,6 @@
     <dgm:cxn modelId="{2FFD7117-F201-42B8-B0DC-07F1FE034E91}" type="presParOf" srcId="{55BF1DEE-6ECD-4891-AF0F-F4F4F3744288}" destId="{9171507A-C72F-4E50-83FA-3C1226EEAD9A}" srcOrd="0" destOrd="0" presId="urn:microsoft.com/office/officeart/2005/8/layout/hierarchy1"/>
     <dgm:cxn modelId="{BAF2FFD1-F246-48D2-BDA9-8DDB0F423BBE}" type="presParOf" srcId="{55BF1DEE-6ECD-4891-AF0F-F4F4F3744288}" destId="{296BC530-21A3-49CE-8200-B1F7FD1A89C1}" srcOrd="1" destOrd="0" presId="urn:microsoft.com/office/officeart/2005/8/layout/hierarchy1"/>
     <dgm:cxn modelId="{14100715-3A61-4320-85DD-F4C072B327C7}" type="presParOf" srcId="{9FB6FD34-C8DE-46E6-B6AC-AF797E2E5D45}" destId="{DB4B2C7A-FD66-4777-A6CB-D0491B70D6F8}" srcOrd="1" destOrd="0" presId="urn:microsoft.com/office/officeart/2005/8/layout/hierarchy1"/>
-  </dgm:cxnLst>
-  <dgm:bg/>
-  <dgm:whole/>
-  <dgm:extLst>
-    <a:ext uri="http://schemas.microsoft.com/office/drawing/2008/diagram">
-      <dsp:dataModelExt xmlns:dsp="http://schemas.microsoft.com/office/drawing/2008/diagram" relId="rId7" minVer="http://schemas.openxmlformats.org/drawingml/2006/diagram"/>
-    </a:ext>
-  </dgm:extLst>
-</dgm:dataModel>
-</file>
-
-<file path=ppt/diagrams/data5.xml><?xml version="1.0" encoding="utf-8"?>
-<dgm:dataModel xmlns:dgm="http://schemas.openxmlformats.org/drawingml/2006/diagram" xmlns:a="http://schemas.openxmlformats.org/drawingml/2006/main">
-  <dgm:ptLst>
-    <dgm:pt modelId="{75E35E2E-3C27-492C-B580-D136251FC391}" type="doc">
-      <dgm:prSet loTypeId="urn:microsoft.com/office/officeart/2005/8/layout/orgChart1" loCatId="hierarchy" qsTypeId="urn:microsoft.com/office/officeart/2005/8/quickstyle/simple1" qsCatId="simple" csTypeId="urn:microsoft.com/office/officeart/2005/8/colors/accent1_2" csCatId="accent1" phldr="1"/>
-      <dgm:spPr/>
-      <dgm:t>
-        <a:bodyPr/>
-        <a:lstStyle/>
-        <a:p>
-          <a:endParaRPr lang="en-US"/>
-        </a:p>
-      </dgm:t>
-    </dgm:pt>
-    <dgm:pt modelId="{7F130BE0-01C8-4D9A-BB1B-3C5BCD6D38C8}">
-      <dgm:prSet phldrT="[Text]"/>
-      <dgm:spPr/>
-      <dgm:t>
-        <a:bodyPr/>
-        <a:lstStyle/>
-        <a:p>
-          <a:r>
-            <a:rPr lang="en-US" dirty="0" err="1" smtClean="0"/>
-            <a:t>Tại</a:t>
-          </a:r>
-          <a:r>
-            <a:rPr lang="en-US" dirty="0" smtClean="0"/>
-            <a:t> </a:t>
-          </a:r>
-          <a:r>
-            <a:rPr lang="en-US" dirty="0" err="1" smtClean="0"/>
-            <a:t>sao</a:t>
-          </a:r>
-          <a:r>
-            <a:rPr lang="en-US" dirty="0" smtClean="0"/>
-            <a:t> phải </a:t>
-          </a:r>
-          <a:r>
-            <a:rPr lang="en-US" dirty="0" err="1" smtClean="0"/>
-            <a:t>testcase</a:t>
-          </a:r>
-          <a:endParaRPr lang="en-US" dirty="0"/>
-        </a:p>
-      </dgm:t>
-    </dgm:pt>
-    <dgm:pt modelId="{D7EBBA46-E899-4C7A-ABD8-A88A8DBB152A}" type="parTrans" cxnId="{2F6509B3-C945-4FF4-8DC4-7C59B2546BA7}">
-      <dgm:prSet/>
-      <dgm:spPr/>
-      <dgm:t>
-        <a:bodyPr/>
-        <a:lstStyle/>
-        <a:p>
-          <a:endParaRPr lang="en-US"/>
-        </a:p>
-      </dgm:t>
-    </dgm:pt>
-    <dgm:pt modelId="{D38DEE3E-7F3D-4BD5-B3FE-A4DF6683BF57}" type="sibTrans" cxnId="{2F6509B3-C945-4FF4-8DC4-7C59B2546BA7}">
-      <dgm:prSet/>
-      <dgm:spPr/>
-      <dgm:t>
-        <a:bodyPr/>
-        <a:lstStyle/>
-        <a:p>
-          <a:endParaRPr lang="en-US"/>
-        </a:p>
-      </dgm:t>
-    </dgm:pt>
-    <dgm:pt modelId="{E9BCB5EF-8399-4525-AB16-717A1E0163F1}">
-      <dgm:prSet phldrT="[Text]"/>
-      <dgm:spPr/>
-      <dgm:t>
-        <a:bodyPr/>
-        <a:lstStyle/>
-        <a:p>
-          <a:r>
-            <a:rPr lang="en-US" dirty="0" err="1" smtClean="0"/>
-            <a:t>Giúp</a:t>
-          </a:r>
-          <a:r>
-            <a:rPr lang="en-US" dirty="0" smtClean="0"/>
-            <a:t> phần </a:t>
-          </a:r>
-          <a:r>
-            <a:rPr lang="en-US" dirty="0" err="1" smtClean="0"/>
-            <a:t>mềm</a:t>
-          </a:r>
-          <a:r>
-            <a:rPr lang="en-US" dirty="0" smtClean="0"/>
-            <a:t> </a:t>
-          </a:r>
-          <a:r>
-            <a:rPr lang="en-US" dirty="0" err="1" smtClean="0"/>
-            <a:t>hoàn</a:t>
-          </a:r>
-          <a:r>
-            <a:rPr lang="en-US" dirty="0" smtClean="0"/>
-            <a:t> </a:t>
-          </a:r>
-          <a:r>
-            <a:rPr lang="en-US" dirty="0" err="1" smtClean="0"/>
-            <a:t>chỉnh</a:t>
-          </a:r>
-          <a:endParaRPr lang="en-US" dirty="0"/>
-        </a:p>
-      </dgm:t>
-    </dgm:pt>
-    <dgm:pt modelId="{CD128504-1683-4CC6-8BA8-4BB9C807B359}" type="parTrans" cxnId="{E208AC06-6CF1-4996-A57C-6C47F29ED724}">
-      <dgm:prSet/>
-      <dgm:spPr/>
-      <dgm:t>
-        <a:bodyPr/>
-        <a:lstStyle/>
-        <a:p>
-          <a:endParaRPr lang="en-US"/>
-        </a:p>
-      </dgm:t>
-    </dgm:pt>
-    <dgm:pt modelId="{E6668B10-5B0D-424D-9185-6506923F4996}" type="sibTrans" cxnId="{E208AC06-6CF1-4996-A57C-6C47F29ED724}">
-      <dgm:prSet/>
-      <dgm:spPr/>
-      <dgm:t>
-        <a:bodyPr/>
-        <a:lstStyle/>
-        <a:p>
-          <a:endParaRPr lang="en-US"/>
-        </a:p>
-      </dgm:t>
-    </dgm:pt>
-    <dgm:pt modelId="{23F10388-47AC-435C-A015-B286197A3FBB}">
-      <dgm:prSet phldrT="[Text]"/>
-      <dgm:spPr/>
-      <dgm:t>
-        <a:bodyPr/>
-        <a:lstStyle/>
-        <a:p>
-          <a:r>
-            <a:rPr lang="en-US" dirty="0" err="1" smtClean="0"/>
-            <a:t>thống</a:t>
-          </a:r>
-          <a:r>
-            <a:rPr lang="en-US" dirty="0" smtClean="0"/>
-            <a:t> </a:t>
-          </a:r>
-          <a:r>
-            <a:rPr lang="en-US" dirty="0" err="1" smtClean="0"/>
-            <a:t>kê</a:t>
-          </a:r>
-          <a:r>
-            <a:rPr lang="en-US" dirty="0" smtClean="0"/>
-            <a:t> toàn </a:t>
-          </a:r>
-          <a:r>
-            <a:rPr lang="en-US" dirty="0" err="1" smtClean="0"/>
-            <a:t>bộ</a:t>
-          </a:r>
-          <a:r>
-            <a:rPr lang="en-US" dirty="0" smtClean="0"/>
-            <a:t> </a:t>
-          </a:r>
-          <a:r>
-            <a:rPr lang="en-US" dirty="0" err="1" smtClean="0"/>
-            <a:t>những</a:t>
-          </a:r>
-          <a:r>
-            <a:rPr lang="en-US" dirty="0" smtClean="0"/>
-            <a:t> </a:t>
-          </a:r>
-          <a:r>
-            <a:rPr lang="en-US" dirty="0" err="1" smtClean="0"/>
-            <a:t>yêu</a:t>
-          </a:r>
-          <a:r>
-            <a:rPr lang="en-US" dirty="0" smtClean="0"/>
-            <a:t> </a:t>
-          </a:r>
-          <a:r>
-            <a:rPr lang="en-US" dirty="0" err="1" smtClean="0"/>
-            <a:t>cầu</a:t>
-          </a:r>
-          <a:r>
-            <a:rPr lang="en-US" dirty="0" smtClean="0"/>
-            <a:t> của </a:t>
-          </a:r>
-          <a:r>
-            <a:rPr lang="en-US" dirty="0" err="1" smtClean="0"/>
-            <a:t>khách</a:t>
-          </a:r>
-          <a:r>
-            <a:rPr lang="en-US" dirty="0" smtClean="0"/>
-            <a:t> </a:t>
-          </a:r>
-          <a:r>
-            <a:rPr lang="en-US" dirty="0" err="1" smtClean="0"/>
-            <a:t>hàng</a:t>
-          </a:r>
-          <a:endParaRPr lang="en-US" dirty="0"/>
-        </a:p>
-      </dgm:t>
-    </dgm:pt>
-    <dgm:pt modelId="{2295F0A3-DDA1-475C-8403-8B23168794B7}" type="parTrans" cxnId="{9E9B376B-BCDF-4150-BF76-B3864C54F199}">
-      <dgm:prSet/>
-      <dgm:spPr/>
-      <dgm:t>
-        <a:bodyPr/>
-        <a:lstStyle/>
-        <a:p>
-          <a:endParaRPr lang="en-US"/>
-        </a:p>
-      </dgm:t>
-    </dgm:pt>
-    <dgm:pt modelId="{64FC148A-4BF9-42D3-848E-436AA95AF786}" type="sibTrans" cxnId="{9E9B376B-BCDF-4150-BF76-B3864C54F199}">
-      <dgm:prSet/>
-      <dgm:spPr/>
-      <dgm:t>
-        <a:bodyPr/>
-        <a:lstStyle/>
-        <a:p>
-          <a:endParaRPr lang="en-US"/>
-        </a:p>
-      </dgm:t>
-    </dgm:pt>
-    <dgm:pt modelId="{F193B61E-E898-441B-A0F5-FB606ED20A63}">
-      <dgm:prSet phldrT="[Text]"/>
-      <dgm:spPr/>
-      <dgm:t>
-        <a:bodyPr/>
-        <a:lstStyle/>
-        <a:p>
-          <a:r>
-            <a:rPr lang="en-US" dirty="0" smtClean="0"/>
-            <a:t>biết </a:t>
-          </a:r>
-          <a:r>
-            <a:rPr lang="en-US" dirty="0" err="1" smtClean="0"/>
-            <a:t>được</a:t>
-          </a:r>
-          <a:r>
-            <a:rPr lang="en-US" dirty="0" smtClean="0"/>
-            <a:t> </a:t>
-          </a:r>
-          <a:r>
-            <a:rPr lang="en-US" dirty="0" err="1" smtClean="0"/>
-            <a:t>rằng</a:t>
-          </a:r>
-          <a:r>
-            <a:rPr lang="en-US" dirty="0" smtClean="0"/>
-            <a:t> chức năng nào </a:t>
-          </a:r>
-          <a:r>
-            <a:rPr lang="en-US" dirty="0" err="1" smtClean="0"/>
-            <a:t>đã</a:t>
-          </a:r>
-          <a:r>
-            <a:rPr lang="en-US" dirty="0" smtClean="0"/>
-            <a:t> </a:t>
-          </a:r>
-          <a:r>
-            <a:rPr lang="en-US" dirty="0" err="1" smtClean="0"/>
-            <a:t>hoàn</a:t>
-          </a:r>
-          <a:r>
-            <a:rPr lang="en-US" dirty="0" smtClean="0"/>
-            <a:t> </a:t>
-          </a:r>
-          <a:r>
-            <a:rPr lang="en-US" dirty="0" err="1" smtClean="0"/>
-            <a:t>thiện</a:t>
-          </a:r>
-          <a:r>
-            <a:rPr lang="en-US" dirty="0" smtClean="0"/>
-            <a:t> </a:t>
-          </a:r>
-          <a:endParaRPr lang="en-US" dirty="0"/>
-        </a:p>
-      </dgm:t>
-    </dgm:pt>
-    <dgm:pt modelId="{74EC8945-D7C8-40E3-9018-3E01F8328B7C}" type="parTrans" cxnId="{1F9BC249-B36F-405F-B912-B0FCB58F5AF0}">
-      <dgm:prSet/>
-      <dgm:spPr/>
-      <dgm:t>
-        <a:bodyPr/>
-        <a:lstStyle/>
-        <a:p>
-          <a:endParaRPr lang="en-US"/>
-        </a:p>
-      </dgm:t>
-    </dgm:pt>
-    <dgm:pt modelId="{F84D51E5-BC93-4E36-85D0-D5F3A57770AC}" type="sibTrans" cxnId="{1F9BC249-B36F-405F-B912-B0FCB58F5AF0}">
-      <dgm:prSet/>
-      <dgm:spPr/>
-      <dgm:t>
-        <a:bodyPr/>
-        <a:lstStyle/>
-        <a:p>
-          <a:endParaRPr lang="en-US"/>
-        </a:p>
-      </dgm:t>
-    </dgm:pt>
-    <dgm:pt modelId="{EEF72464-C516-4B0B-A960-25305A245A88}" type="pres">
-      <dgm:prSet presAssocID="{75E35E2E-3C27-492C-B580-D136251FC391}" presName="hierChild1" presStyleCnt="0">
-        <dgm:presLayoutVars>
-          <dgm:orgChart val="1"/>
-          <dgm:chPref val="1"/>
-          <dgm:dir/>
-          <dgm:animOne val="branch"/>
-          <dgm:animLvl val="lvl"/>
-          <dgm:resizeHandles/>
-        </dgm:presLayoutVars>
-      </dgm:prSet>
-      <dgm:spPr/>
-      <dgm:t>
-        <a:bodyPr/>
-        <a:lstStyle/>
-        <a:p>
-          <a:endParaRPr lang="en-US"/>
-        </a:p>
-      </dgm:t>
-    </dgm:pt>
-    <dgm:pt modelId="{C97697F4-6DEB-44D5-B2BF-C9C3732960FD}" type="pres">
-      <dgm:prSet presAssocID="{7F130BE0-01C8-4D9A-BB1B-3C5BCD6D38C8}" presName="hierRoot1" presStyleCnt="0">
-        <dgm:presLayoutVars>
-          <dgm:hierBranch val="init"/>
-        </dgm:presLayoutVars>
-      </dgm:prSet>
-      <dgm:spPr/>
-    </dgm:pt>
-    <dgm:pt modelId="{3829049C-E008-429B-BFF1-1DFA712A57D7}" type="pres">
-      <dgm:prSet presAssocID="{7F130BE0-01C8-4D9A-BB1B-3C5BCD6D38C8}" presName="rootComposite1" presStyleCnt="0"/>
-      <dgm:spPr/>
-    </dgm:pt>
-    <dgm:pt modelId="{243DB652-8D43-4B39-A5E3-3DA160257AD1}" type="pres">
-      <dgm:prSet presAssocID="{7F130BE0-01C8-4D9A-BB1B-3C5BCD6D38C8}" presName="rootText1" presStyleLbl="node0" presStyleIdx="0" presStyleCnt="1" custScaleX="169949" custLinFactNeighborX="1171" custLinFactNeighborY="-57119">
-        <dgm:presLayoutVars>
-          <dgm:chPref val="3"/>
-        </dgm:presLayoutVars>
-      </dgm:prSet>
-      <dgm:spPr/>
-      <dgm:t>
-        <a:bodyPr/>
-        <a:lstStyle/>
-        <a:p>
-          <a:endParaRPr lang="en-US"/>
-        </a:p>
-      </dgm:t>
-    </dgm:pt>
-    <dgm:pt modelId="{D37D9C4A-73FD-47D0-8B55-6EC2DFBB9DE5}" type="pres">
-      <dgm:prSet presAssocID="{7F130BE0-01C8-4D9A-BB1B-3C5BCD6D38C8}" presName="rootConnector1" presStyleLbl="node1" presStyleIdx="0" presStyleCnt="0"/>
-      <dgm:spPr/>
-      <dgm:t>
-        <a:bodyPr/>
-        <a:lstStyle/>
-        <a:p>
-          <a:endParaRPr lang="en-US"/>
-        </a:p>
-      </dgm:t>
-    </dgm:pt>
-    <dgm:pt modelId="{15DC1858-94E9-42F5-816F-D9CEC0CA7F7F}" type="pres">
-      <dgm:prSet presAssocID="{7F130BE0-01C8-4D9A-BB1B-3C5BCD6D38C8}" presName="hierChild2" presStyleCnt="0"/>
-      <dgm:spPr/>
-    </dgm:pt>
-    <dgm:pt modelId="{979589C6-ED99-4DF8-A53F-91DBBB91E029}" type="pres">
-      <dgm:prSet presAssocID="{CD128504-1683-4CC6-8BA8-4BB9C807B359}" presName="Name37" presStyleLbl="parChTrans1D2" presStyleIdx="0" presStyleCnt="3"/>
-      <dgm:spPr/>
-      <dgm:t>
-        <a:bodyPr/>
-        <a:lstStyle/>
-        <a:p>
-          <a:endParaRPr lang="en-US"/>
-        </a:p>
-      </dgm:t>
-    </dgm:pt>
-    <dgm:pt modelId="{B352D191-BD9E-41C4-9F84-A0EF0C00AD69}" type="pres">
-      <dgm:prSet presAssocID="{E9BCB5EF-8399-4525-AB16-717A1E0163F1}" presName="hierRoot2" presStyleCnt="0">
-        <dgm:presLayoutVars>
-          <dgm:hierBranch val="init"/>
-        </dgm:presLayoutVars>
-      </dgm:prSet>
-      <dgm:spPr/>
-    </dgm:pt>
-    <dgm:pt modelId="{FF706ECD-F584-4EDA-9E35-0AA30A734942}" type="pres">
-      <dgm:prSet presAssocID="{E9BCB5EF-8399-4525-AB16-717A1E0163F1}" presName="rootComposite" presStyleCnt="0"/>
-      <dgm:spPr/>
-    </dgm:pt>
-    <dgm:pt modelId="{18318462-267C-415A-BCD8-4757C2E9755C}" type="pres">
-      <dgm:prSet presAssocID="{E9BCB5EF-8399-4525-AB16-717A1E0163F1}" presName="rootText" presStyleLbl="node2" presStyleIdx="0" presStyleCnt="3">
-        <dgm:presLayoutVars>
-          <dgm:chPref val="3"/>
-        </dgm:presLayoutVars>
-      </dgm:prSet>
-      <dgm:spPr/>
-      <dgm:t>
-        <a:bodyPr/>
-        <a:lstStyle/>
-        <a:p>
-          <a:endParaRPr lang="en-US"/>
-        </a:p>
-      </dgm:t>
-    </dgm:pt>
-    <dgm:pt modelId="{06A9F908-8CEF-4707-8CF5-753F9CC4C780}" type="pres">
-      <dgm:prSet presAssocID="{E9BCB5EF-8399-4525-AB16-717A1E0163F1}" presName="rootConnector" presStyleLbl="node2" presStyleIdx="0" presStyleCnt="3"/>
-      <dgm:spPr/>
-      <dgm:t>
-        <a:bodyPr/>
-        <a:lstStyle/>
-        <a:p>
-          <a:endParaRPr lang="en-US"/>
-        </a:p>
-      </dgm:t>
-    </dgm:pt>
-    <dgm:pt modelId="{5D14BBE7-E274-4978-BFD3-597A7E0A6F66}" type="pres">
-      <dgm:prSet presAssocID="{E9BCB5EF-8399-4525-AB16-717A1E0163F1}" presName="hierChild4" presStyleCnt="0"/>
-      <dgm:spPr/>
-    </dgm:pt>
-    <dgm:pt modelId="{0194DB32-D787-4DAA-8D1F-EC7E7E4673F5}" type="pres">
-      <dgm:prSet presAssocID="{E9BCB5EF-8399-4525-AB16-717A1E0163F1}" presName="hierChild5" presStyleCnt="0"/>
-      <dgm:spPr/>
-    </dgm:pt>
-    <dgm:pt modelId="{CFD8E791-FEB0-4A5D-94B0-3D7C634E365E}" type="pres">
-      <dgm:prSet presAssocID="{2295F0A3-DDA1-475C-8403-8B23168794B7}" presName="Name37" presStyleLbl="parChTrans1D2" presStyleIdx="1" presStyleCnt="3"/>
-      <dgm:spPr/>
-      <dgm:t>
-        <a:bodyPr/>
-        <a:lstStyle/>
-        <a:p>
-          <a:endParaRPr lang="en-US"/>
-        </a:p>
-      </dgm:t>
-    </dgm:pt>
-    <dgm:pt modelId="{D6CA8E44-967F-4223-88CF-0D5E8F8AF022}" type="pres">
-      <dgm:prSet presAssocID="{23F10388-47AC-435C-A015-B286197A3FBB}" presName="hierRoot2" presStyleCnt="0">
-        <dgm:presLayoutVars>
-          <dgm:hierBranch val="init"/>
-        </dgm:presLayoutVars>
-      </dgm:prSet>
-      <dgm:spPr/>
-    </dgm:pt>
-    <dgm:pt modelId="{A0A4D1B4-46F7-4BFD-AEA7-95C23C1CD720}" type="pres">
-      <dgm:prSet presAssocID="{23F10388-47AC-435C-A015-B286197A3FBB}" presName="rootComposite" presStyleCnt="0"/>
-      <dgm:spPr/>
-    </dgm:pt>
-    <dgm:pt modelId="{0F1F0A18-C095-4F24-8B79-AF351FB390DE}" type="pres">
-      <dgm:prSet presAssocID="{23F10388-47AC-435C-A015-B286197A3FBB}" presName="rootText" presStyleLbl="node2" presStyleIdx="1" presStyleCnt="3">
-        <dgm:presLayoutVars>
-          <dgm:chPref val="3"/>
-        </dgm:presLayoutVars>
-      </dgm:prSet>
-      <dgm:spPr/>
-      <dgm:t>
-        <a:bodyPr/>
-        <a:lstStyle/>
-        <a:p>
-          <a:endParaRPr lang="en-US"/>
-        </a:p>
-      </dgm:t>
-    </dgm:pt>
-    <dgm:pt modelId="{045FD388-030D-48CD-9AEC-E9070B4FAC1C}" type="pres">
-      <dgm:prSet presAssocID="{23F10388-47AC-435C-A015-B286197A3FBB}" presName="rootConnector" presStyleLbl="node2" presStyleIdx="1" presStyleCnt="3"/>
-      <dgm:spPr/>
-      <dgm:t>
-        <a:bodyPr/>
-        <a:lstStyle/>
-        <a:p>
-          <a:endParaRPr lang="en-US"/>
-        </a:p>
-      </dgm:t>
-    </dgm:pt>
-    <dgm:pt modelId="{6409657D-65F5-44D0-ABDD-DDE1AD13A440}" type="pres">
-      <dgm:prSet presAssocID="{23F10388-47AC-435C-A015-B286197A3FBB}" presName="hierChild4" presStyleCnt="0"/>
-      <dgm:spPr/>
-    </dgm:pt>
-    <dgm:pt modelId="{EC41B668-CC83-4870-A898-4CF5E05BE890}" type="pres">
-      <dgm:prSet presAssocID="{23F10388-47AC-435C-A015-B286197A3FBB}" presName="hierChild5" presStyleCnt="0"/>
-      <dgm:spPr/>
-    </dgm:pt>
-    <dgm:pt modelId="{4DE4FFE2-7616-4C2C-83EE-EE938EA58535}" type="pres">
-      <dgm:prSet presAssocID="{74EC8945-D7C8-40E3-9018-3E01F8328B7C}" presName="Name37" presStyleLbl="parChTrans1D2" presStyleIdx="2" presStyleCnt="3"/>
-      <dgm:spPr/>
-      <dgm:t>
-        <a:bodyPr/>
-        <a:lstStyle/>
-        <a:p>
-          <a:endParaRPr lang="en-US"/>
-        </a:p>
-      </dgm:t>
-    </dgm:pt>
-    <dgm:pt modelId="{6FABEC26-A1D5-421D-B6CB-1E3E1DE971C2}" type="pres">
-      <dgm:prSet presAssocID="{F193B61E-E898-441B-A0F5-FB606ED20A63}" presName="hierRoot2" presStyleCnt="0">
-        <dgm:presLayoutVars>
-          <dgm:hierBranch val="init"/>
-        </dgm:presLayoutVars>
-      </dgm:prSet>
-      <dgm:spPr/>
-    </dgm:pt>
-    <dgm:pt modelId="{E5A9F22E-4B2E-452D-951D-8CC2DF1282A2}" type="pres">
-      <dgm:prSet presAssocID="{F193B61E-E898-441B-A0F5-FB606ED20A63}" presName="rootComposite" presStyleCnt="0"/>
-      <dgm:spPr/>
-    </dgm:pt>
-    <dgm:pt modelId="{C39FE5FF-3EF2-4730-A64E-57DCE8A44B4F}" type="pres">
-      <dgm:prSet presAssocID="{F193B61E-E898-441B-A0F5-FB606ED20A63}" presName="rootText" presStyleLbl="node2" presStyleIdx="2" presStyleCnt="3">
-        <dgm:presLayoutVars>
-          <dgm:chPref val="3"/>
-        </dgm:presLayoutVars>
-      </dgm:prSet>
-      <dgm:spPr/>
-      <dgm:t>
-        <a:bodyPr/>
-        <a:lstStyle/>
-        <a:p>
-          <a:endParaRPr lang="en-US"/>
-        </a:p>
-      </dgm:t>
-    </dgm:pt>
-    <dgm:pt modelId="{AA2B0290-A620-4919-AD79-1C848581E881}" type="pres">
-      <dgm:prSet presAssocID="{F193B61E-E898-441B-A0F5-FB606ED20A63}" presName="rootConnector" presStyleLbl="node2" presStyleIdx="2" presStyleCnt="3"/>
-      <dgm:spPr/>
-      <dgm:t>
-        <a:bodyPr/>
-        <a:lstStyle/>
-        <a:p>
-          <a:endParaRPr lang="en-US"/>
-        </a:p>
-      </dgm:t>
-    </dgm:pt>
-    <dgm:pt modelId="{4F6583B0-81C1-402B-92F6-64F7369403F3}" type="pres">
-      <dgm:prSet presAssocID="{F193B61E-E898-441B-A0F5-FB606ED20A63}" presName="hierChild4" presStyleCnt="0"/>
-      <dgm:spPr/>
-    </dgm:pt>
-    <dgm:pt modelId="{FBD46545-AC75-4E5E-B83C-960D17E2E618}" type="pres">
-      <dgm:prSet presAssocID="{F193B61E-E898-441B-A0F5-FB606ED20A63}" presName="hierChild5" presStyleCnt="0"/>
-      <dgm:spPr/>
-    </dgm:pt>
-    <dgm:pt modelId="{99FD86DE-BB28-47EF-9CC8-38DAA20E8ED7}" type="pres">
-      <dgm:prSet presAssocID="{7F130BE0-01C8-4D9A-BB1B-3C5BCD6D38C8}" presName="hierChild3" presStyleCnt="0"/>
-      <dgm:spPr/>
-    </dgm:pt>
-  </dgm:ptLst>
-  <dgm:cxnLst>
-    <dgm:cxn modelId="{C4F5676E-4963-485E-94D5-7ACC54D02E85}" type="presOf" srcId="{74EC8945-D7C8-40E3-9018-3E01F8328B7C}" destId="{4DE4FFE2-7616-4C2C-83EE-EE938EA58535}" srcOrd="0" destOrd="0" presId="urn:microsoft.com/office/officeart/2005/8/layout/orgChart1"/>
-    <dgm:cxn modelId="{3A6FA794-E2DF-4E38-B57A-51E503D0E06D}" type="presOf" srcId="{CD128504-1683-4CC6-8BA8-4BB9C807B359}" destId="{979589C6-ED99-4DF8-A53F-91DBBB91E029}" srcOrd="0" destOrd="0" presId="urn:microsoft.com/office/officeart/2005/8/layout/orgChart1"/>
-    <dgm:cxn modelId="{FAC3A2B5-A851-4596-8389-7087B97922C7}" type="presOf" srcId="{E9BCB5EF-8399-4525-AB16-717A1E0163F1}" destId="{18318462-267C-415A-BCD8-4757C2E9755C}" srcOrd="0" destOrd="0" presId="urn:microsoft.com/office/officeart/2005/8/layout/orgChart1"/>
-    <dgm:cxn modelId="{1F9BC249-B36F-405F-B912-B0FCB58F5AF0}" srcId="{7F130BE0-01C8-4D9A-BB1B-3C5BCD6D38C8}" destId="{F193B61E-E898-441B-A0F5-FB606ED20A63}" srcOrd="2" destOrd="0" parTransId="{74EC8945-D7C8-40E3-9018-3E01F8328B7C}" sibTransId="{F84D51E5-BC93-4E36-85D0-D5F3A57770AC}"/>
-    <dgm:cxn modelId="{93A90F72-A818-49CA-8F45-F2687D594703}" type="presOf" srcId="{E9BCB5EF-8399-4525-AB16-717A1E0163F1}" destId="{06A9F908-8CEF-4707-8CF5-753F9CC4C780}" srcOrd="1" destOrd="0" presId="urn:microsoft.com/office/officeart/2005/8/layout/orgChart1"/>
-    <dgm:cxn modelId="{2F6509B3-C945-4FF4-8DC4-7C59B2546BA7}" srcId="{75E35E2E-3C27-492C-B580-D136251FC391}" destId="{7F130BE0-01C8-4D9A-BB1B-3C5BCD6D38C8}" srcOrd="0" destOrd="0" parTransId="{D7EBBA46-E899-4C7A-ABD8-A88A8DBB152A}" sibTransId="{D38DEE3E-7F3D-4BD5-B3FE-A4DF6683BF57}"/>
-    <dgm:cxn modelId="{0ACB0876-C5CD-4D05-BFFF-50F8610CED97}" type="presOf" srcId="{2295F0A3-DDA1-475C-8403-8B23168794B7}" destId="{CFD8E791-FEB0-4A5D-94B0-3D7C634E365E}" srcOrd="0" destOrd="0" presId="urn:microsoft.com/office/officeart/2005/8/layout/orgChart1"/>
-    <dgm:cxn modelId="{CD5DC0A8-BB2C-4D3D-BFAB-D6A8F935A57C}" type="presOf" srcId="{F193B61E-E898-441B-A0F5-FB606ED20A63}" destId="{C39FE5FF-3EF2-4730-A64E-57DCE8A44B4F}" srcOrd="0" destOrd="0" presId="urn:microsoft.com/office/officeart/2005/8/layout/orgChart1"/>
-    <dgm:cxn modelId="{8EBD471C-51BB-45A8-96A6-836E161610E6}" type="presOf" srcId="{F193B61E-E898-441B-A0F5-FB606ED20A63}" destId="{AA2B0290-A620-4919-AD79-1C848581E881}" srcOrd="1" destOrd="0" presId="urn:microsoft.com/office/officeart/2005/8/layout/orgChart1"/>
-    <dgm:cxn modelId="{26925C90-D94C-419E-9991-ECA7C00F48D4}" type="presOf" srcId="{7F130BE0-01C8-4D9A-BB1B-3C5BCD6D38C8}" destId="{D37D9C4A-73FD-47D0-8B55-6EC2DFBB9DE5}" srcOrd="1" destOrd="0" presId="urn:microsoft.com/office/officeart/2005/8/layout/orgChart1"/>
-    <dgm:cxn modelId="{D83E6E08-C2E9-4002-8DD1-48BC963A9A46}" type="presOf" srcId="{7F130BE0-01C8-4D9A-BB1B-3C5BCD6D38C8}" destId="{243DB652-8D43-4B39-A5E3-3DA160257AD1}" srcOrd="0" destOrd="0" presId="urn:microsoft.com/office/officeart/2005/8/layout/orgChart1"/>
-    <dgm:cxn modelId="{A2D680D5-3EE2-471F-8BB9-7485372779E8}" type="presOf" srcId="{23F10388-47AC-435C-A015-B286197A3FBB}" destId="{045FD388-030D-48CD-9AEC-E9070B4FAC1C}" srcOrd="1" destOrd="0" presId="urn:microsoft.com/office/officeart/2005/8/layout/orgChart1"/>
-    <dgm:cxn modelId="{E208AC06-6CF1-4996-A57C-6C47F29ED724}" srcId="{7F130BE0-01C8-4D9A-BB1B-3C5BCD6D38C8}" destId="{E9BCB5EF-8399-4525-AB16-717A1E0163F1}" srcOrd="0" destOrd="0" parTransId="{CD128504-1683-4CC6-8BA8-4BB9C807B359}" sibTransId="{E6668B10-5B0D-424D-9185-6506923F4996}"/>
-    <dgm:cxn modelId="{9E9B376B-BCDF-4150-BF76-B3864C54F199}" srcId="{7F130BE0-01C8-4D9A-BB1B-3C5BCD6D38C8}" destId="{23F10388-47AC-435C-A015-B286197A3FBB}" srcOrd="1" destOrd="0" parTransId="{2295F0A3-DDA1-475C-8403-8B23168794B7}" sibTransId="{64FC148A-4BF9-42D3-848E-436AA95AF786}"/>
-    <dgm:cxn modelId="{5489F205-2EA5-48A1-A1D2-F6DB742141CE}" type="presOf" srcId="{75E35E2E-3C27-492C-B580-D136251FC391}" destId="{EEF72464-C516-4B0B-A960-25305A245A88}" srcOrd="0" destOrd="0" presId="urn:microsoft.com/office/officeart/2005/8/layout/orgChart1"/>
-    <dgm:cxn modelId="{1C4E60BD-4527-485E-A505-EC0EDBC5D765}" type="presOf" srcId="{23F10388-47AC-435C-A015-B286197A3FBB}" destId="{0F1F0A18-C095-4F24-8B79-AF351FB390DE}" srcOrd="0" destOrd="0" presId="urn:microsoft.com/office/officeart/2005/8/layout/orgChart1"/>
-    <dgm:cxn modelId="{4543E018-05B6-43A4-B84F-A2DFEB1CDA34}" type="presParOf" srcId="{EEF72464-C516-4B0B-A960-25305A245A88}" destId="{C97697F4-6DEB-44D5-B2BF-C9C3732960FD}" srcOrd="0" destOrd="0" presId="urn:microsoft.com/office/officeart/2005/8/layout/orgChart1"/>
-    <dgm:cxn modelId="{64911A9F-F41E-4BAA-BFE2-92504991265B}" type="presParOf" srcId="{C97697F4-6DEB-44D5-B2BF-C9C3732960FD}" destId="{3829049C-E008-429B-BFF1-1DFA712A57D7}" srcOrd="0" destOrd="0" presId="urn:microsoft.com/office/officeart/2005/8/layout/orgChart1"/>
-    <dgm:cxn modelId="{BE102BB0-EAD8-47DE-AAAC-4082191257B0}" type="presParOf" srcId="{3829049C-E008-429B-BFF1-1DFA712A57D7}" destId="{243DB652-8D43-4B39-A5E3-3DA160257AD1}" srcOrd="0" destOrd="0" presId="urn:microsoft.com/office/officeart/2005/8/layout/orgChart1"/>
-    <dgm:cxn modelId="{C7F293D4-D95A-497A-9A0A-96922E648130}" type="presParOf" srcId="{3829049C-E008-429B-BFF1-1DFA712A57D7}" destId="{D37D9C4A-73FD-47D0-8B55-6EC2DFBB9DE5}" srcOrd="1" destOrd="0" presId="urn:microsoft.com/office/officeart/2005/8/layout/orgChart1"/>
-    <dgm:cxn modelId="{C8E6D686-BB92-4DD5-8A0D-10ABB0114B43}" type="presParOf" srcId="{C97697F4-6DEB-44D5-B2BF-C9C3732960FD}" destId="{15DC1858-94E9-42F5-816F-D9CEC0CA7F7F}" srcOrd="1" destOrd="0" presId="urn:microsoft.com/office/officeart/2005/8/layout/orgChart1"/>
-    <dgm:cxn modelId="{ED72E7E8-58AF-4F6D-89FE-8BB3D172C46D}" type="presParOf" srcId="{15DC1858-94E9-42F5-816F-D9CEC0CA7F7F}" destId="{979589C6-ED99-4DF8-A53F-91DBBB91E029}" srcOrd="0" destOrd="0" presId="urn:microsoft.com/office/officeart/2005/8/layout/orgChart1"/>
-    <dgm:cxn modelId="{E98255E9-3E01-4510-9F66-20F4D6E21D19}" type="presParOf" srcId="{15DC1858-94E9-42F5-816F-D9CEC0CA7F7F}" destId="{B352D191-BD9E-41C4-9F84-A0EF0C00AD69}" srcOrd="1" destOrd="0" presId="urn:microsoft.com/office/officeart/2005/8/layout/orgChart1"/>
-    <dgm:cxn modelId="{8A84D228-1579-49F0-B66D-54F510E36BDC}" type="presParOf" srcId="{B352D191-BD9E-41C4-9F84-A0EF0C00AD69}" destId="{FF706ECD-F584-4EDA-9E35-0AA30A734942}" srcOrd="0" destOrd="0" presId="urn:microsoft.com/office/officeart/2005/8/layout/orgChart1"/>
-    <dgm:cxn modelId="{EEBC060B-8572-4B29-B8D2-5A257B588ADA}" type="presParOf" srcId="{FF706ECD-F584-4EDA-9E35-0AA30A734942}" destId="{18318462-267C-415A-BCD8-4757C2E9755C}" srcOrd="0" destOrd="0" presId="urn:microsoft.com/office/officeart/2005/8/layout/orgChart1"/>
-    <dgm:cxn modelId="{0D24FE61-D8B8-45C4-828C-250E935DA500}" type="presParOf" srcId="{FF706ECD-F584-4EDA-9E35-0AA30A734942}" destId="{06A9F908-8CEF-4707-8CF5-753F9CC4C780}" srcOrd="1" destOrd="0" presId="urn:microsoft.com/office/officeart/2005/8/layout/orgChart1"/>
-    <dgm:cxn modelId="{9FE3D74D-8A06-4096-8B9A-5B3023E428F8}" type="presParOf" srcId="{B352D191-BD9E-41C4-9F84-A0EF0C00AD69}" destId="{5D14BBE7-E274-4978-BFD3-597A7E0A6F66}" srcOrd="1" destOrd="0" presId="urn:microsoft.com/office/officeart/2005/8/layout/orgChart1"/>
-    <dgm:cxn modelId="{2816EDB0-AF19-4184-B037-8FD49D9E446D}" type="presParOf" srcId="{B352D191-BD9E-41C4-9F84-A0EF0C00AD69}" destId="{0194DB32-D787-4DAA-8D1F-EC7E7E4673F5}" srcOrd="2" destOrd="0" presId="urn:microsoft.com/office/officeart/2005/8/layout/orgChart1"/>
-    <dgm:cxn modelId="{421FCB1E-8C41-4BD0-8B53-05C7F2137D55}" type="presParOf" srcId="{15DC1858-94E9-42F5-816F-D9CEC0CA7F7F}" destId="{CFD8E791-FEB0-4A5D-94B0-3D7C634E365E}" srcOrd="2" destOrd="0" presId="urn:microsoft.com/office/officeart/2005/8/layout/orgChart1"/>
-    <dgm:cxn modelId="{3323195D-7B53-480A-88DE-234C48433422}" type="presParOf" srcId="{15DC1858-94E9-42F5-816F-D9CEC0CA7F7F}" destId="{D6CA8E44-967F-4223-88CF-0D5E8F8AF022}" srcOrd="3" destOrd="0" presId="urn:microsoft.com/office/officeart/2005/8/layout/orgChart1"/>
-    <dgm:cxn modelId="{C57A4581-6055-4AF1-AC67-77FE50E04A2E}" type="presParOf" srcId="{D6CA8E44-967F-4223-88CF-0D5E8F8AF022}" destId="{A0A4D1B4-46F7-4BFD-AEA7-95C23C1CD720}" srcOrd="0" destOrd="0" presId="urn:microsoft.com/office/officeart/2005/8/layout/orgChart1"/>
-    <dgm:cxn modelId="{5AB44226-F2C2-4D52-A555-C6BAF0CE78D3}" type="presParOf" srcId="{A0A4D1B4-46F7-4BFD-AEA7-95C23C1CD720}" destId="{0F1F0A18-C095-4F24-8B79-AF351FB390DE}" srcOrd="0" destOrd="0" presId="urn:microsoft.com/office/officeart/2005/8/layout/orgChart1"/>
-    <dgm:cxn modelId="{2076168F-E11F-4A41-A34C-A33EEE7DAFD7}" type="presParOf" srcId="{A0A4D1B4-46F7-4BFD-AEA7-95C23C1CD720}" destId="{045FD388-030D-48CD-9AEC-E9070B4FAC1C}" srcOrd="1" destOrd="0" presId="urn:microsoft.com/office/officeart/2005/8/layout/orgChart1"/>
-    <dgm:cxn modelId="{0D5AEADF-1AB5-4C3E-8E2D-675DBE93A15D}" type="presParOf" srcId="{D6CA8E44-967F-4223-88CF-0D5E8F8AF022}" destId="{6409657D-65F5-44D0-ABDD-DDE1AD13A440}" srcOrd="1" destOrd="0" presId="urn:microsoft.com/office/officeart/2005/8/layout/orgChart1"/>
-    <dgm:cxn modelId="{C38A1569-E52B-4D80-A3EE-09563C0F95C0}" type="presParOf" srcId="{D6CA8E44-967F-4223-88CF-0D5E8F8AF022}" destId="{EC41B668-CC83-4870-A898-4CF5E05BE890}" srcOrd="2" destOrd="0" presId="urn:microsoft.com/office/officeart/2005/8/layout/orgChart1"/>
-    <dgm:cxn modelId="{B6C54B34-ED36-4467-819D-735FD8AA984F}" type="presParOf" srcId="{15DC1858-94E9-42F5-816F-D9CEC0CA7F7F}" destId="{4DE4FFE2-7616-4C2C-83EE-EE938EA58535}" srcOrd="4" destOrd="0" presId="urn:microsoft.com/office/officeart/2005/8/layout/orgChart1"/>
-    <dgm:cxn modelId="{CBC9C778-A5D4-4073-8293-52E29331F432}" type="presParOf" srcId="{15DC1858-94E9-42F5-816F-D9CEC0CA7F7F}" destId="{6FABEC26-A1D5-421D-B6CB-1E3E1DE971C2}" srcOrd="5" destOrd="0" presId="urn:microsoft.com/office/officeart/2005/8/layout/orgChart1"/>
-    <dgm:cxn modelId="{355841D1-38B8-44DD-A34E-4E781920241E}" type="presParOf" srcId="{6FABEC26-A1D5-421D-B6CB-1E3E1DE971C2}" destId="{E5A9F22E-4B2E-452D-951D-8CC2DF1282A2}" srcOrd="0" destOrd="0" presId="urn:microsoft.com/office/officeart/2005/8/layout/orgChart1"/>
-    <dgm:cxn modelId="{7058F3BB-A575-488F-A70E-83E592380274}" type="presParOf" srcId="{E5A9F22E-4B2E-452D-951D-8CC2DF1282A2}" destId="{C39FE5FF-3EF2-4730-A64E-57DCE8A44B4F}" srcOrd="0" destOrd="0" presId="urn:microsoft.com/office/officeart/2005/8/layout/orgChart1"/>
-    <dgm:cxn modelId="{5D30AE79-BFEB-4CC1-B90F-B2D0A3C078C3}" type="presParOf" srcId="{E5A9F22E-4B2E-452D-951D-8CC2DF1282A2}" destId="{AA2B0290-A620-4919-AD79-1C848581E881}" srcOrd="1" destOrd="0" presId="urn:microsoft.com/office/officeart/2005/8/layout/orgChart1"/>
-    <dgm:cxn modelId="{61EE9743-849F-4475-B3AC-1F247D73697D}" type="presParOf" srcId="{6FABEC26-A1D5-421D-B6CB-1E3E1DE971C2}" destId="{4F6583B0-81C1-402B-92F6-64F7369403F3}" srcOrd="1" destOrd="0" presId="urn:microsoft.com/office/officeart/2005/8/layout/orgChart1"/>
-    <dgm:cxn modelId="{7ABC09EF-33BA-4FC7-BDB9-0041624F0156}" type="presParOf" srcId="{6FABEC26-A1D5-421D-B6CB-1E3E1DE971C2}" destId="{FBD46545-AC75-4E5E-B83C-960D17E2E618}" srcOrd="2" destOrd="0" presId="urn:microsoft.com/office/officeart/2005/8/layout/orgChart1"/>
-    <dgm:cxn modelId="{95AF4ADD-4511-4165-B896-2CBD11C5D225}" type="presParOf" srcId="{C97697F4-6DEB-44D5-B2BF-C9C3732960FD}" destId="{99FD86DE-BB28-47EF-9CC8-38DAA20E8ED7}" srcOrd="2" destOrd="0" presId="urn:microsoft.com/office/officeart/2005/8/layout/orgChart1"/>
   </dgm:cxnLst>
   <dgm:bg/>
   <dgm:whole/>
@@ -10329,645 +9137,6 @@
 </dsp:drawing>
 </file>
 
-<file path=ppt/diagrams/drawing5.xml><?xml version="1.0" encoding="utf-8"?>
-<dsp:drawing xmlns:dgm="http://schemas.openxmlformats.org/drawingml/2006/diagram" xmlns:dsp="http://schemas.microsoft.com/office/drawing/2008/diagram" xmlns:a="http://schemas.openxmlformats.org/drawingml/2006/main">
-  <dsp:spTree>
-    <dsp:nvGrpSpPr>
-      <dsp:cNvPr id="0" name=""/>
-      <dsp:cNvGrpSpPr/>
-    </dsp:nvGrpSpPr>
-    <dsp:grpSpPr/>
-    <dsp:sp modelId="{4DE4FFE2-7616-4C2C-83EE-EE938EA58535}">
-      <dsp:nvSpPr>
-        <dsp:cNvPr id="0" name=""/>
-        <dsp:cNvSpPr/>
-      </dsp:nvSpPr>
-      <dsp:spPr>
-        <a:xfrm>
-          <a:off x="4075551" y="1846434"/>
-          <a:ext cx="2836157" cy="1172992"/>
-        </a:xfrm>
-        <a:custGeom>
-          <a:avLst/>
-          <a:gdLst/>
-          <a:ahLst/>
-          <a:cxnLst/>
-          <a:rect l="0" t="0" r="0" b="0"/>
-          <a:pathLst>
-            <a:path>
-              <a:moveTo>
-                <a:pt x="0" y="0"/>
-              </a:moveTo>
-              <a:lnTo>
-                <a:pt x="0" y="924474"/>
-              </a:lnTo>
-              <a:lnTo>
-                <a:pt x="2836157" y="924474"/>
-              </a:lnTo>
-              <a:lnTo>
-                <a:pt x="2836157" y="1172992"/>
-              </a:lnTo>
-            </a:path>
-          </a:pathLst>
-        </a:custGeom>
-        <a:noFill/>
-        <a:ln w="25400" cap="flat" cmpd="sng" algn="ctr">
-          <a:solidFill>
-            <a:schemeClr val="accent1">
-              <a:shade val="60000"/>
-              <a:hueOff val="0"/>
-              <a:satOff val="0"/>
-              <a:lumOff val="0"/>
-              <a:alphaOff val="0"/>
-            </a:schemeClr>
-          </a:solidFill>
-          <a:prstDash val="solid"/>
-        </a:ln>
-        <a:effectLst/>
-      </dsp:spPr>
-      <dsp:style>
-        <a:lnRef idx="2">
-          <a:scrgbClr r="0" g="0" b="0"/>
-        </a:lnRef>
-        <a:fillRef idx="0">
-          <a:scrgbClr r="0" g="0" b="0"/>
-        </a:fillRef>
-        <a:effectRef idx="0">
-          <a:scrgbClr r="0" g="0" b="0"/>
-        </a:effectRef>
-        <a:fontRef idx="minor"/>
-      </dsp:style>
-    </dsp:sp>
-    <dsp:sp modelId="{CFD8E791-FEB0-4A5D-94B0-3D7C634E365E}">
-      <dsp:nvSpPr>
-        <dsp:cNvPr id="0" name=""/>
-        <dsp:cNvSpPr/>
-      </dsp:nvSpPr>
-      <dsp:spPr>
-        <a:xfrm>
-          <a:off x="4002116" y="1846434"/>
-          <a:ext cx="91440" cy="1172992"/>
-        </a:xfrm>
-        <a:custGeom>
-          <a:avLst/>
-          <a:gdLst/>
-          <a:ahLst/>
-          <a:cxnLst/>
-          <a:rect l="0" t="0" r="0" b="0"/>
-          <a:pathLst>
-            <a:path>
-              <a:moveTo>
-                <a:pt x="73435" y="0"/>
-              </a:moveTo>
-              <a:lnTo>
-                <a:pt x="73435" y="924474"/>
-              </a:lnTo>
-              <a:lnTo>
-                <a:pt x="45720" y="924474"/>
-              </a:lnTo>
-              <a:lnTo>
-                <a:pt x="45720" y="1172992"/>
-              </a:lnTo>
-            </a:path>
-          </a:pathLst>
-        </a:custGeom>
-        <a:noFill/>
-        <a:ln w="25400" cap="flat" cmpd="sng" algn="ctr">
-          <a:solidFill>
-            <a:schemeClr val="accent1">
-              <a:shade val="60000"/>
-              <a:hueOff val="0"/>
-              <a:satOff val="0"/>
-              <a:lumOff val="0"/>
-              <a:alphaOff val="0"/>
-            </a:schemeClr>
-          </a:solidFill>
-          <a:prstDash val="solid"/>
-        </a:ln>
-        <a:effectLst/>
-      </dsp:spPr>
-      <dsp:style>
-        <a:lnRef idx="2">
-          <a:scrgbClr r="0" g="0" b="0"/>
-        </a:lnRef>
-        <a:fillRef idx="0">
-          <a:scrgbClr r="0" g="0" b="0"/>
-        </a:fillRef>
-        <a:effectRef idx="0">
-          <a:scrgbClr r="0" g="0" b="0"/>
-        </a:effectRef>
-        <a:fontRef idx="minor"/>
-      </dsp:style>
-    </dsp:sp>
-    <dsp:sp modelId="{979589C6-ED99-4DF8-A53F-91DBBB91E029}">
-      <dsp:nvSpPr>
-        <dsp:cNvPr id="0" name=""/>
-        <dsp:cNvSpPr/>
-      </dsp:nvSpPr>
-      <dsp:spPr>
-        <a:xfrm>
-          <a:off x="1183962" y="1846434"/>
-          <a:ext cx="2891589" cy="1172992"/>
-        </a:xfrm>
-        <a:custGeom>
-          <a:avLst/>
-          <a:gdLst/>
-          <a:ahLst/>
-          <a:cxnLst/>
-          <a:rect l="0" t="0" r="0" b="0"/>
-          <a:pathLst>
-            <a:path>
-              <a:moveTo>
-                <a:pt x="2891589" y="0"/>
-              </a:moveTo>
-              <a:lnTo>
-                <a:pt x="2891589" y="924474"/>
-              </a:lnTo>
-              <a:lnTo>
-                <a:pt x="0" y="924474"/>
-              </a:lnTo>
-              <a:lnTo>
-                <a:pt x="0" y="1172992"/>
-              </a:lnTo>
-            </a:path>
-          </a:pathLst>
-        </a:custGeom>
-        <a:noFill/>
-        <a:ln w="25400" cap="flat" cmpd="sng" algn="ctr">
-          <a:solidFill>
-            <a:schemeClr val="accent1">
-              <a:shade val="60000"/>
-              <a:hueOff val="0"/>
-              <a:satOff val="0"/>
-              <a:lumOff val="0"/>
-              <a:alphaOff val="0"/>
-            </a:schemeClr>
-          </a:solidFill>
-          <a:prstDash val="solid"/>
-        </a:ln>
-        <a:effectLst/>
-      </dsp:spPr>
-      <dsp:style>
-        <a:lnRef idx="2">
-          <a:scrgbClr r="0" g="0" b="0"/>
-        </a:lnRef>
-        <a:fillRef idx="0">
-          <a:scrgbClr r="0" g="0" b="0"/>
-        </a:fillRef>
-        <a:effectRef idx="0">
-          <a:scrgbClr r="0" g="0" b="0"/>
-        </a:effectRef>
-        <a:fontRef idx="minor"/>
-      </dsp:style>
-    </dsp:sp>
-    <dsp:sp modelId="{243DB652-8D43-4B39-A5E3-3DA160257AD1}">
-      <dsp:nvSpPr>
-        <dsp:cNvPr id="0" name=""/>
-        <dsp:cNvSpPr/>
-      </dsp:nvSpPr>
-      <dsp:spPr>
-        <a:xfrm>
-          <a:off x="2064343" y="663015"/>
-          <a:ext cx="4022417" cy="1183418"/>
-        </a:xfrm>
-        <a:prstGeom prst="rect">
-          <a:avLst/>
-        </a:prstGeom>
-        <a:solidFill>
-          <a:schemeClr val="accent1">
-            <a:hueOff val="0"/>
-            <a:satOff val="0"/>
-            <a:lumOff val="0"/>
-            <a:alphaOff val="0"/>
-          </a:schemeClr>
-        </a:solidFill>
-        <a:ln w="25400" cap="flat" cmpd="sng" algn="ctr">
-          <a:solidFill>
-            <a:schemeClr val="lt1">
-              <a:hueOff val="0"/>
-              <a:satOff val="0"/>
-              <a:lumOff val="0"/>
-              <a:alphaOff val="0"/>
-            </a:schemeClr>
-          </a:solidFill>
-          <a:prstDash val="solid"/>
-        </a:ln>
-        <a:effectLst/>
-      </dsp:spPr>
-      <dsp:style>
-        <a:lnRef idx="2">
-          <a:scrgbClr r="0" g="0" b="0"/>
-        </a:lnRef>
-        <a:fillRef idx="1">
-          <a:scrgbClr r="0" g="0" b="0"/>
-        </a:fillRef>
-        <a:effectRef idx="0">
-          <a:scrgbClr r="0" g="0" b="0"/>
-        </a:effectRef>
-        <a:fontRef idx="minor">
-          <a:schemeClr val="lt1"/>
-        </a:fontRef>
-      </dsp:style>
-      <dsp:txBody>
-        <a:bodyPr spcFirstLastPara="0" vert="horz" wrap="square" lIns="15240" tIns="15240" rIns="15240" bIns="15240" numCol="1" spcCol="1270" anchor="ctr" anchorCtr="0">
-          <a:noAutofit/>
-        </a:bodyPr>
-        <a:lstStyle/>
-        <a:p>
-          <a:pPr lvl="0" algn="ctr" defTabSz="1066800">
-            <a:lnSpc>
-              <a:spcPct val="90000"/>
-            </a:lnSpc>
-            <a:spcBef>
-              <a:spcPct val="0"/>
-            </a:spcBef>
-            <a:spcAft>
-              <a:spcPct val="35000"/>
-            </a:spcAft>
-          </a:pPr>
-          <a:r>
-            <a:rPr lang="en-US" sz="2400" kern="1200" dirty="0" err="1" smtClean="0"/>
-            <a:t>Tại</a:t>
-          </a:r>
-          <a:r>
-            <a:rPr lang="en-US" sz="2400" kern="1200" dirty="0" smtClean="0"/>
-            <a:t> </a:t>
-          </a:r>
-          <a:r>
-            <a:rPr lang="en-US" sz="2400" kern="1200" dirty="0" err="1" smtClean="0"/>
-            <a:t>sao</a:t>
-          </a:r>
-          <a:r>
-            <a:rPr lang="en-US" sz="2400" kern="1200" dirty="0" smtClean="0"/>
-            <a:t> phải </a:t>
-          </a:r>
-          <a:r>
-            <a:rPr lang="en-US" sz="2400" kern="1200" dirty="0" err="1" smtClean="0"/>
-            <a:t>testcase</a:t>
-          </a:r>
-          <a:endParaRPr lang="en-US" sz="2400" kern="1200" dirty="0"/>
-        </a:p>
-      </dsp:txBody>
-      <dsp:txXfrm>
-        <a:off x="2064343" y="663015"/>
-        <a:ext cx="4022417" cy="1183418"/>
-      </dsp:txXfrm>
-    </dsp:sp>
-    <dsp:sp modelId="{18318462-267C-415A-BCD8-4757C2E9755C}">
-      <dsp:nvSpPr>
-        <dsp:cNvPr id="0" name=""/>
-        <dsp:cNvSpPr/>
-      </dsp:nvSpPr>
-      <dsp:spPr>
-        <a:xfrm>
-          <a:off x="543" y="3019426"/>
-          <a:ext cx="2366837" cy="1183418"/>
-        </a:xfrm>
-        <a:prstGeom prst="rect">
-          <a:avLst/>
-        </a:prstGeom>
-        <a:solidFill>
-          <a:schemeClr val="accent1">
-            <a:hueOff val="0"/>
-            <a:satOff val="0"/>
-            <a:lumOff val="0"/>
-            <a:alphaOff val="0"/>
-          </a:schemeClr>
-        </a:solidFill>
-        <a:ln w="25400" cap="flat" cmpd="sng" algn="ctr">
-          <a:solidFill>
-            <a:schemeClr val="lt1">
-              <a:hueOff val="0"/>
-              <a:satOff val="0"/>
-              <a:lumOff val="0"/>
-              <a:alphaOff val="0"/>
-            </a:schemeClr>
-          </a:solidFill>
-          <a:prstDash val="solid"/>
-        </a:ln>
-        <a:effectLst/>
-      </dsp:spPr>
-      <dsp:style>
-        <a:lnRef idx="2">
-          <a:scrgbClr r="0" g="0" b="0"/>
-        </a:lnRef>
-        <a:fillRef idx="1">
-          <a:scrgbClr r="0" g="0" b="0"/>
-        </a:fillRef>
-        <a:effectRef idx="0">
-          <a:scrgbClr r="0" g="0" b="0"/>
-        </a:effectRef>
-        <a:fontRef idx="minor">
-          <a:schemeClr val="lt1"/>
-        </a:fontRef>
-      </dsp:style>
-      <dsp:txBody>
-        <a:bodyPr spcFirstLastPara="0" vert="horz" wrap="square" lIns="15240" tIns="15240" rIns="15240" bIns="15240" numCol="1" spcCol="1270" anchor="ctr" anchorCtr="0">
-          <a:noAutofit/>
-        </a:bodyPr>
-        <a:lstStyle/>
-        <a:p>
-          <a:pPr lvl="0" algn="ctr" defTabSz="1066800">
-            <a:lnSpc>
-              <a:spcPct val="90000"/>
-            </a:lnSpc>
-            <a:spcBef>
-              <a:spcPct val="0"/>
-            </a:spcBef>
-            <a:spcAft>
-              <a:spcPct val="35000"/>
-            </a:spcAft>
-          </a:pPr>
-          <a:r>
-            <a:rPr lang="en-US" sz="2400" kern="1200" dirty="0" err="1" smtClean="0"/>
-            <a:t>Giúp</a:t>
-          </a:r>
-          <a:r>
-            <a:rPr lang="en-US" sz="2400" kern="1200" dirty="0" smtClean="0"/>
-            <a:t> phần </a:t>
-          </a:r>
-          <a:r>
-            <a:rPr lang="en-US" sz="2400" kern="1200" dirty="0" err="1" smtClean="0"/>
-            <a:t>mềm</a:t>
-          </a:r>
-          <a:r>
-            <a:rPr lang="en-US" sz="2400" kern="1200" dirty="0" smtClean="0"/>
-            <a:t> </a:t>
-          </a:r>
-          <a:r>
-            <a:rPr lang="en-US" sz="2400" kern="1200" dirty="0" err="1" smtClean="0"/>
-            <a:t>hoàn</a:t>
-          </a:r>
-          <a:r>
-            <a:rPr lang="en-US" sz="2400" kern="1200" dirty="0" smtClean="0"/>
-            <a:t> </a:t>
-          </a:r>
-          <a:r>
-            <a:rPr lang="en-US" sz="2400" kern="1200" dirty="0" err="1" smtClean="0"/>
-            <a:t>chỉnh</a:t>
-          </a:r>
-          <a:endParaRPr lang="en-US" sz="2400" kern="1200" dirty="0"/>
-        </a:p>
-      </dsp:txBody>
-      <dsp:txXfrm>
-        <a:off x="543" y="3019426"/>
-        <a:ext cx="2366837" cy="1183418"/>
-      </dsp:txXfrm>
-    </dsp:sp>
-    <dsp:sp modelId="{0F1F0A18-C095-4F24-8B79-AF351FB390DE}">
-      <dsp:nvSpPr>
-        <dsp:cNvPr id="0" name=""/>
-        <dsp:cNvSpPr/>
-      </dsp:nvSpPr>
-      <dsp:spPr>
-        <a:xfrm>
-          <a:off x="2864417" y="3019426"/>
-          <a:ext cx="2366837" cy="1183418"/>
-        </a:xfrm>
-        <a:prstGeom prst="rect">
-          <a:avLst/>
-        </a:prstGeom>
-        <a:solidFill>
-          <a:schemeClr val="accent1">
-            <a:hueOff val="0"/>
-            <a:satOff val="0"/>
-            <a:lumOff val="0"/>
-            <a:alphaOff val="0"/>
-          </a:schemeClr>
-        </a:solidFill>
-        <a:ln w="25400" cap="flat" cmpd="sng" algn="ctr">
-          <a:solidFill>
-            <a:schemeClr val="lt1">
-              <a:hueOff val="0"/>
-              <a:satOff val="0"/>
-              <a:lumOff val="0"/>
-              <a:alphaOff val="0"/>
-            </a:schemeClr>
-          </a:solidFill>
-          <a:prstDash val="solid"/>
-        </a:ln>
-        <a:effectLst/>
-      </dsp:spPr>
-      <dsp:style>
-        <a:lnRef idx="2">
-          <a:scrgbClr r="0" g="0" b="0"/>
-        </a:lnRef>
-        <a:fillRef idx="1">
-          <a:scrgbClr r="0" g="0" b="0"/>
-        </a:fillRef>
-        <a:effectRef idx="0">
-          <a:scrgbClr r="0" g="0" b="0"/>
-        </a:effectRef>
-        <a:fontRef idx="minor">
-          <a:schemeClr val="lt1"/>
-        </a:fontRef>
-      </dsp:style>
-      <dsp:txBody>
-        <a:bodyPr spcFirstLastPara="0" vert="horz" wrap="square" lIns="15240" tIns="15240" rIns="15240" bIns="15240" numCol="1" spcCol="1270" anchor="ctr" anchorCtr="0">
-          <a:noAutofit/>
-        </a:bodyPr>
-        <a:lstStyle/>
-        <a:p>
-          <a:pPr lvl="0" algn="ctr" defTabSz="1066800">
-            <a:lnSpc>
-              <a:spcPct val="90000"/>
-            </a:lnSpc>
-            <a:spcBef>
-              <a:spcPct val="0"/>
-            </a:spcBef>
-            <a:spcAft>
-              <a:spcPct val="35000"/>
-            </a:spcAft>
-          </a:pPr>
-          <a:r>
-            <a:rPr lang="en-US" sz="2400" kern="1200" dirty="0" err="1" smtClean="0"/>
-            <a:t>thống</a:t>
-          </a:r>
-          <a:r>
-            <a:rPr lang="en-US" sz="2400" kern="1200" dirty="0" smtClean="0"/>
-            <a:t> </a:t>
-          </a:r>
-          <a:r>
-            <a:rPr lang="en-US" sz="2400" kern="1200" dirty="0" err="1" smtClean="0"/>
-            <a:t>kê</a:t>
-          </a:r>
-          <a:r>
-            <a:rPr lang="en-US" sz="2400" kern="1200" dirty="0" smtClean="0"/>
-            <a:t> toàn </a:t>
-          </a:r>
-          <a:r>
-            <a:rPr lang="en-US" sz="2400" kern="1200" dirty="0" err="1" smtClean="0"/>
-            <a:t>bộ</a:t>
-          </a:r>
-          <a:r>
-            <a:rPr lang="en-US" sz="2400" kern="1200" dirty="0" smtClean="0"/>
-            <a:t> </a:t>
-          </a:r>
-          <a:r>
-            <a:rPr lang="en-US" sz="2400" kern="1200" dirty="0" err="1" smtClean="0"/>
-            <a:t>những</a:t>
-          </a:r>
-          <a:r>
-            <a:rPr lang="en-US" sz="2400" kern="1200" dirty="0" smtClean="0"/>
-            <a:t> </a:t>
-          </a:r>
-          <a:r>
-            <a:rPr lang="en-US" sz="2400" kern="1200" dirty="0" err="1" smtClean="0"/>
-            <a:t>yêu</a:t>
-          </a:r>
-          <a:r>
-            <a:rPr lang="en-US" sz="2400" kern="1200" dirty="0" smtClean="0"/>
-            <a:t> </a:t>
-          </a:r>
-          <a:r>
-            <a:rPr lang="en-US" sz="2400" kern="1200" dirty="0" err="1" smtClean="0"/>
-            <a:t>cầu</a:t>
-          </a:r>
-          <a:r>
-            <a:rPr lang="en-US" sz="2400" kern="1200" dirty="0" smtClean="0"/>
-            <a:t> của </a:t>
-          </a:r>
-          <a:r>
-            <a:rPr lang="en-US" sz="2400" kern="1200" dirty="0" err="1" smtClean="0"/>
-            <a:t>khách</a:t>
-          </a:r>
-          <a:r>
-            <a:rPr lang="en-US" sz="2400" kern="1200" dirty="0" smtClean="0"/>
-            <a:t> </a:t>
-          </a:r>
-          <a:r>
-            <a:rPr lang="en-US" sz="2400" kern="1200" dirty="0" err="1" smtClean="0"/>
-            <a:t>hàng</a:t>
-          </a:r>
-          <a:endParaRPr lang="en-US" sz="2400" kern="1200" dirty="0"/>
-        </a:p>
-      </dsp:txBody>
-      <dsp:txXfrm>
-        <a:off x="2864417" y="3019426"/>
-        <a:ext cx="2366837" cy="1183418"/>
-      </dsp:txXfrm>
-    </dsp:sp>
-    <dsp:sp modelId="{C39FE5FF-3EF2-4730-A64E-57DCE8A44B4F}">
-      <dsp:nvSpPr>
-        <dsp:cNvPr id="0" name=""/>
-        <dsp:cNvSpPr/>
-      </dsp:nvSpPr>
-      <dsp:spPr>
-        <a:xfrm>
-          <a:off x="5728290" y="3019426"/>
-          <a:ext cx="2366837" cy="1183418"/>
-        </a:xfrm>
-        <a:prstGeom prst="rect">
-          <a:avLst/>
-        </a:prstGeom>
-        <a:solidFill>
-          <a:schemeClr val="accent1">
-            <a:hueOff val="0"/>
-            <a:satOff val="0"/>
-            <a:lumOff val="0"/>
-            <a:alphaOff val="0"/>
-          </a:schemeClr>
-        </a:solidFill>
-        <a:ln w="25400" cap="flat" cmpd="sng" algn="ctr">
-          <a:solidFill>
-            <a:schemeClr val="lt1">
-              <a:hueOff val="0"/>
-              <a:satOff val="0"/>
-              <a:lumOff val="0"/>
-              <a:alphaOff val="0"/>
-            </a:schemeClr>
-          </a:solidFill>
-          <a:prstDash val="solid"/>
-        </a:ln>
-        <a:effectLst/>
-      </dsp:spPr>
-      <dsp:style>
-        <a:lnRef idx="2">
-          <a:scrgbClr r="0" g="0" b="0"/>
-        </a:lnRef>
-        <a:fillRef idx="1">
-          <a:scrgbClr r="0" g="0" b="0"/>
-        </a:fillRef>
-        <a:effectRef idx="0">
-          <a:scrgbClr r="0" g="0" b="0"/>
-        </a:effectRef>
-        <a:fontRef idx="minor">
-          <a:schemeClr val="lt1"/>
-        </a:fontRef>
-      </dsp:style>
-      <dsp:txBody>
-        <a:bodyPr spcFirstLastPara="0" vert="horz" wrap="square" lIns="15240" tIns="15240" rIns="15240" bIns="15240" numCol="1" spcCol="1270" anchor="ctr" anchorCtr="0">
-          <a:noAutofit/>
-        </a:bodyPr>
-        <a:lstStyle/>
-        <a:p>
-          <a:pPr lvl="0" algn="ctr" defTabSz="1066800">
-            <a:lnSpc>
-              <a:spcPct val="90000"/>
-            </a:lnSpc>
-            <a:spcBef>
-              <a:spcPct val="0"/>
-            </a:spcBef>
-            <a:spcAft>
-              <a:spcPct val="35000"/>
-            </a:spcAft>
-          </a:pPr>
-          <a:r>
-            <a:rPr lang="en-US" sz="2400" kern="1200" dirty="0" smtClean="0"/>
-            <a:t>biết </a:t>
-          </a:r>
-          <a:r>
-            <a:rPr lang="en-US" sz="2400" kern="1200" dirty="0" err="1" smtClean="0"/>
-            <a:t>được</a:t>
-          </a:r>
-          <a:r>
-            <a:rPr lang="en-US" sz="2400" kern="1200" dirty="0" smtClean="0"/>
-            <a:t> </a:t>
-          </a:r>
-          <a:r>
-            <a:rPr lang="en-US" sz="2400" kern="1200" dirty="0" err="1" smtClean="0"/>
-            <a:t>rằng</a:t>
-          </a:r>
-          <a:r>
-            <a:rPr lang="en-US" sz="2400" kern="1200" dirty="0" smtClean="0"/>
-            <a:t> chức năng nào </a:t>
-          </a:r>
-          <a:r>
-            <a:rPr lang="en-US" sz="2400" kern="1200" dirty="0" err="1" smtClean="0"/>
-            <a:t>đã</a:t>
-          </a:r>
-          <a:r>
-            <a:rPr lang="en-US" sz="2400" kern="1200" dirty="0" smtClean="0"/>
-            <a:t> </a:t>
-          </a:r>
-          <a:r>
-            <a:rPr lang="en-US" sz="2400" kern="1200" dirty="0" err="1" smtClean="0"/>
-            <a:t>hoàn</a:t>
-          </a:r>
-          <a:r>
-            <a:rPr lang="en-US" sz="2400" kern="1200" dirty="0" smtClean="0"/>
-            <a:t> </a:t>
-          </a:r>
-          <a:r>
-            <a:rPr lang="en-US" sz="2400" kern="1200" dirty="0" err="1" smtClean="0"/>
-            <a:t>thiện</a:t>
-          </a:r>
-          <a:r>
-            <a:rPr lang="en-US" sz="2400" kern="1200" dirty="0" smtClean="0"/>
-            <a:t> </a:t>
-          </a:r>
-          <a:endParaRPr lang="en-US" sz="2400" kern="1200" dirty="0"/>
-        </a:p>
-      </dsp:txBody>
-      <dsp:txXfrm>
-        <a:off x="5728290" y="3019426"/>
-        <a:ext cx="2366837" cy="1183418"/>
-      </dsp:txXfrm>
-    </dsp:sp>
-  </dsp:spTree>
-</dsp:drawing>
-</file>
-
 <file path=ppt/diagrams/layout1.xml><?xml version="1.0" encoding="utf-8"?>
 <dgm:layoutDef xmlns:dgm="http://schemas.openxmlformats.org/drawingml/2006/diagram" xmlns:a="http://schemas.openxmlformats.org/drawingml/2006/main" uniqueId="urn:microsoft.com/office/officeart/2005/8/layout/StepDownProcess">
   <dgm:title val=""/>
@@ -13318,1152 +11487,6 @@
 </dgm:layoutDef>
 </file>
 
-<file path=ppt/diagrams/layout5.xml><?xml version="1.0" encoding="utf-8"?>
-<dgm:layoutDef xmlns:dgm="http://schemas.openxmlformats.org/drawingml/2006/diagram" xmlns:a="http://schemas.openxmlformats.org/drawingml/2006/main" uniqueId="urn:microsoft.com/office/officeart/2005/8/layout/orgChart1">
-  <dgm:title val=""/>
-  <dgm:desc val=""/>
-  <dgm:catLst>
-    <dgm:cat type="hierarchy" pri="1000"/>
-    <dgm:cat type="convert" pri="6000"/>
-  </dgm:catLst>
-  <dgm:sampData>
-    <dgm:dataModel>
-      <dgm:ptLst>
-        <dgm:pt modelId="0" type="doc"/>
-        <dgm:pt modelId="1">
-          <dgm:prSet phldr="1"/>
-        </dgm:pt>
-        <dgm:pt modelId="2" type="asst">
-          <dgm:prSet phldr="1"/>
-        </dgm:pt>
-        <dgm:pt modelId="3">
-          <dgm:prSet phldr="1"/>
-        </dgm:pt>
-        <dgm:pt modelId="4">
-          <dgm:prSet phldr="1"/>
-        </dgm:pt>
-        <dgm:pt modelId="5">
-          <dgm:prSet phldr="1"/>
-        </dgm:pt>
-      </dgm:ptLst>
-      <dgm:cxnLst>
-        <dgm:cxn modelId="5" srcId="0" destId="1" srcOrd="0" destOrd="0"/>
-        <dgm:cxn modelId="6" srcId="1" destId="2" srcOrd="0" destOrd="0"/>
-        <dgm:cxn modelId="7" srcId="1" destId="3" srcOrd="1" destOrd="0"/>
-        <dgm:cxn modelId="8" srcId="1" destId="4" srcOrd="2" destOrd="0"/>
-        <dgm:cxn modelId="9" srcId="1" destId="5" srcOrd="3" destOrd="0"/>
-      </dgm:cxnLst>
-      <dgm:bg/>
-      <dgm:whole/>
-    </dgm:dataModel>
-  </dgm:sampData>
-  <dgm:styleData>
-    <dgm:dataModel>
-      <dgm:ptLst>
-        <dgm:pt modelId="0" type="doc"/>
-        <dgm:pt modelId="1"/>
-        <dgm:pt modelId="12"/>
-        <dgm:pt modelId="13"/>
-      </dgm:ptLst>
-      <dgm:cxnLst>
-        <dgm:cxn modelId="2" srcId="0" destId="1" srcOrd="0" destOrd="0"/>
-        <dgm:cxn modelId="16" srcId="1" destId="12" srcOrd="1" destOrd="0"/>
-        <dgm:cxn modelId="17" srcId="1" destId="13" srcOrd="2" destOrd="0"/>
-      </dgm:cxnLst>
-      <dgm:bg/>
-      <dgm:whole/>
-    </dgm:dataModel>
-  </dgm:styleData>
-  <dgm:clrData>
-    <dgm:dataModel>
-      <dgm:ptLst>
-        <dgm:pt modelId="0" type="doc"/>
-        <dgm:pt modelId="1"/>
-        <dgm:pt modelId="11" type="asst"/>
-        <dgm:pt modelId="12"/>
-        <dgm:pt modelId="13"/>
-        <dgm:pt modelId="14"/>
-      </dgm:ptLst>
-      <dgm:cxnLst>
-        <dgm:cxn modelId="2" srcId="0" destId="1" srcOrd="0" destOrd="0"/>
-        <dgm:cxn modelId="15" srcId="1" destId="11" srcOrd="0" destOrd="0"/>
-        <dgm:cxn modelId="16" srcId="1" destId="12" srcOrd="1" destOrd="0"/>
-        <dgm:cxn modelId="17" srcId="1" destId="13" srcOrd="2" destOrd="0"/>
-        <dgm:cxn modelId="18" srcId="1" destId="14" srcOrd="2" destOrd="0"/>
-      </dgm:cxnLst>
-      <dgm:bg/>
-      <dgm:whole/>
-    </dgm:dataModel>
-  </dgm:clrData>
-  <dgm:layoutNode name="hierChild1">
-    <dgm:varLst>
-      <dgm:orgChart val="1"/>
-      <dgm:chPref val="1"/>
-      <dgm:dir/>
-      <dgm:animOne val="branch"/>
-      <dgm:animLvl val="lvl"/>
-      <dgm:resizeHandles/>
-    </dgm:varLst>
-    <dgm:choose name="Name0">
-      <dgm:if name="Name1" func="var" arg="dir" op="equ" val="norm">
-        <dgm:alg type="hierChild">
-          <dgm:param type="linDir" val="fromL"/>
-        </dgm:alg>
-      </dgm:if>
-      <dgm:else name="Name2">
-        <dgm:alg type="hierChild">
-          <dgm:param type="linDir" val="fromR"/>
-        </dgm:alg>
-      </dgm:else>
-    </dgm:choose>
-    <dgm:shape xmlns:r="http://schemas.openxmlformats.org/officeDocument/2006/relationships" r:blip="">
-      <dgm:adjLst/>
-    </dgm:shape>
-    <dgm:presOf/>
-    <dgm:constrLst>
-      <dgm:constr type="w" for="des" forName="rootComposite1" refType="w" fact="10"/>
-      <dgm:constr type="h" for="des" forName="rootComposite1" refType="w" refFor="des" refForName="rootComposite1" fact="0.5"/>
-      <dgm:constr type="w" for="des" forName="rootComposite" refType="w" fact="10"/>
-      <dgm:constr type="h" for="des" forName="rootComposite" refType="w" refFor="des" refForName="rootComposite1" fact="0.5"/>
-      <dgm:constr type="w" for="des" forName="rootComposite3" refType="w" fact="10"/>
-      <dgm:constr type="h" for="des" forName="rootComposite3" refType="w" refFor="des" refForName="rootComposite1" fact="0.5"/>
-      <dgm:constr type="primFontSz" for="des" ptType="node" op="equ"/>
-      <dgm:constr type="sp" for="des" op="equ"/>
-      <dgm:constr type="sp" for="des" forName="hierRoot1" refType="w" refFor="des" refForName="rootComposite1" fact="0.21"/>
-      <dgm:constr type="sp" for="des" forName="hierRoot2" refType="sp" refFor="des" refForName="hierRoot1"/>
-      <dgm:constr type="sp" for="des" forName="hierRoot3" refType="sp" refFor="des" refForName="hierRoot1"/>
-      <dgm:constr type="sibSp" refType="w" refFor="des" refForName="rootComposite1" fact="0.21"/>
-      <dgm:constr type="sibSp" for="des" forName="hierChild2" refType="sibSp"/>
-      <dgm:constr type="sibSp" for="des" forName="hierChild3" refType="sibSp"/>
-      <dgm:constr type="sibSp" for="des" forName="hierChild4" refType="sibSp"/>
-      <dgm:constr type="sibSp" for="des" forName="hierChild5" refType="sibSp"/>
-      <dgm:constr type="sibSp" for="des" forName="hierChild6" refType="sibSp"/>
-      <dgm:constr type="sibSp" for="des" forName="hierChild7" refType="sibSp"/>
-      <dgm:constr type="secSibSp" refType="w" refFor="des" refForName="rootComposite1" fact="0.21"/>
-      <dgm:constr type="secSibSp" for="des" forName="hierChild2" refType="secSibSp"/>
-      <dgm:constr type="secSibSp" for="des" forName="hierChild3" refType="secSibSp"/>
-      <dgm:constr type="secSibSp" for="des" forName="hierChild4" refType="secSibSp"/>
-      <dgm:constr type="secSibSp" for="des" forName="hierChild5" refType="secSibSp"/>
-      <dgm:constr type="secSibSp" for="des" forName="hierChild6" refType="secSibSp"/>
-      <dgm:constr type="secSibSp" for="des" forName="hierChild7" refType="secSibSp"/>
-    </dgm:constrLst>
-    <dgm:ruleLst/>
-    <dgm:forEach name="Name3" axis="ch">
-      <dgm:forEach name="Name4" axis="self" ptType="node">
-        <dgm:layoutNode name="hierRoot1">
-          <dgm:varLst>
-            <dgm:hierBranch val="init"/>
-          </dgm:varLst>
-          <dgm:choose name="Name5">
-            <dgm:if name="Name6" func="var" arg="hierBranch" op="equ" val="l">
-              <dgm:choose name="Name7">
-                <dgm:if name="Name8" axis="ch" ptType="asst" func="cnt" op="gte" val="1">
-                  <dgm:alg type="hierRoot">
-                    <dgm:param type="hierAlign" val="tR"/>
-                  </dgm:alg>
-                  <dgm:constrLst>
-                    <dgm:constr type="alignOff" val="0.65"/>
-                  </dgm:constrLst>
-                </dgm:if>
-                <dgm:else name="Name9">
-                  <dgm:alg type="hierRoot">
-                    <dgm:param type="hierAlign" val="tR"/>
-                  </dgm:alg>
-                  <dgm:constrLst>
-                    <dgm:constr type="alignOff" val="0.25"/>
-                  </dgm:constrLst>
-                </dgm:else>
-              </dgm:choose>
-            </dgm:if>
-            <dgm:if name="Name10" func="var" arg="hierBranch" op="equ" val="r">
-              <dgm:choose name="Name11">
-                <dgm:if name="Name12" axis="ch" ptType="asst" func="cnt" op="gte" val="1">
-                  <dgm:alg type="hierRoot">
-                    <dgm:param type="hierAlign" val="tL"/>
-                  </dgm:alg>
-                  <dgm:constrLst>
-                    <dgm:constr type="alignOff" val="0.65"/>
-                  </dgm:constrLst>
-                </dgm:if>
-                <dgm:else name="Name13">
-                  <dgm:alg type="hierRoot">
-                    <dgm:param type="hierAlign" val="tL"/>
-                  </dgm:alg>
-                  <dgm:constrLst>
-                    <dgm:constr type="alignOff" val="0.25"/>
-                  </dgm:constrLst>
-                </dgm:else>
-              </dgm:choose>
-            </dgm:if>
-            <dgm:if name="Name14" func="var" arg="hierBranch" op="equ" val="hang">
-              <dgm:alg type="hierRoot"/>
-              <dgm:constrLst>
-                <dgm:constr type="alignOff" val="0.65"/>
-              </dgm:constrLst>
-            </dgm:if>
-            <dgm:else name="Name15">
-              <dgm:alg type="hierRoot"/>
-              <dgm:constrLst>
-                <dgm:constr type="alignOff"/>
-                <dgm:constr type="bendDist" for="des" ptType="parTrans" refType="sp" fact="0.5"/>
-              </dgm:constrLst>
-            </dgm:else>
-          </dgm:choose>
-          <dgm:shape xmlns:r="http://schemas.openxmlformats.org/officeDocument/2006/relationships" r:blip="">
-            <dgm:adjLst/>
-          </dgm:shape>
-          <dgm:presOf/>
-          <dgm:ruleLst/>
-          <dgm:layoutNode name="rootComposite1">
-            <dgm:alg type="composite"/>
-            <dgm:shape xmlns:r="http://schemas.openxmlformats.org/officeDocument/2006/relationships" r:blip="">
-              <dgm:adjLst/>
-            </dgm:shape>
-            <dgm:presOf axis="self" ptType="node" cnt="1"/>
-            <dgm:choose name="Name16">
-              <dgm:if name="Name17" func="var" arg="hierBranch" op="equ" val="init">
-                <dgm:constrLst>
-                  <dgm:constr type="l" for="ch" forName="rootText1"/>
-                  <dgm:constr type="t" for="ch" forName="rootText1"/>
-                  <dgm:constr type="w" for="ch" forName="rootText1" refType="w"/>
-                  <dgm:constr type="h" for="ch" forName="rootText1" refType="h"/>
-                  <dgm:constr type="l" for="ch" forName="rootConnector1"/>
-                  <dgm:constr type="t" for="ch" forName="rootConnector1"/>
-                  <dgm:constr type="w" for="ch" forName="rootConnector1" refType="w" refFor="ch" refForName="rootText1" fact="0.2"/>
-                  <dgm:constr type="h" for="ch" forName="rootConnector1" refType="h" refFor="ch" refForName="rootText1"/>
-                </dgm:constrLst>
-              </dgm:if>
-              <dgm:if name="Name18" func="var" arg="hierBranch" op="equ" val="l">
-                <dgm:constrLst>
-                  <dgm:constr type="l" for="ch" forName="rootText1"/>
-                  <dgm:constr type="t" for="ch" forName="rootText1"/>
-                  <dgm:constr type="w" for="ch" forName="rootText1" refType="w"/>
-                  <dgm:constr type="h" for="ch" forName="rootText1" refType="h"/>
-                  <dgm:constr type="r" for="ch" forName="rootConnector1" refType="w"/>
-                  <dgm:constr type="t" for="ch" forName="rootConnector1"/>
-                  <dgm:constr type="w" for="ch" forName="rootConnector1" refType="w" refFor="ch" refForName="rootText1" fact="0.2"/>
-                  <dgm:constr type="h" for="ch" forName="rootConnector1" refType="h" refFor="ch" refForName="rootText1"/>
-                </dgm:constrLst>
-              </dgm:if>
-              <dgm:if name="Name19" func="var" arg="hierBranch" op="equ" val="r">
-                <dgm:constrLst>
-                  <dgm:constr type="l" for="ch" forName="rootText1"/>
-                  <dgm:constr type="t" for="ch" forName="rootText1"/>
-                  <dgm:constr type="w" for="ch" forName="rootText1" refType="w"/>
-                  <dgm:constr type="h" for="ch" forName="rootText1" refType="h"/>
-                  <dgm:constr type="l" for="ch" forName="rootConnector1"/>
-                  <dgm:constr type="t" for="ch" forName="rootConnector1"/>
-                  <dgm:constr type="w" for="ch" forName="rootConnector1" refType="w" refFor="ch" refForName="rootText1" fact="0.2"/>
-                  <dgm:constr type="h" for="ch" forName="rootConnector1" refType="h" refFor="ch" refForName="rootText1"/>
-                </dgm:constrLst>
-              </dgm:if>
-              <dgm:else name="Name20">
-                <dgm:constrLst>
-                  <dgm:constr type="l" for="ch" forName="rootText1"/>
-                  <dgm:constr type="t" for="ch" forName="rootText1"/>
-                  <dgm:constr type="w" for="ch" forName="rootText1" refType="w"/>
-                  <dgm:constr type="h" for="ch" forName="rootText1" refType="h"/>
-                  <dgm:constr type="r" for="ch" forName="rootConnector1" refType="w"/>
-                  <dgm:constr type="t" for="ch" forName="rootConnector1"/>
-                  <dgm:constr type="w" for="ch" forName="rootConnector1" refType="w" refFor="ch" refForName="rootText1" fact="0.2"/>
-                  <dgm:constr type="h" for="ch" forName="rootConnector1" refType="h" refFor="ch" refForName="rootText1"/>
-                </dgm:constrLst>
-              </dgm:else>
-            </dgm:choose>
-            <dgm:ruleLst/>
-            <dgm:layoutNode name="rootText1" styleLbl="node0">
-              <dgm:varLst>
-                <dgm:chPref val="3"/>
-              </dgm:varLst>
-              <dgm:alg type="tx"/>
-              <dgm:shape xmlns:r="http://schemas.openxmlformats.org/officeDocument/2006/relationships" type="rect" r:blip="">
-                <dgm:adjLst/>
-              </dgm:shape>
-              <dgm:presOf axis="self" ptType="node" cnt="1"/>
-              <dgm:constrLst>
-                <dgm:constr type="primFontSz" val="65"/>
-                <dgm:constr type="lMarg" refType="primFontSz" fact="0.05"/>
-                <dgm:constr type="rMarg" refType="primFontSz" fact="0.05"/>
-                <dgm:constr type="tMarg" refType="primFontSz" fact="0.05"/>
-                <dgm:constr type="bMarg" refType="primFontSz" fact="0.05"/>
-              </dgm:constrLst>
-              <dgm:ruleLst>
-                <dgm:rule type="primFontSz" val="5" fact="NaN" max="NaN"/>
-              </dgm:ruleLst>
-            </dgm:layoutNode>
-            <dgm:layoutNode name="rootConnector1" moveWith="rootText1">
-              <dgm:alg type="sp"/>
-              <dgm:shape xmlns:r="http://schemas.openxmlformats.org/officeDocument/2006/relationships" type="rect" r:blip="" hideGeom="1">
-                <dgm:adjLst/>
-              </dgm:shape>
-              <dgm:presOf axis="self" ptType="node" cnt="1"/>
-              <dgm:constrLst/>
-              <dgm:ruleLst/>
-            </dgm:layoutNode>
-          </dgm:layoutNode>
-          <dgm:layoutNode name="hierChild2">
-            <dgm:choose name="Name21">
-              <dgm:if name="Name22" func="var" arg="hierBranch" op="equ" val="l">
-                <dgm:alg type="hierChild">
-                  <dgm:param type="chAlign" val="r"/>
-                  <dgm:param type="linDir" val="fromT"/>
-                </dgm:alg>
-              </dgm:if>
-              <dgm:if name="Name23" func="var" arg="hierBranch" op="equ" val="r">
-                <dgm:alg type="hierChild">
-                  <dgm:param type="chAlign" val="l"/>
-                  <dgm:param type="linDir" val="fromT"/>
-                </dgm:alg>
-              </dgm:if>
-              <dgm:if name="Name24" func="var" arg="hierBranch" op="equ" val="hang">
-                <dgm:choose name="Name25">
-                  <dgm:if name="Name26" func="var" arg="dir" op="equ" val="norm">
-                    <dgm:alg type="hierChild">
-                      <dgm:param type="chAlign" val="l"/>
-                      <dgm:param type="linDir" val="fromL"/>
-                      <dgm:param type="secChAlign" val="t"/>
-                      <dgm:param type="secLinDir" val="fromT"/>
-                    </dgm:alg>
-                  </dgm:if>
-                  <dgm:else name="Name27">
-                    <dgm:alg type="hierChild">
-                      <dgm:param type="chAlign" val="l"/>
-                      <dgm:param type="linDir" val="fromR"/>
-                      <dgm:param type="secChAlign" val="t"/>
-                      <dgm:param type="secLinDir" val="fromT"/>
-                    </dgm:alg>
-                  </dgm:else>
-                </dgm:choose>
-              </dgm:if>
-              <dgm:else name="Name28">
-                <dgm:choose name="Name29">
-                  <dgm:if name="Name30" func="var" arg="dir" op="equ" val="norm">
-                    <dgm:alg type="hierChild"/>
-                  </dgm:if>
-                  <dgm:else name="Name31">
-                    <dgm:alg type="hierChild">
-                      <dgm:param type="linDir" val="fromR"/>
-                    </dgm:alg>
-                  </dgm:else>
-                </dgm:choose>
-              </dgm:else>
-            </dgm:choose>
-            <dgm:shape xmlns:r="http://schemas.openxmlformats.org/officeDocument/2006/relationships" r:blip="">
-              <dgm:adjLst/>
-            </dgm:shape>
-            <dgm:presOf/>
-            <dgm:constrLst/>
-            <dgm:ruleLst/>
-            <dgm:forEach name="rep2a" axis="ch" ptType="nonAsst">
-              <dgm:forEach name="Name32" axis="precedSib" ptType="parTrans" st="-1" cnt="1">
-                <dgm:choose name="Name33">
-                  <dgm:if name="Name34" func="var" arg="hierBranch" op="equ" val="std">
-                    <dgm:layoutNode name="Name35">
-                      <dgm:alg type="conn">
-                        <dgm:param type="connRout" val="bend"/>
-                        <dgm:param type="dim" val="1D"/>
-                        <dgm:param type="endSty" val="noArr"/>
-                        <dgm:param type="begPts" val="bCtr"/>
-                        <dgm:param type="endPts" val="tCtr"/>
-                        <dgm:param type="bendPt" val="end"/>
-                      </dgm:alg>
-                      <dgm:shape xmlns:r="http://schemas.openxmlformats.org/officeDocument/2006/relationships" type="conn" r:blip="" zOrderOff="-99999">
-                        <dgm:adjLst/>
-                      </dgm:shape>
-                      <dgm:presOf axis="self"/>
-                      <dgm:constrLst>
-                        <dgm:constr type="begPad"/>
-                        <dgm:constr type="endPad"/>
-                      </dgm:constrLst>
-                      <dgm:ruleLst/>
-                    </dgm:layoutNode>
-                  </dgm:if>
-                  <dgm:if name="Name36" func="var" arg="hierBranch" op="equ" val="init">
-                    <dgm:layoutNode name="Name37">
-                      <dgm:choose name="Name38">
-                        <dgm:if name="Name39" axis="self" func="depth" op="lte" val="2">
-                          <dgm:alg type="conn">
-                            <dgm:param type="connRout" val="bend"/>
-                            <dgm:param type="dim" val="1D"/>
-                            <dgm:param type="endSty" val="noArr"/>
-                            <dgm:param type="begPts" val="bCtr"/>
-                            <dgm:param type="endPts" val="tCtr"/>
-                            <dgm:param type="bendPt" val="end"/>
-                          </dgm:alg>
-                        </dgm:if>
-                        <dgm:else name="Name40">
-                          <dgm:choose name="Name41">
-                            <dgm:if name="Name42" axis="par des" func="maxDepth" op="lte" val="1">
-                              <dgm:choose name="Name43">
-                                <dgm:if name="Name44" axis="par ch" ptType="node asst" func="cnt" op="gte" val="1">
-                                  <dgm:alg type="conn">
-                                    <dgm:param type="connRout" val="bend"/>
-                                    <dgm:param type="dim" val="1D"/>
-                                    <dgm:param type="endSty" val="noArr"/>
-                                    <dgm:param type="begPts" val="bCtr"/>
-                                    <dgm:param type="endPts" val="midL midR"/>
-                                  </dgm:alg>
-                                </dgm:if>
-                                <dgm:else name="Name45">
-                                  <dgm:alg type="conn">
-                                    <dgm:param type="connRout" val="bend"/>
-                                    <dgm:param type="dim" val="1D"/>
-                                    <dgm:param type="endSty" val="noArr"/>
-                                    <dgm:param type="begPts" val="bCtr"/>
-                                    <dgm:param type="endPts" val="midL midR"/>
-                                    <dgm:param type="srcNode" val="rootConnector"/>
-                                  </dgm:alg>
-                                </dgm:else>
-                              </dgm:choose>
-                            </dgm:if>
-                            <dgm:else name="Name46">
-                              <dgm:alg type="conn">
-                                <dgm:param type="connRout" val="bend"/>
-                                <dgm:param type="dim" val="1D"/>
-                                <dgm:param type="endSty" val="noArr"/>
-                                <dgm:param type="begPts" val="bCtr"/>
-                                <dgm:param type="endPts" val="tCtr"/>
-                                <dgm:param type="bendPt" val="end"/>
-                              </dgm:alg>
-                            </dgm:else>
-                          </dgm:choose>
-                        </dgm:else>
-                      </dgm:choose>
-                      <dgm:shape xmlns:r="http://schemas.openxmlformats.org/officeDocument/2006/relationships" type="conn" r:blip="" zOrderOff="-99999">
-                        <dgm:adjLst/>
-                      </dgm:shape>
-                      <dgm:presOf axis="self"/>
-                      <dgm:constrLst>
-                        <dgm:constr type="begPad"/>
-                        <dgm:constr type="endPad"/>
-                      </dgm:constrLst>
-                      <dgm:ruleLst/>
-                    </dgm:layoutNode>
-                  </dgm:if>
-                  <dgm:if name="Name47" func="var" arg="hierBranch" op="equ" val="hang">
-                    <dgm:layoutNode name="Name48">
-                      <dgm:alg type="conn">
-                        <dgm:param type="connRout" val="bend"/>
-                        <dgm:param type="dim" val="1D"/>
-                        <dgm:param type="endSty" val="noArr"/>
-                        <dgm:param type="begPts" val="bCtr"/>
-                        <dgm:param type="endPts" val="midL midR"/>
-                      </dgm:alg>
-                      <dgm:shape xmlns:r="http://schemas.openxmlformats.org/officeDocument/2006/relationships" type="conn" r:blip="" zOrderOff="-99999">
-                        <dgm:adjLst/>
-                      </dgm:shape>
-                      <dgm:presOf axis="self"/>
-                      <dgm:constrLst>
-                        <dgm:constr type="begPad"/>
-                        <dgm:constr type="endPad"/>
-                      </dgm:constrLst>
-                      <dgm:ruleLst/>
-                    </dgm:layoutNode>
-                  </dgm:if>
-                  <dgm:else name="Name49">
-                    <dgm:layoutNode name="Name50">
-                      <dgm:choose name="Name51">
-                        <dgm:if name="Name52" axis="self" func="depth" op="lte" val="2">
-                          <dgm:choose name="Name53">
-                            <dgm:if name="Name54" axis="par ch" ptType="node asst" func="cnt" op="gte" val="1">
-                              <dgm:alg type="conn">
-                                <dgm:param type="connRout" val="bend"/>
-                                <dgm:param type="dim" val="1D"/>
-                                <dgm:param type="endSty" val="noArr"/>
-                                <dgm:param type="begPts" val="bCtr"/>
-                                <dgm:param type="endPts" val="midL midR"/>
-                              </dgm:alg>
-                            </dgm:if>
-                            <dgm:else name="Name55">
-                              <dgm:alg type="conn">
-                                <dgm:param type="connRout" val="bend"/>
-                                <dgm:param type="dim" val="1D"/>
-                                <dgm:param type="endSty" val="noArr"/>
-                                <dgm:param type="begPts" val="bCtr"/>
-                                <dgm:param type="endPts" val="midL midR"/>
-                                <dgm:param type="srcNode" val="rootConnector1"/>
-                              </dgm:alg>
-                            </dgm:else>
-                          </dgm:choose>
-                        </dgm:if>
-                        <dgm:else name="Name56">
-                          <dgm:choose name="Name57">
-                            <dgm:if name="Name58" axis="par ch" ptType="node asst" func="cnt" op="gte" val="1">
-                              <dgm:alg type="conn">
-                                <dgm:param type="connRout" val="bend"/>
-                                <dgm:param type="dim" val="1D"/>
-                                <dgm:param type="endSty" val="noArr"/>
-                                <dgm:param type="begPts" val="bCtr"/>
-                                <dgm:param type="endPts" val="midL midR"/>
-                              </dgm:alg>
-                            </dgm:if>
-                            <dgm:else name="Name59">
-                              <dgm:alg type="conn">
-                                <dgm:param type="connRout" val="bend"/>
-                                <dgm:param type="dim" val="1D"/>
-                                <dgm:param type="endSty" val="noArr"/>
-                                <dgm:param type="begPts" val="bCtr"/>
-                                <dgm:param type="endPts" val="midL midR"/>
-                                <dgm:param type="srcNode" val="rootConnector"/>
-                              </dgm:alg>
-                            </dgm:else>
-                          </dgm:choose>
-                        </dgm:else>
-                      </dgm:choose>
-                      <dgm:shape xmlns:r="http://schemas.openxmlformats.org/officeDocument/2006/relationships" type="conn" r:blip="" zOrderOff="-99999">
-                        <dgm:adjLst/>
-                      </dgm:shape>
-                      <dgm:presOf axis="self"/>
-                      <dgm:constrLst>
-                        <dgm:constr type="begPad"/>
-                        <dgm:constr type="endPad"/>
-                      </dgm:constrLst>
-                      <dgm:ruleLst/>
-                    </dgm:layoutNode>
-                  </dgm:else>
-                </dgm:choose>
-              </dgm:forEach>
-              <dgm:layoutNode name="hierRoot2">
-                <dgm:varLst>
-                  <dgm:hierBranch val="init"/>
-                </dgm:varLst>
-                <dgm:choose name="Name60">
-                  <dgm:if name="Name61" func="var" arg="hierBranch" op="equ" val="l">
-                    <dgm:choose name="Name62">
-                      <dgm:if name="Name63" axis="ch" ptType="asst" func="cnt" op="gte" val="1">
-                        <dgm:alg type="hierRoot">
-                          <dgm:param type="hierAlign" val="tR"/>
-                        </dgm:alg>
-                        <dgm:shape xmlns:r="http://schemas.openxmlformats.org/officeDocument/2006/relationships" r:blip="">
-                          <dgm:adjLst/>
-                        </dgm:shape>
-                        <dgm:presOf/>
-                        <dgm:constrLst>
-                          <dgm:constr type="alignOff" val="0.65"/>
-                        </dgm:constrLst>
-                      </dgm:if>
-                      <dgm:else name="Name64">
-                        <dgm:alg type="hierRoot">
-                          <dgm:param type="hierAlign" val="tR"/>
-                        </dgm:alg>
-                        <dgm:shape xmlns:r="http://schemas.openxmlformats.org/officeDocument/2006/relationships" r:blip="">
-                          <dgm:adjLst/>
-                        </dgm:shape>
-                        <dgm:presOf/>
-                        <dgm:constrLst>
-                          <dgm:constr type="alignOff" val="0.25"/>
-                        </dgm:constrLst>
-                      </dgm:else>
-                    </dgm:choose>
-                  </dgm:if>
-                  <dgm:if name="Name65" func="var" arg="hierBranch" op="equ" val="r">
-                    <dgm:choose name="Name66">
-                      <dgm:if name="Name67" axis="ch" ptType="asst" func="cnt" op="gte" val="1">
-                        <dgm:alg type="hierRoot">
-                          <dgm:param type="hierAlign" val="tL"/>
-                        </dgm:alg>
-                        <dgm:shape xmlns:r="http://schemas.openxmlformats.org/officeDocument/2006/relationships" r:blip="">
-                          <dgm:adjLst/>
-                        </dgm:shape>
-                        <dgm:presOf/>
-                        <dgm:constrLst>
-                          <dgm:constr type="alignOff" val="0.65"/>
-                        </dgm:constrLst>
-                      </dgm:if>
-                      <dgm:else name="Name68">
-                        <dgm:alg type="hierRoot">
-                          <dgm:param type="hierAlign" val="tL"/>
-                        </dgm:alg>
-                        <dgm:shape xmlns:r="http://schemas.openxmlformats.org/officeDocument/2006/relationships" r:blip="">
-                          <dgm:adjLst/>
-                        </dgm:shape>
-                        <dgm:presOf/>
-                        <dgm:constrLst>
-                          <dgm:constr type="alignOff" val="0.25"/>
-                        </dgm:constrLst>
-                      </dgm:else>
-                    </dgm:choose>
-                  </dgm:if>
-                  <dgm:if name="Name69" func="var" arg="hierBranch" op="equ" val="std">
-                    <dgm:alg type="hierRoot"/>
-                    <dgm:shape xmlns:r="http://schemas.openxmlformats.org/officeDocument/2006/relationships" r:blip="">
-                      <dgm:adjLst/>
-                    </dgm:shape>
-                    <dgm:presOf/>
-                    <dgm:constrLst>
-                      <dgm:constr type="alignOff"/>
-                      <dgm:constr type="bendDist" for="des" ptType="parTrans" refType="sp" fact="0.5"/>
-                    </dgm:constrLst>
-                  </dgm:if>
-                  <dgm:if name="Name70" func="var" arg="hierBranch" op="equ" val="init">
-                    <dgm:choose name="Name71">
-                      <dgm:if name="Name72" axis="des" func="maxDepth" op="lte" val="1">
-                        <dgm:choose name="Name73">
-                          <dgm:if name="Name74" axis="ch" ptType="asst" func="cnt" op="gte" val="1">
-                            <dgm:alg type="hierRoot">
-                              <dgm:param type="hierAlign" val="tL"/>
-                            </dgm:alg>
-                            <dgm:shape xmlns:r="http://schemas.openxmlformats.org/officeDocument/2006/relationships" r:blip="">
-                              <dgm:adjLst/>
-                            </dgm:shape>
-                            <dgm:presOf/>
-                            <dgm:constrLst>
-                              <dgm:constr type="alignOff" val="0.65"/>
-                            </dgm:constrLst>
-                          </dgm:if>
-                          <dgm:else name="Name75">
-                            <dgm:alg type="hierRoot">
-                              <dgm:param type="hierAlign" val="tL"/>
-                            </dgm:alg>
-                            <dgm:shape xmlns:r="http://schemas.openxmlformats.org/officeDocument/2006/relationships" r:blip="">
-                              <dgm:adjLst/>
-                            </dgm:shape>
-                            <dgm:presOf/>
-                            <dgm:constrLst>
-                              <dgm:constr type="alignOff" val="0.25"/>
-                            </dgm:constrLst>
-                          </dgm:else>
-                        </dgm:choose>
-                      </dgm:if>
-                      <dgm:else name="Name76">
-                        <dgm:alg type="hierRoot"/>
-                        <dgm:shape xmlns:r="http://schemas.openxmlformats.org/officeDocument/2006/relationships" r:blip="">
-                          <dgm:adjLst/>
-                        </dgm:shape>
-                        <dgm:presOf/>
-                        <dgm:constrLst>
-                          <dgm:constr type="alignOff"/>
-                          <dgm:constr type="bendDist" for="des" ptType="parTrans" refType="sp" fact="0.5"/>
-                        </dgm:constrLst>
-                      </dgm:else>
-                    </dgm:choose>
-                  </dgm:if>
-                  <dgm:else name="Name77">
-                    <dgm:alg type="hierRoot"/>
-                    <dgm:shape xmlns:r="http://schemas.openxmlformats.org/officeDocument/2006/relationships" r:blip="">
-                      <dgm:adjLst/>
-                    </dgm:shape>
-                    <dgm:presOf/>
-                    <dgm:constrLst>
-                      <dgm:constr type="alignOff" val="0.65"/>
-                    </dgm:constrLst>
-                  </dgm:else>
-                </dgm:choose>
-                <dgm:ruleLst/>
-                <dgm:layoutNode name="rootComposite">
-                  <dgm:alg type="composite"/>
-                  <dgm:shape xmlns:r="http://schemas.openxmlformats.org/officeDocument/2006/relationships" r:blip="">
-                    <dgm:adjLst/>
-                  </dgm:shape>
-                  <dgm:presOf axis="self" ptType="node" cnt="1"/>
-                  <dgm:choose name="Name78">
-                    <dgm:if name="Name79" func="var" arg="hierBranch" op="equ" val="init">
-                      <dgm:constrLst>
-                        <dgm:constr type="l" for="ch" forName="rootText"/>
-                        <dgm:constr type="t" for="ch" forName="rootText"/>
-                        <dgm:constr type="w" for="ch" forName="rootText" refType="w"/>
-                        <dgm:constr type="h" for="ch" forName="rootText" refType="h"/>
-                        <dgm:constr type="l" for="ch" forName="rootConnector"/>
-                        <dgm:constr type="t" for="ch" forName="rootConnector"/>
-                        <dgm:constr type="w" for="ch" forName="rootConnector" refType="w" refFor="ch" refForName="rootText" fact="0.2"/>
-                        <dgm:constr type="h" for="ch" forName="rootConnector" refType="h" refFor="ch" refForName="rootText"/>
-                      </dgm:constrLst>
-                    </dgm:if>
-                    <dgm:if name="Name80" func="var" arg="hierBranch" op="equ" val="l">
-                      <dgm:constrLst>
-                        <dgm:constr type="l" for="ch" forName="rootText"/>
-                        <dgm:constr type="t" for="ch" forName="rootText"/>
-                        <dgm:constr type="w" for="ch" forName="rootText" refType="w"/>
-                        <dgm:constr type="h" for="ch" forName="rootText" refType="h"/>
-                        <dgm:constr type="r" for="ch" forName="rootConnector" refType="w"/>
-                        <dgm:constr type="t" for="ch" forName="rootConnector"/>
-                        <dgm:constr type="w" for="ch" forName="rootConnector" refType="w" refFor="ch" refForName="rootText" fact="0.2"/>
-                        <dgm:constr type="h" for="ch" forName="rootConnector" refType="h" refFor="ch" refForName="rootText"/>
-                      </dgm:constrLst>
-                    </dgm:if>
-                    <dgm:if name="Name81" func="var" arg="hierBranch" op="equ" val="r">
-                      <dgm:constrLst>
-                        <dgm:constr type="l" for="ch" forName="rootText"/>
-                        <dgm:constr type="t" for="ch" forName="rootText"/>
-                        <dgm:constr type="w" for="ch" forName="rootText" refType="w"/>
-                        <dgm:constr type="h" for="ch" forName="rootText" refType="h"/>
-                        <dgm:constr type="l" for="ch" forName="rootConnector"/>
-                        <dgm:constr type="t" for="ch" forName="rootConnector"/>
-                        <dgm:constr type="w" for="ch" forName="rootConnector" refType="w" refFor="ch" refForName="rootText" fact="0.2"/>
-                        <dgm:constr type="h" for="ch" forName="rootConnector" refType="h" refFor="ch" refForName="rootText"/>
-                      </dgm:constrLst>
-                    </dgm:if>
-                    <dgm:else name="Name82">
-                      <dgm:constrLst>
-                        <dgm:constr type="l" for="ch" forName="rootText"/>
-                        <dgm:constr type="t" for="ch" forName="rootText"/>
-                        <dgm:constr type="w" for="ch" forName="rootText" refType="w"/>
-                        <dgm:constr type="h" for="ch" forName="rootText" refType="h"/>
-                        <dgm:constr type="r" for="ch" forName="rootConnector" refType="w"/>
-                        <dgm:constr type="t" for="ch" forName="rootConnector"/>
-                        <dgm:constr type="w" for="ch" forName="rootConnector" refType="w" refFor="ch" refForName="rootText" fact="0.2"/>
-                        <dgm:constr type="h" for="ch" forName="rootConnector" refType="h" refFor="ch" refForName="rootText"/>
-                      </dgm:constrLst>
-                    </dgm:else>
-                  </dgm:choose>
-                  <dgm:ruleLst/>
-                  <dgm:layoutNode name="rootText">
-                    <dgm:varLst>
-                      <dgm:chPref val="3"/>
-                    </dgm:varLst>
-                    <dgm:alg type="tx"/>
-                    <dgm:shape xmlns:r="http://schemas.openxmlformats.org/officeDocument/2006/relationships" type="rect" r:blip="">
-                      <dgm:adjLst/>
-                    </dgm:shape>
-                    <dgm:presOf axis="self" ptType="node" cnt="1"/>
-                    <dgm:constrLst>
-                      <dgm:constr type="primFontSz" val="65"/>
-                      <dgm:constr type="lMarg" refType="primFontSz" fact="0.05"/>
-                      <dgm:constr type="rMarg" refType="primFontSz" fact="0.05"/>
-                      <dgm:constr type="tMarg" refType="primFontSz" fact="0.05"/>
-                      <dgm:constr type="bMarg" refType="primFontSz" fact="0.05"/>
-                    </dgm:constrLst>
-                    <dgm:ruleLst>
-                      <dgm:rule type="primFontSz" val="5" fact="NaN" max="NaN"/>
-                    </dgm:ruleLst>
-                  </dgm:layoutNode>
-                  <dgm:layoutNode name="rootConnector" moveWith="rootText">
-                    <dgm:alg type="sp"/>
-                    <dgm:shape xmlns:r="http://schemas.openxmlformats.org/officeDocument/2006/relationships" type="rect" r:blip="" hideGeom="1">
-                      <dgm:adjLst/>
-                    </dgm:shape>
-                    <dgm:presOf axis="self" ptType="node" cnt="1"/>
-                    <dgm:constrLst/>
-                    <dgm:ruleLst/>
-                  </dgm:layoutNode>
-                </dgm:layoutNode>
-                <dgm:layoutNode name="hierChild4">
-                  <dgm:choose name="Name83">
-                    <dgm:if name="Name84" func="var" arg="hierBranch" op="equ" val="l">
-                      <dgm:alg type="hierChild">
-                        <dgm:param type="chAlign" val="r"/>
-                        <dgm:param type="linDir" val="fromT"/>
-                      </dgm:alg>
-                    </dgm:if>
-                    <dgm:if name="Name85" func="var" arg="hierBranch" op="equ" val="r">
-                      <dgm:alg type="hierChild">
-                        <dgm:param type="chAlign" val="l"/>
-                        <dgm:param type="linDir" val="fromT"/>
-                      </dgm:alg>
-                    </dgm:if>
-                    <dgm:if name="Name86" func="var" arg="hierBranch" op="equ" val="hang">
-                      <dgm:choose name="Name87">
-                        <dgm:if name="Name88" func="var" arg="dir" op="equ" val="norm">
-                          <dgm:alg type="hierChild">
-                            <dgm:param type="chAlign" val="l"/>
-                            <dgm:param type="linDir" val="fromL"/>
-                            <dgm:param type="secChAlign" val="t"/>
-                            <dgm:param type="secLinDir" val="fromT"/>
-                          </dgm:alg>
-                        </dgm:if>
-                        <dgm:else name="Name89">
-                          <dgm:alg type="hierChild">
-                            <dgm:param type="chAlign" val="l"/>
-                            <dgm:param type="linDir" val="fromR"/>
-                            <dgm:param type="secChAlign" val="t"/>
-                            <dgm:param type="secLinDir" val="fromT"/>
-                          </dgm:alg>
-                        </dgm:else>
-                      </dgm:choose>
-                    </dgm:if>
-                    <dgm:if name="Name90" func="var" arg="hierBranch" op="equ" val="std">
-                      <dgm:choose name="Name91">
-                        <dgm:if name="Name92" func="var" arg="dir" op="equ" val="norm">
-                          <dgm:alg type="hierChild"/>
-                        </dgm:if>
-                        <dgm:else name="Name93">
-                          <dgm:alg type="hierChild">
-                            <dgm:param type="linDir" val="fromR"/>
-                          </dgm:alg>
-                        </dgm:else>
-                      </dgm:choose>
-                    </dgm:if>
-                    <dgm:if name="Name94" func="var" arg="hierBranch" op="equ" val="init">
-                      <dgm:choose name="Name95">
-                        <dgm:if name="Name96" axis="des" func="maxDepth" op="lte" val="1">
-                          <dgm:alg type="hierChild">
-                            <dgm:param type="chAlign" val="l"/>
-                            <dgm:param type="linDir" val="fromT"/>
-                          </dgm:alg>
-                        </dgm:if>
-                        <dgm:else name="Name97">
-                          <dgm:choose name="Name98">
-                            <dgm:if name="Name99" func="var" arg="dir" op="equ" val="norm">
-                              <dgm:alg type="hierChild"/>
-                            </dgm:if>
-                            <dgm:else name="Name100">
-                              <dgm:alg type="hierChild">
-                                <dgm:param type="linDir" val="fromR"/>
-                              </dgm:alg>
-                            </dgm:else>
-                          </dgm:choose>
-                        </dgm:else>
-                      </dgm:choose>
-                    </dgm:if>
-                    <dgm:else name="Name101"/>
-                  </dgm:choose>
-                  <dgm:shape xmlns:r="http://schemas.openxmlformats.org/officeDocument/2006/relationships" r:blip="">
-                    <dgm:adjLst/>
-                  </dgm:shape>
-                  <dgm:presOf/>
-                  <dgm:constrLst/>
-                  <dgm:ruleLst/>
-                  <dgm:forEach name="Name102" ref="rep2a"/>
-                </dgm:layoutNode>
-                <dgm:layoutNode name="hierChild5">
-                  <dgm:choose name="Name103">
-                    <dgm:if name="Name104" func="var" arg="dir" op="equ" val="norm">
-                      <dgm:alg type="hierChild">
-                        <dgm:param type="chAlign" val="l"/>
-                        <dgm:param type="linDir" val="fromL"/>
-                        <dgm:param type="secChAlign" val="t"/>
-                        <dgm:param type="secLinDir" val="fromT"/>
-                      </dgm:alg>
-                    </dgm:if>
-                    <dgm:else name="Name105">
-                      <dgm:alg type="hierChild">
-                        <dgm:param type="chAlign" val="l"/>
-                        <dgm:param type="linDir" val="fromR"/>
-                        <dgm:param type="secChAlign" val="t"/>
-                        <dgm:param type="secLinDir" val="fromT"/>
-                      </dgm:alg>
-                    </dgm:else>
-                  </dgm:choose>
-                  <dgm:shape xmlns:r="http://schemas.openxmlformats.org/officeDocument/2006/relationships" r:blip="">
-                    <dgm:adjLst/>
-                  </dgm:shape>
-                  <dgm:presOf/>
-                  <dgm:constrLst/>
-                  <dgm:ruleLst/>
-                  <dgm:forEach name="Name106" ref="rep2b"/>
-                </dgm:layoutNode>
-              </dgm:layoutNode>
-            </dgm:forEach>
-          </dgm:layoutNode>
-          <dgm:layoutNode name="hierChild3">
-            <dgm:choose name="Name107">
-              <dgm:if name="Name108" func="var" arg="dir" op="equ" val="norm">
-                <dgm:alg type="hierChild">
-                  <dgm:param type="chAlign" val="l"/>
-                  <dgm:param type="linDir" val="fromL"/>
-                  <dgm:param type="secChAlign" val="t"/>
-                  <dgm:param type="secLinDir" val="fromT"/>
-                </dgm:alg>
-              </dgm:if>
-              <dgm:else name="Name109">
-                <dgm:alg type="hierChild">
-                  <dgm:param type="chAlign" val="l"/>
-                  <dgm:param type="linDir" val="fromR"/>
-                  <dgm:param type="secChAlign" val="t"/>
-                  <dgm:param type="secLinDir" val="fromT"/>
-                </dgm:alg>
-              </dgm:else>
-            </dgm:choose>
-            <dgm:shape xmlns:r="http://schemas.openxmlformats.org/officeDocument/2006/relationships" r:blip="">
-              <dgm:adjLst/>
-            </dgm:shape>
-            <dgm:presOf/>
-            <dgm:constrLst/>
-            <dgm:ruleLst/>
-            <dgm:forEach name="rep2b" axis="ch" ptType="asst">
-              <dgm:forEach name="Name110" axis="precedSib" ptType="parTrans" st="-1" cnt="1">
-                <dgm:layoutNode name="Name111">
-                  <dgm:alg type="conn">
-                    <dgm:param type="connRout" val="bend"/>
-                    <dgm:param type="dim" val="1D"/>
-                    <dgm:param type="endSty" val="noArr"/>
-                    <dgm:param type="begPts" val="bCtr"/>
-                    <dgm:param type="endPts" val="midL midR"/>
-                  </dgm:alg>
-                  <dgm:shape xmlns:r="http://schemas.openxmlformats.org/officeDocument/2006/relationships" type="conn" r:blip="" zOrderOff="-99999">
-                    <dgm:adjLst/>
-                  </dgm:shape>
-                  <dgm:presOf axis="self"/>
-                  <dgm:constrLst>
-                    <dgm:constr type="begPad"/>
-                    <dgm:constr type="endPad"/>
-                  </dgm:constrLst>
-                  <dgm:ruleLst/>
-                </dgm:layoutNode>
-              </dgm:forEach>
-              <dgm:layoutNode name="hierRoot3">
-                <dgm:varLst>
-                  <dgm:hierBranch val="init"/>
-                </dgm:varLst>
-                <dgm:choose name="Name112">
-                  <dgm:if name="Name113" func="var" arg="hierBranch" op="equ" val="l">
-                    <dgm:alg type="hierRoot">
-                      <dgm:param type="hierAlign" val="tR"/>
-                    </dgm:alg>
-                    <dgm:shape xmlns:r="http://schemas.openxmlformats.org/officeDocument/2006/relationships" r:blip="">
-                      <dgm:adjLst/>
-                    </dgm:shape>
-                    <dgm:presOf/>
-                    <dgm:constrLst>
-                      <dgm:constr type="alignOff" val="0.65"/>
-                    </dgm:constrLst>
-                  </dgm:if>
-                  <dgm:if name="Name114" func="var" arg="hierBranch" op="equ" val="r">
-                    <dgm:alg type="hierRoot">
-                      <dgm:param type="hierAlign" val="tL"/>
-                    </dgm:alg>
-                    <dgm:shape xmlns:r="http://schemas.openxmlformats.org/officeDocument/2006/relationships" r:blip="">
-                      <dgm:adjLst/>
-                    </dgm:shape>
-                    <dgm:presOf/>
-                    <dgm:constrLst>
-                      <dgm:constr type="alignOff" val="0.65"/>
-                    </dgm:constrLst>
-                  </dgm:if>
-                  <dgm:if name="Name115" func="var" arg="hierBranch" op="equ" val="hang">
-                    <dgm:alg type="hierRoot"/>
-                    <dgm:shape xmlns:r="http://schemas.openxmlformats.org/officeDocument/2006/relationships" r:blip="">
-                      <dgm:adjLst/>
-                    </dgm:shape>
-                    <dgm:presOf/>
-                    <dgm:constrLst>
-                      <dgm:constr type="alignOff" val="0.65"/>
-                    </dgm:constrLst>
-                  </dgm:if>
-                  <dgm:if name="Name116" func="var" arg="hierBranch" op="equ" val="std">
-                    <dgm:alg type="hierRoot"/>
-                    <dgm:shape xmlns:r="http://schemas.openxmlformats.org/officeDocument/2006/relationships" r:blip="">
-                      <dgm:adjLst/>
-                    </dgm:shape>
-                    <dgm:presOf/>
-                    <dgm:constrLst>
-                      <dgm:constr type="alignOff"/>
-                      <dgm:constr type="bendDist" for="des" ptType="parTrans" refType="sp" fact="0.5"/>
-                    </dgm:constrLst>
-                  </dgm:if>
-                  <dgm:if name="Name117" func="var" arg="hierBranch" op="equ" val="init">
-                    <dgm:choose name="Name118">
-                      <dgm:if name="Name119" axis="des" func="maxDepth" op="lte" val="1">
-                        <dgm:alg type="hierRoot">
-                          <dgm:param type="hierAlign" val="tL"/>
-                        </dgm:alg>
-                        <dgm:shape xmlns:r="http://schemas.openxmlformats.org/officeDocument/2006/relationships" r:blip="">
-                          <dgm:adjLst/>
-                        </dgm:shape>
-                        <dgm:presOf/>
-                        <dgm:constrLst>
-                          <dgm:constr type="alignOff" val="0.65"/>
-                        </dgm:constrLst>
-                      </dgm:if>
-                      <dgm:else name="Name120">
-                        <dgm:alg type="hierRoot"/>
-                        <dgm:shape xmlns:r="http://schemas.openxmlformats.org/officeDocument/2006/relationships" r:blip="">
-                          <dgm:adjLst/>
-                        </dgm:shape>
-                        <dgm:presOf/>
-                        <dgm:constrLst>
-                          <dgm:constr type="alignOff"/>
-                          <dgm:constr type="bendDist" for="des" ptType="parTrans" refType="sp" fact="0.5"/>
-                        </dgm:constrLst>
-                      </dgm:else>
-                    </dgm:choose>
-                  </dgm:if>
-                  <dgm:else name="Name121"/>
-                </dgm:choose>
-                <dgm:ruleLst/>
-                <dgm:layoutNode name="rootComposite3">
-                  <dgm:alg type="composite"/>
-                  <dgm:shape xmlns:r="http://schemas.openxmlformats.org/officeDocument/2006/relationships" r:blip="">
-                    <dgm:adjLst/>
-                  </dgm:shape>
-                  <dgm:presOf axis="self" ptType="node" cnt="1"/>
-                  <dgm:choose name="Name122">
-                    <dgm:if name="Name123" func="var" arg="hierBranch" op="equ" val="init">
-                      <dgm:constrLst>
-                        <dgm:constr type="l" for="ch" forName="rootText3"/>
-                        <dgm:constr type="t" for="ch" forName="rootText3"/>
-                        <dgm:constr type="w" for="ch" forName="rootText3" refType="w"/>
-                        <dgm:constr type="h" for="ch" forName="rootText3" refType="h"/>
-                        <dgm:constr type="l" for="ch" forName="rootConnector3"/>
-                        <dgm:constr type="t" for="ch" forName="rootConnector3"/>
-                        <dgm:constr type="w" for="ch" forName="rootConnector3" refType="w" refFor="ch" refForName="rootText3" fact="0.2"/>
-                        <dgm:constr type="h" for="ch" forName="rootConnector3" refType="h" refFor="ch" refForName="rootText3"/>
-                      </dgm:constrLst>
-                    </dgm:if>
-                    <dgm:if name="Name124" func="var" arg="hierBranch" op="equ" val="l">
-                      <dgm:constrLst>
-                        <dgm:constr type="l" for="ch" forName="rootText3"/>
-                        <dgm:constr type="t" for="ch" forName="rootText3"/>
-                        <dgm:constr type="w" for="ch" forName="rootText3" refType="w"/>
-                        <dgm:constr type="h" for="ch" forName="rootText3" refType="h"/>
-                        <dgm:constr type="r" for="ch" forName="rootConnector3" refType="w"/>
-                        <dgm:constr type="t" for="ch" forName="rootConnector3"/>
-                        <dgm:constr type="w" for="ch" forName="rootConnector3" refType="w" refFor="ch" refForName="rootText3" fact="0.2"/>
-                        <dgm:constr type="h" for="ch" forName="rootConnector3" refType="h" refFor="ch" refForName="rootText3"/>
-                      </dgm:constrLst>
-                    </dgm:if>
-                    <dgm:if name="Name125" func="var" arg="hierBranch" op="equ" val="r">
-                      <dgm:constrLst>
-                        <dgm:constr type="l" for="ch" forName="rootText3"/>
-                        <dgm:constr type="t" for="ch" forName="rootText3"/>
-                        <dgm:constr type="w" for="ch" forName="rootText3" refType="w"/>
-                        <dgm:constr type="h" for="ch" forName="rootText3" refType="h"/>
-                        <dgm:constr type="l" for="ch" forName="rootConnector3"/>
-                        <dgm:constr type="t" for="ch" forName="rootConnector3"/>
-                        <dgm:constr type="w" for="ch" forName="rootConnector3" refType="w" refFor="ch" refForName="rootText3" fact="0.2"/>
-                        <dgm:constr type="h" for="ch" forName="rootConnector3" refType="h" refFor="ch" refForName="rootText3"/>
-                      </dgm:constrLst>
-                    </dgm:if>
-                    <dgm:else name="Name126">
-                      <dgm:constrLst>
-                        <dgm:constr type="l" for="ch" forName="rootText3"/>
-                        <dgm:constr type="t" for="ch" forName="rootText3"/>
-                        <dgm:constr type="w" for="ch" forName="rootText3" refType="w"/>
-                        <dgm:constr type="h" for="ch" forName="rootText3" refType="h"/>
-                        <dgm:constr type="r" for="ch" forName="rootConnector3" refType="w"/>
-                        <dgm:constr type="t" for="ch" forName="rootConnector3"/>
-                        <dgm:constr type="w" for="ch" forName="rootConnector3" refType="w" refFor="ch" refForName="rootText3" fact="0.2"/>
-                        <dgm:constr type="h" for="ch" forName="rootConnector3" refType="h" refFor="ch" refForName="rootText3"/>
-                      </dgm:constrLst>
-                    </dgm:else>
-                  </dgm:choose>
-                  <dgm:ruleLst/>
-                  <dgm:layoutNode name="rootText3">
-                    <dgm:varLst>
-                      <dgm:chPref val="3"/>
-                    </dgm:varLst>
-                    <dgm:alg type="tx"/>
-                    <dgm:shape xmlns:r="http://schemas.openxmlformats.org/officeDocument/2006/relationships" type="rect" r:blip="">
-                      <dgm:adjLst/>
-                    </dgm:shape>
-                    <dgm:presOf axis="self" ptType="node" cnt="1"/>
-                    <dgm:constrLst>
-                      <dgm:constr type="primFontSz" val="65"/>
-                      <dgm:constr type="lMarg" refType="primFontSz" fact="0.05"/>
-                      <dgm:constr type="rMarg" refType="primFontSz" fact="0.05"/>
-                      <dgm:constr type="tMarg" refType="primFontSz" fact="0.05"/>
-                      <dgm:constr type="bMarg" refType="primFontSz" fact="0.05"/>
-                    </dgm:constrLst>
-                    <dgm:ruleLst>
-                      <dgm:rule type="primFontSz" val="5" fact="NaN" max="NaN"/>
-                    </dgm:ruleLst>
-                  </dgm:layoutNode>
-                  <dgm:layoutNode name="rootConnector3" moveWith="rootText1">
-                    <dgm:alg type="sp"/>
-                    <dgm:shape xmlns:r="http://schemas.openxmlformats.org/officeDocument/2006/relationships" type="rect" r:blip="" hideGeom="1">
-                      <dgm:adjLst/>
-                    </dgm:shape>
-                    <dgm:presOf axis="self" ptType="node" cnt="1"/>
-                    <dgm:constrLst/>
-                    <dgm:ruleLst/>
-                  </dgm:layoutNode>
-                </dgm:layoutNode>
-                <dgm:layoutNode name="hierChild6">
-                  <dgm:choose name="Name127">
-                    <dgm:if name="Name128" func="var" arg="hierBranch" op="equ" val="l">
-                      <dgm:alg type="hierChild">
-                        <dgm:param type="chAlign" val="r"/>
-                        <dgm:param type="linDir" val="fromT"/>
-                      </dgm:alg>
-                    </dgm:if>
-                    <dgm:if name="Name129" func="var" arg="hierBranch" op="equ" val="r">
-                      <dgm:alg type="hierChild">
-                        <dgm:param type="chAlign" val="l"/>
-                        <dgm:param type="linDir" val="fromT"/>
-                      </dgm:alg>
-                    </dgm:if>
-                    <dgm:if name="Name130" func="var" arg="hierBranch" op="equ" val="hang">
-                      <dgm:choose name="Name131">
-                        <dgm:if name="Name132" func="var" arg="dir" op="equ" val="norm">
-                          <dgm:alg type="hierChild">
-                            <dgm:param type="chAlign" val="l"/>
-                            <dgm:param type="linDir" val="fromL"/>
-                            <dgm:param type="secChAlign" val="t"/>
-                            <dgm:param type="secLinDir" val="fromT"/>
-                          </dgm:alg>
-                        </dgm:if>
-                        <dgm:else name="Name133">
-                          <dgm:alg type="hierChild">
-                            <dgm:param type="chAlign" val="l"/>
-                            <dgm:param type="linDir" val="fromR"/>
-                            <dgm:param type="secChAlign" val="t"/>
-                            <dgm:param type="secLinDir" val="fromT"/>
-                          </dgm:alg>
-                        </dgm:else>
-                      </dgm:choose>
-                    </dgm:if>
-                    <dgm:if name="Name134" func="var" arg="hierBranch" op="equ" val="std">
-                      <dgm:choose name="Name135">
-                        <dgm:if name="Name136" func="var" arg="dir" op="equ" val="norm">
-                          <dgm:alg type="hierChild"/>
-                        </dgm:if>
-                        <dgm:else name="Name137">
-                          <dgm:alg type="hierChild">
-                            <dgm:param type="linDir" val="fromR"/>
-                          </dgm:alg>
-                        </dgm:else>
-                      </dgm:choose>
-                    </dgm:if>
-                    <dgm:if name="Name138" func="var" arg="hierBranch" op="equ" val="init">
-                      <dgm:choose name="Name139">
-                        <dgm:if name="Name140" axis="des" func="maxDepth" op="lte" val="1">
-                          <dgm:alg type="hierChild">
-                            <dgm:param type="chAlign" val="l"/>
-                            <dgm:param type="linDir" val="fromT"/>
-                          </dgm:alg>
-                        </dgm:if>
-                        <dgm:else name="Name141">
-                          <dgm:alg type="hierChild"/>
-                        </dgm:else>
-                      </dgm:choose>
-                    </dgm:if>
-                    <dgm:else name="Name142"/>
-                  </dgm:choose>
-                  <dgm:shape xmlns:r="http://schemas.openxmlformats.org/officeDocument/2006/relationships" r:blip="">
-                    <dgm:adjLst/>
-                  </dgm:shape>
-                  <dgm:presOf/>
-                  <dgm:constrLst/>
-                  <dgm:ruleLst/>
-                  <dgm:forEach name="Name143" ref="rep2a"/>
-                </dgm:layoutNode>
-                <dgm:layoutNode name="hierChild7">
-                  <dgm:choose name="Name144">
-                    <dgm:if name="Name145" func="var" arg="dir" op="equ" val="norm">
-                      <dgm:alg type="hierChild">
-                        <dgm:param type="chAlign" val="l"/>
-                        <dgm:param type="linDir" val="fromL"/>
-                        <dgm:param type="secChAlign" val="t"/>
-                        <dgm:param type="secLinDir" val="fromT"/>
-                      </dgm:alg>
-                    </dgm:if>
-                    <dgm:else name="Name146">
-                      <dgm:alg type="hierChild">
-                        <dgm:param type="chAlign" val="l"/>
-                        <dgm:param type="linDir" val="fromR"/>
-                        <dgm:param type="secChAlign" val="t"/>
-                        <dgm:param type="secLinDir" val="fromT"/>
-                      </dgm:alg>
-                    </dgm:else>
-                  </dgm:choose>
-                  <dgm:shape xmlns:r="http://schemas.openxmlformats.org/officeDocument/2006/relationships" r:blip="">
-                    <dgm:adjLst/>
-                  </dgm:shape>
-                  <dgm:presOf/>
-                  <dgm:constrLst/>
-                  <dgm:ruleLst/>
-                  <dgm:forEach name="Name147" ref="rep2b"/>
-                </dgm:layoutNode>
-              </dgm:layoutNode>
-            </dgm:forEach>
-          </dgm:layoutNode>
-        </dgm:layoutNode>
-      </dgm:forEach>
-    </dgm:forEach>
-  </dgm:layoutNode>
-</dgm:layoutDef>
-</file>
-
 <file path=ppt/diagrams/quickStyle1.xml><?xml version="1.0" encoding="utf-8"?>
 <dgm:styleDef xmlns:dgm="http://schemas.openxmlformats.org/drawingml/2006/diagram" xmlns:a="http://schemas.openxmlformats.org/drawingml/2006/main" uniqueId="urn:microsoft.com/office/officeart/2005/8/quickstyle/simple1">
   <dgm:title val=""/>
@@ -17567,1040 +14590,6 @@
 </file>
 
 <file path=ppt/diagrams/quickStyle4.xml><?xml version="1.0" encoding="utf-8"?>
-<dgm:styleDef xmlns:dgm="http://schemas.openxmlformats.org/drawingml/2006/diagram" xmlns:a="http://schemas.openxmlformats.org/drawingml/2006/main" uniqueId="urn:microsoft.com/office/officeart/2005/8/quickstyle/simple1">
-  <dgm:title val=""/>
-  <dgm:desc val=""/>
-  <dgm:catLst>
-    <dgm:cat type="simple" pri="10100"/>
-  </dgm:catLst>
-  <dgm:scene3d>
-    <a:camera prst="orthographicFront"/>
-    <a:lightRig rig="threePt" dir="t"/>
-  </dgm:scene3d>
-  <dgm:styleLbl name="node0">
-    <dgm:scene3d>
-      <a:camera prst="orthographicFront"/>
-      <a:lightRig rig="threePt" dir="t"/>
-    </dgm:scene3d>
-    <dgm:sp3d/>
-    <dgm:txPr/>
-    <dgm:style>
-      <a:lnRef idx="2">
-        <a:scrgbClr r="0" g="0" b="0"/>
-      </a:lnRef>
-      <a:fillRef idx="1">
-        <a:scrgbClr r="0" g="0" b="0"/>
-      </a:fillRef>
-      <a:effectRef idx="0">
-        <a:scrgbClr r="0" g="0" b="0"/>
-      </a:effectRef>
-      <a:fontRef idx="minor">
-        <a:schemeClr val="lt1"/>
-      </a:fontRef>
-    </dgm:style>
-  </dgm:styleLbl>
-  <dgm:styleLbl name="lnNode1">
-    <dgm:scene3d>
-      <a:camera prst="orthographicFront"/>
-      <a:lightRig rig="threePt" dir="t"/>
-    </dgm:scene3d>
-    <dgm:sp3d/>
-    <dgm:txPr/>
-    <dgm:style>
-      <a:lnRef idx="2">
-        <a:scrgbClr r="0" g="0" b="0"/>
-      </a:lnRef>
-      <a:fillRef idx="1">
-        <a:scrgbClr r="0" g="0" b="0"/>
-      </a:fillRef>
-      <a:effectRef idx="0">
-        <a:scrgbClr r="0" g="0" b="0"/>
-      </a:effectRef>
-      <a:fontRef idx="minor">
-        <a:schemeClr val="lt1"/>
-      </a:fontRef>
-    </dgm:style>
-  </dgm:styleLbl>
-  <dgm:styleLbl name="vennNode1">
-    <dgm:scene3d>
-      <a:camera prst="orthographicFront"/>
-      <a:lightRig rig="threePt" dir="t"/>
-    </dgm:scene3d>
-    <dgm:sp3d/>
-    <dgm:txPr/>
-    <dgm:style>
-      <a:lnRef idx="2">
-        <a:scrgbClr r="0" g="0" b="0"/>
-      </a:lnRef>
-      <a:fillRef idx="1">
-        <a:scrgbClr r="0" g="0" b="0"/>
-      </a:fillRef>
-      <a:effectRef idx="0">
-        <a:scrgbClr r="0" g="0" b="0"/>
-      </a:effectRef>
-      <a:fontRef idx="minor">
-        <a:schemeClr val="tx1"/>
-      </a:fontRef>
-    </dgm:style>
-  </dgm:styleLbl>
-  <dgm:styleLbl name="alignNode1">
-    <dgm:scene3d>
-      <a:camera prst="orthographicFront"/>
-      <a:lightRig rig="threePt" dir="t"/>
-    </dgm:scene3d>
-    <dgm:sp3d/>
-    <dgm:txPr/>
-    <dgm:style>
-      <a:lnRef idx="2">
-        <a:scrgbClr r="0" g="0" b="0"/>
-      </a:lnRef>
-      <a:fillRef idx="1">
-        <a:scrgbClr r="0" g="0" b="0"/>
-      </a:fillRef>
-      <a:effectRef idx="0">
-        <a:scrgbClr r="0" g="0" b="0"/>
-      </a:effectRef>
-      <a:fontRef idx="minor">
-        <a:schemeClr val="lt1"/>
-      </a:fontRef>
-    </dgm:style>
-  </dgm:styleLbl>
-  <dgm:styleLbl name="node1">
-    <dgm:scene3d>
-      <a:camera prst="orthographicFront"/>
-      <a:lightRig rig="threePt" dir="t"/>
-    </dgm:scene3d>
-    <dgm:sp3d/>
-    <dgm:txPr/>
-    <dgm:style>
-      <a:lnRef idx="2">
-        <a:scrgbClr r="0" g="0" b="0"/>
-      </a:lnRef>
-      <a:fillRef idx="1">
-        <a:scrgbClr r="0" g="0" b="0"/>
-      </a:fillRef>
-      <a:effectRef idx="0">
-        <a:scrgbClr r="0" g="0" b="0"/>
-      </a:effectRef>
-      <a:fontRef idx="minor">
-        <a:schemeClr val="lt1"/>
-      </a:fontRef>
-    </dgm:style>
-  </dgm:styleLbl>
-  <dgm:styleLbl name="node2">
-    <dgm:scene3d>
-      <a:camera prst="orthographicFront"/>
-      <a:lightRig rig="threePt" dir="t"/>
-    </dgm:scene3d>
-    <dgm:sp3d/>
-    <dgm:txPr/>
-    <dgm:style>
-      <a:lnRef idx="2">
-        <a:scrgbClr r="0" g="0" b="0"/>
-      </a:lnRef>
-      <a:fillRef idx="1">
-        <a:scrgbClr r="0" g="0" b="0"/>
-      </a:fillRef>
-      <a:effectRef idx="0">
-        <a:scrgbClr r="0" g="0" b="0"/>
-      </a:effectRef>
-      <a:fontRef idx="minor">
-        <a:schemeClr val="lt1"/>
-      </a:fontRef>
-    </dgm:style>
-  </dgm:styleLbl>
-  <dgm:styleLbl name="node3">
-    <dgm:scene3d>
-      <a:camera prst="orthographicFront"/>
-      <a:lightRig rig="threePt" dir="t"/>
-    </dgm:scene3d>
-    <dgm:sp3d/>
-    <dgm:txPr/>
-    <dgm:style>
-      <a:lnRef idx="2">
-        <a:scrgbClr r="0" g="0" b="0"/>
-      </a:lnRef>
-      <a:fillRef idx="1">
-        <a:scrgbClr r="0" g="0" b="0"/>
-      </a:fillRef>
-      <a:effectRef idx="0">
-        <a:scrgbClr r="0" g="0" b="0"/>
-      </a:effectRef>
-      <a:fontRef idx="minor">
-        <a:schemeClr val="lt1"/>
-      </a:fontRef>
-    </dgm:style>
-  </dgm:styleLbl>
-  <dgm:styleLbl name="node4">
-    <dgm:scene3d>
-      <a:camera prst="orthographicFront"/>
-      <a:lightRig rig="threePt" dir="t"/>
-    </dgm:scene3d>
-    <dgm:sp3d/>
-    <dgm:txPr/>
-    <dgm:style>
-      <a:lnRef idx="2">
-        <a:scrgbClr r="0" g="0" b="0"/>
-      </a:lnRef>
-      <a:fillRef idx="1">
-        <a:scrgbClr r="0" g="0" b="0"/>
-      </a:fillRef>
-      <a:effectRef idx="0">
-        <a:scrgbClr r="0" g="0" b="0"/>
-      </a:effectRef>
-      <a:fontRef idx="minor">
-        <a:schemeClr val="lt1"/>
-      </a:fontRef>
-    </dgm:style>
-  </dgm:styleLbl>
-  <dgm:styleLbl name="fgImgPlace1">
-    <dgm:scene3d>
-      <a:camera prst="orthographicFront"/>
-      <a:lightRig rig="threePt" dir="t"/>
-    </dgm:scene3d>
-    <dgm:sp3d/>
-    <dgm:txPr/>
-    <dgm:style>
-      <a:lnRef idx="2">
-        <a:scrgbClr r="0" g="0" b="0"/>
-      </a:lnRef>
-      <a:fillRef idx="1">
-        <a:scrgbClr r="0" g="0" b="0"/>
-      </a:fillRef>
-      <a:effectRef idx="0">
-        <a:scrgbClr r="0" g="0" b="0"/>
-      </a:effectRef>
-      <a:fontRef idx="minor"/>
-    </dgm:style>
-  </dgm:styleLbl>
-  <dgm:styleLbl name="alignImgPlace1">
-    <dgm:scene3d>
-      <a:camera prst="orthographicFront"/>
-      <a:lightRig rig="threePt" dir="t"/>
-    </dgm:scene3d>
-    <dgm:sp3d/>
-    <dgm:txPr/>
-    <dgm:style>
-      <a:lnRef idx="2">
-        <a:scrgbClr r="0" g="0" b="0"/>
-      </a:lnRef>
-      <a:fillRef idx="1">
-        <a:scrgbClr r="0" g="0" b="0"/>
-      </a:fillRef>
-      <a:effectRef idx="0">
-        <a:scrgbClr r="0" g="0" b="0"/>
-      </a:effectRef>
-      <a:fontRef idx="minor"/>
-    </dgm:style>
-  </dgm:styleLbl>
-  <dgm:styleLbl name="bgImgPlace1">
-    <dgm:scene3d>
-      <a:camera prst="orthographicFront"/>
-      <a:lightRig rig="threePt" dir="t"/>
-    </dgm:scene3d>
-    <dgm:sp3d/>
-    <dgm:txPr/>
-    <dgm:style>
-      <a:lnRef idx="2">
-        <a:scrgbClr r="0" g="0" b="0"/>
-      </a:lnRef>
-      <a:fillRef idx="1">
-        <a:scrgbClr r="0" g="0" b="0"/>
-      </a:fillRef>
-      <a:effectRef idx="0">
-        <a:scrgbClr r="0" g="0" b="0"/>
-      </a:effectRef>
-      <a:fontRef idx="minor"/>
-    </dgm:style>
-  </dgm:styleLbl>
-  <dgm:styleLbl name="sibTrans2D1">
-    <dgm:scene3d>
-      <a:camera prst="orthographicFront"/>
-      <a:lightRig rig="threePt" dir="t"/>
-    </dgm:scene3d>
-    <dgm:sp3d/>
-    <dgm:txPr/>
-    <dgm:style>
-      <a:lnRef idx="0">
-        <a:scrgbClr r="0" g="0" b="0"/>
-      </a:lnRef>
-      <a:fillRef idx="1">
-        <a:scrgbClr r="0" g="0" b="0"/>
-      </a:fillRef>
-      <a:effectRef idx="0">
-        <a:scrgbClr r="0" g="0" b="0"/>
-      </a:effectRef>
-      <a:fontRef idx="minor">
-        <a:schemeClr val="lt1"/>
-      </a:fontRef>
-    </dgm:style>
-  </dgm:styleLbl>
-  <dgm:styleLbl name="fgSibTrans2D1">
-    <dgm:scene3d>
-      <a:camera prst="orthographicFront"/>
-      <a:lightRig rig="threePt" dir="t"/>
-    </dgm:scene3d>
-    <dgm:sp3d/>
-    <dgm:txPr/>
-    <dgm:style>
-      <a:lnRef idx="0">
-        <a:scrgbClr r="0" g="0" b="0"/>
-      </a:lnRef>
-      <a:fillRef idx="1">
-        <a:scrgbClr r="0" g="0" b="0"/>
-      </a:fillRef>
-      <a:effectRef idx="0">
-        <a:scrgbClr r="0" g="0" b="0"/>
-      </a:effectRef>
-      <a:fontRef idx="minor">
-        <a:schemeClr val="lt1"/>
-      </a:fontRef>
-    </dgm:style>
-  </dgm:styleLbl>
-  <dgm:styleLbl name="bgSibTrans2D1">
-    <dgm:scene3d>
-      <a:camera prst="orthographicFront"/>
-      <a:lightRig rig="threePt" dir="t"/>
-    </dgm:scene3d>
-    <dgm:sp3d/>
-    <dgm:txPr/>
-    <dgm:style>
-      <a:lnRef idx="0">
-        <a:scrgbClr r="0" g="0" b="0"/>
-      </a:lnRef>
-      <a:fillRef idx="1">
-        <a:scrgbClr r="0" g="0" b="0"/>
-      </a:fillRef>
-      <a:effectRef idx="0">
-        <a:scrgbClr r="0" g="0" b="0"/>
-      </a:effectRef>
-      <a:fontRef idx="minor">
-        <a:schemeClr val="lt1"/>
-      </a:fontRef>
-    </dgm:style>
-  </dgm:styleLbl>
-  <dgm:styleLbl name="sibTrans1D1">
-    <dgm:scene3d>
-      <a:camera prst="orthographicFront"/>
-      <a:lightRig rig="threePt" dir="t"/>
-    </dgm:scene3d>
-    <dgm:sp3d/>
-    <dgm:txPr/>
-    <dgm:style>
-      <a:lnRef idx="1">
-        <a:scrgbClr r="0" g="0" b="0"/>
-      </a:lnRef>
-      <a:fillRef idx="0">
-        <a:scrgbClr r="0" g="0" b="0"/>
-      </a:fillRef>
-      <a:effectRef idx="0">
-        <a:scrgbClr r="0" g="0" b="0"/>
-      </a:effectRef>
-      <a:fontRef idx="minor"/>
-    </dgm:style>
-  </dgm:styleLbl>
-  <dgm:styleLbl name="callout">
-    <dgm:scene3d>
-      <a:camera prst="orthographicFront"/>
-      <a:lightRig rig="threePt" dir="t"/>
-    </dgm:scene3d>
-    <dgm:sp3d/>
-    <dgm:txPr/>
-    <dgm:style>
-      <a:lnRef idx="2">
-        <a:scrgbClr r="0" g="0" b="0"/>
-      </a:lnRef>
-      <a:fillRef idx="1">
-        <a:scrgbClr r="0" g="0" b="0"/>
-      </a:fillRef>
-      <a:effectRef idx="0">
-        <a:scrgbClr r="0" g="0" b="0"/>
-      </a:effectRef>
-      <a:fontRef idx="minor"/>
-    </dgm:style>
-  </dgm:styleLbl>
-  <dgm:styleLbl name="asst0">
-    <dgm:scene3d>
-      <a:camera prst="orthographicFront"/>
-      <a:lightRig rig="threePt" dir="t"/>
-    </dgm:scene3d>
-    <dgm:sp3d/>
-    <dgm:txPr/>
-    <dgm:style>
-      <a:lnRef idx="2">
-        <a:scrgbClr r="0" g="0" b="0"/>
-      </a:lnRef>
-      <a:fillRef idx="1">
-        <a:scrgbClr r="0" g="0" b="0"/>
-      </a:fillRef>
-      <a:effectRef idx="0">
-        <a:scrgbClr r="0" g="0" b="0"/>
-      </a:effectRef>
-      <a:fontRef idx="minor">
-        <a:schemeClr val="lt1"/>
-      </a:fontRef>
-    </dgm:style>
-  </dgm:styleLbl>
-  <dgm:styleLbl name="asst1">
-    <dgm:scene3d>
-      <a:camera prst="orthographicFront"/>
-      <a:lightRig rig="threePt" dir="t"/>
-    </dgm:scene3d>
-    <dgm:sp3d/>
-    <dgm:txPr/>
-    <dgm:style>
-      <a:lnRef idx="2">
-        <a:scrgbClr r="0" g="0" b="0"/>
-      </a:lnRef>
-      <a:fillRef idx="1">
-        <a:scrgbClr r="0" g="0" b="0"/>
-      </a:fillRef>
-      <a:effectRef idx="0">
-        <a:scrgbClr r="0" g="0" b="0"/>
-      </a:effectRef>
-      <a:fontRef idx="minor">
-        <a:schemeClr val="lt1"/>
-      </a:fontRef>
-    </dgm:style>
-  </dgm:styleLbl>
-  <dgm:styleLbl name="asst2">
-    <dgm:scene3d>
-      <a:camera prst="orthographicFront"/>
-      <a:lightRig rig="threePt" dir="t"/>
-    </dgm:scene3d>
-    <dgm:sp3d/>
-    <dgm:txPr/>
-    <dgm:style>
-      <a:lnRef idx="2">
-        <a:scrgbClr r="0" g="0" b="0"/>
-      </a:lnRef>
-      <a:fillRef idx="1">
-        <a:scrgbClr r="0" g="0" b="0"/>
-      </a:fillRef>
-      <a:effectRef idx="0">
-        <a:scrgbClr r="0" g="0" b="0"/>
-      </a:effectRef>
-      <a:fontRef idx="minor">
-        <a:schemeClr val="lt1"/>
-      </a:fontRef>
-    </dgm:style>
-  </dgm:styleLbl>
-  <dgm:styleLbl name="asst3">
-    <dgm:scene3d>
-      <a:camera prst="orthographicFront"/>
-      <a:lightRig rig="threePt" dir="t"/>
-    </dgm:scene3d>
-    <dgm:sp3d/>
-    <dgm:txPr/>
-    <dgm:style>
-      <a:lnRef idx="2">
-        <a:scrgbClr r="0" g="0" b="0"/>
-      </a:lnRef>
-      <a:fillRef idx="1">
-        <a:scrgbClr r="0" g="0" b="0"/>
-      </a:fillRef>
-      <a:effectRef idx="0">
-        <a:scrgbClr r="0" g="0" b="0"/>
-      </a:effectRef>
-      <a:fontRef idx="minor">
-        <a:schemeClr val="lt1"/>
-      </a:fontRef>
-    </dgm:style>
-  </dgm:styleLbl>
-  <dgm:styleLbl name="asst4">
-    <dgm:scene3d>
-      <a:camera prst="orthographicFront"/>
-      <a:lightRig rig="threePt" dir="t"/>
-    </dgm:scene3d>
-    <dgm:sp3d/>
-    <dgm:txPr/>
-    <dgm:style>
-      <a:lnRef idx="2">
-        <a:scrgbClr r="0" g="0" b="0"/>
-      </a:lnRef>
-      <a:fillRef idx="1">
-        <a:scrgbClr r="0" g="0" b="0"/>
-      </a:fillRef>
-      <a:effectRef idx="0">
-        <a:scrgbClr r="0" g="0" b="0"/>
-      </a:effectRef>
-      <a:fontRef idx="minor">
-        <a:schemeClr val="lt1"/>
-      </a:fontRef>
-    </dgm:style>
-  </dgm:styleLbl>
-  <dgm:styleLbl name="parChTrans2D1">
-    <dgm:scene3d>
-      <a:camera prst="orthographicFront"/>
-      <a:lightRig rig="threePt" dir="t"/>
-    </dgm:scene3d>
-    <dgm:sp3d/>
-    <dgm:txPr/>
-    <dgm:style>
-      <a:lnRef idx="2">
-        <a:scrgbClr r="0" g="0" b="0"/>
-      </a:lnRef>
-      <a:fillRef idx="1">
-        <a:scrgbClr r="0" g="0" b="0"/>
-      </a:fillRef>
-      <a:effectRef idx="0">
-        <a:scrgbClr r="0" g="0" b="0"/>
-      </a:effectRef>
-      <a:fontRef idx="minor">
-        <a:schemeClr val="lt1"/>
-      </a:fontRef>
-    </dgm:style>
-  </dgm:styleLbl>
-  <dgm:styleLbl name="parChTrans2D2">
-    <dgm:scene3d>
-      <a:camera prst="orthographicFront"/>
-      <a:lightRig rig="threePt" dir="t"/>
-    </dgm:scene3d>
-    <dgm:sp3d/>
-    <dgm:txPr/>
-    <dgm:style>
-      <a:lnRef idx="2">
-        <a:scrgbClr r="0" g="0" b="0"/>
-      </a:lnRef>
-      <a:fillRef idx="1">
-        <a:scrgbClr r="0" g="0" b="0"/>
-      </a:fillRef>
-      <a:effectRef idx="0">
-        <a:scrgbClr r="0" g="0" b="0"/>
-      </a:effectRef>
-      <a:fontRef idx="minor">
-        <a:schemeClr val="lt1"/>
-      </a:fontRef>
-    </dgm:style>
-  </dgm:styleLbl>
-  <dgm:styleLbl name="parChTrans2D3">
-    <dgm:scene3d>
-      <a:camera prst="orthographicFront"/>
-      <a:lightRig rig="threePt" dir="t"/>
-    </dgm:scene3d>
-    <dgm:sp3d/>
-    <dgm:txPr/>
-    <dgm:style>
-      <a:lnRef idx="2">
-        <a:scrgbClr r="0" g="0" b="0"/>
-      </a:lnRef>
-      <a:fillRef idx="1">
-        <a:scrgbClr r="0" g="0" b="0"/>
-      </a:fillRef>
-      <a:effectRef idx="0">
-        <a:scrgbClr r="0" g="0" b="0"/>
-      </a:effectRef>
-      <a:fontRef idx="minor">
-        <a:schemeClr val="lt1"/>
-      </a:fontRef>
-    </dgm:style>
-  </dgm:styleLbl>
-  <dgm:styleLbl name="parChTrans2D4">
-    <dgm:scene3d>
-      <a:camera prst="orthographicFront"/>
-      <a:lightRig rig="threePt" dir="t"/>
-    </dgm:scene3d>
-    <dgm:sp3d/>
-    <dgm:txPr/>
-    <dgm:style>
-      <a:lnRef idx="2">
-        <a:scrgbClr r="0" g="0" b="0"/>
-      </a:lnRef>
-      <a:fillRef idx="1">
-        <a:scrgbClr r="0" g="0" b="0"/>
-      </a:fillRef>
-      <a:effectRef idx="0">
-        <a:scrgbClr r="0" g="0" b="0"/>
-      </a:effectRef>
-      <a:fontRef idx="minor">
-        <a:schemeClr val="lt1"/>
-      </a:fontRef>
-    </dgm:style>
-  </dgm:styleLbl>
-  <dgm:styleLbl name="parChTrans1D1">
-    <dgm:scene3d>
-      <a:camera prst="orthographicFront"/>
-      <a:lightRig rig="threePt" dir="t"/>
-    </dgm:scene3d>
-    <dgm:sp3d/>
-    <dgm:txPr/>
-    <dgm:style>
-      <a:lnRef idx="2">
-        <a:scrgbClr r="0" g="0" b="0"/>
-      </a:lnRef>
-      <a:fillRef idx="0">
-        <a:scrgbClr r="0" g="0" b="0"/>
-      </a:fillRef>
-      <a:effectRef idx="0">
-        <a:scrgbClr r="0" g="0" b="0"/>
-      </a:effectRef>
-      <a:fontRef idx="minor"/>
-    </dgm:style>
-  </dgm:styleLbl>
-  <dgm:styleLbl name="parChTrans1D2">
-    <dgm:scene3d>
-      <a:camera prst="orthographicFront"/>
-      <a:lightRig rig="threePt" dir="t"/>
-    </dgm:scene3d>
-    <dgm:sp3d/>
-    <dgm:txPr/>
-    <dgm:style>
-      <a:lnRef idx="2">
-        <a:scrgbClr r="0" g="0" b="0"/>
-      </a:lnRef>
-      <a:fillRef idx="0">
-        <a:scrgbClr r="0" g="0" b="0"/>
-      </a:fillRef>
-      <a:effectRef idx="0">
-        <a:scrgbClr r="0" g="0" b="0"/>
-      </a:effectRef>
-      <a:fontRef idx="minor"/>
-    </dgm:style>
-  </dgm:styleLbl>
-  <dgm:styleLbl name="parChTrans1D3">
-    <dgm:scene3d>
-      <a:camera prst="orthographicFront"/>
-      <a:lightRig rig="threePt" dir="t"/>
-    </dgm:scene3d>
-    <dgm:sp3d/>
-    <dgm:txPr/>
-    <dgm:style>
-      <a:lnRef idx="2">
-        <a:scrgbClr r="0" g="0" b="0"/>
-      </a:lnRef>
-      <a:fillRef idx="0">
-        <a:scrgbClr r="0" g="0" b="0"/>
-      </a:fillRef>
-      <a:effectRef idx="0">
-        <a:scrgbClr r="0" g="0" b="0"/>
-      </a:effectRef>
-      <a:fontRef idx="minor"/>
-    </dgm:style>
-  </dgm:styleLbl>
-  <dgm:styleLbl name="parChTrans1D4">
-    <dgm:scene3d>
-      <a:camera prst="orthographicFront"/>
-      <a:lightRig rig="threePt" dir="t"/>
-    </dgm:scene3d>
-    <dgm:sp3d/>
-    <dgm:txPr/>
-    <dgm:style>
-      <a:lnRef idx="2">
-        <a:scrgbClr r="0" g="0" b="0"/>
-      </a:lnRef>
-      <a:fillRef idx="0">
-        <a:scrgbClr r="0" g="0" b="0"/>
-      </a:fillRef>
-      <a:effectRef idx="0">
-        <a:scrgbClr r="0" g="0" b="0"/>
-      </a:effectRef>
-      <a:fontRef idx="minor"/>
-    </dgm:style>
-  </dgm:styleLbl>
-  <dgm:styleLbl name="fgAcc1">
-    <dgm:scene3d>
-      <a:camera prst="orthographicFront"/>
-      <a:lightRig rig="threePt" dir="t"/>
-    </dgm:scene3d>
-    <dgm:sp3d/>
-    <dgm:txPr/>
-    <dgm:style>
-      <a:lnRef idx="2">
-        <a:scrgbClr r="0" g="0" b="0"/>
-      </a:lnRef>
-      <a:fillRef idx="1">
-        <a:scrgbClr r="0" g="0" b="0"/>
-      </a:fillRef>
-      <a:effectRef idx="0">
-        <a:scrgbClr r="0" g="0" b="0"/>
-      </a:effectRef>
-      <a:fontRef idx="minor"/>
-    </dgm:style>
-  </dgm:styleLbl>
-  <dgm:styleLbl name="conFgAcc1">
-    <dgm:scene3d>
-      <a:camera prst="orthographicFront"/>
-      <a:lightRig rig="threePt" dir="t"/>
-    </dgm:scene3d>
-    <dgm:sp3d/>
-    <dgm:txPr/>
-    <dgm:style>
-      <a:lnRef idx="2">
-        <a:scrgbClr r="0" g="0" b="0"/>
-      </a:lnRef>
-      <a:fillRef idx="1">
-        <a:scrgbClr r="0" g="0" b="0"/>
-      </a:fillRef>
-      <a:effectRef idx="0">
-        <a:scrgbClr r="0" g="0" b="0"/>
-      </a:effectRef>
-      <a:fontRef idx="minor"/>
-    </dgm:style>
-  </dgm:styleLbl>
-  <dgm:styleLbl name="alignAcc1">
-    <dgm:scene3d>
-      <a:camera prst="orthographicFront"/>
-      <a:lightRig rig="threePt" dir="t"/>
-    </dgm:scene3d>
-    <dgm:sp3d/>
-    <dgm:txPr/>
-    <dgm:style>
-      <a:lnRef idx="2">
-        <a:scrgbClr r="0" g="0" b="0"/>
-      </a:lnRef>
-      <a:fillRef idx="1">
-        <a:scrgbClr r="0" g="0" b="0"/>
-      </a:fillRef>
-      <a:effectRef idx="0">
-        <a:scrgbClr r="0" g="0" b="0"/>
-      </a:effectRef>
-      <a:fontRef idx="minor"/>
-    </dgm:style>
-  </dgm:styleLbl>
-  <dgm:styleLbl name="trAlignAcc1">
-    <dgm:scene3d>
-      <a:camera prst="orthographicFront"/>
-      <a:lightRig rig="threePt" dir="t"/>
-    </dgm:scene3d>
-    <dgm:sp3d/>
-    <dgm:txPr/>
-    <dgm:style>
-      <a:lnRef idx="1">
-        <a:scrgbClr r="0" g="0" b="0"/>
-      </a:lnRef>
-      <a:fillRef idx="1">
-        <a:scrgbClr r="0" g="0" b="0"/>
-      </a:fillRef>
-      <a:effectRef idx="0">
-        <a:scrgbClr r="0" g="0" b="0"/>
-      </a:effectRef>
-      <a:fontRef idx="minor"/>
-    </dgm:style>
-  </dgm:styleLbl>
-  <dgm:styleLbl name="bgAcc1">
-    <dgm:scene3d>
-      <a:camera prst="orthographicFront"/>
-      <a:lightRig rig="threePt" dir="t"/>
-    </dgm:scene3d>
-    <dgm:sp3d/>
-    <dgm:txPr/>
-    <dgm:style>
-      <a:lnRef idx="2">
-        <a:scrgbClr r="0" g="0" b="0"/>
-      </a:lnRef>
-      <a:fillRef idx="1">
-        <a:scrgbClr r="0" g="0" b="0"/>
-      </a:fillRef>
-      <a:effectRef idx="0">
-        <a:scrgbClr r="0" g="0" b="0"/>
-      </a:effectRef>
-      <a:fontRef idx="minor"/>
-    </dgm:style>
-  </dgm:styleLbl>
-  <dgm:styleLbl name="solidFgAcc1">
-    <dgm:scene3d>
-      <a:camera prst="orthographicFront"/>
-      <a:lightRig rig="threePt" dir="t"/>
-    </dgm:scene3d>
-    <dgm:sp3d/>
-    <dgm:txPr/>
-    <dgm:style>
-      <a:lnRef idx="2">
-        <a:scrgbClr r="0" g="0" b="0"/>
-      </a:lnRef>
-      <a:fillRef idx="1">
-        <a:scrgbClr r="0" g="0" b="0"/>
-      </a:fillRef>
-      <a:effectRef idx="0">
-        <a:scrgbClr r="0" g="0" b="0"/>
-      </a:effectRef>
-      <a:fontRef idx="minor"/>
-    </dgm:style>
-  </dgm:styleLbl>
-  <dgm:styleLbl name="solidAlignAcc1">
-    <dgm:scene3d>
-      <a:camera prst="orthographicFront"/>
-      <a:lightRig rig="threePt" dir="t"/>
-    </dgm:scene3d>
-    <dgm:sp3d/>
-    <dgm:txPr/>
-    <dgm:style>
-      <a:lnRef idx="2">
-        <a:scrgbClr r="0" g="0" b="0"/>
-      </a:lnRef>
-      <a:fillRef idx="1">
-        <a:scrgbClr r="0" g="0" b="0"/>
-      </a:fillRef>
-      <a:effectRef idx="0">
-        <a:scrgbClr r="0" g="0" b="0"/>
-      </a:effectRef>
-      <a:fontRef idx="minor"/>
-    </dgm:style>
-  </dgm:styleLbl>
-  <dgm:styleLbl name="solidBgAcc1">
-    <dgm:scene3d>
-      <a:camera prst="orthographicFront"/>
-      <a:lightRig rig="threePt" dir="t"/>
-    </dgm:scene3d>
-    <dgm:sp3d/>
-    <dgm:txPr/>
-    <dgm:style>
-      <a:lnRef idx="2">
-        <a:scrgbClr r="0" g="0" b="0"/>
-      </a:lnRef>
-      <a:fillRef idx="1">
-        <a:scrgbClr r="0" g="0" b="0"/>
-      </a:fillRef>
-      <a:effectRef idx="0">
-        <a:scrgbClr r="0" g="0" b="0"/>
-      </a:effectRef>
-      <a:fontRef idx="minor"/>
-    </dgm:style>
-  </dgm:styleLbl>
-  <dgm:styleLbl name="fgAccFollowNode1">
-    <dgm:scene3d>
-      <a:camera prst="orthographicFront"/>
-      <a:lightRig rig="threePt" dir="t"/>
-    </dgm:scene3d>
-    <dgm:sp3d/>
-    <dgm:txPr/>
-    <dgm:style>
-      <a:lnRef idx="2">
-        <a:scrgbClr r="0" g="0" b="0"/>
-      </a:lnRef>
-      <a:fillRef idx="1">
-        <a:scrgbClr r="0" g="0" b="0"/>
-      </a:fillRef>
-      <a:effectRef idx="0">
-        <a:scrgbClr r="0" g="0" b="0"/>
-      </a:effectRef>
-      <a:fontRef idx="minor"/>
-    </dgm:style>
-  </dgm:styleLbl>
-  <dgm:styleLbl name="alignAccFollowNode1">
-    <dgm:scene3d>
-      <a:camera prst="orthographicFront"/>
-      <a:lightRig rig="threePt" dir="t"/>
-    </dgm:scene3d>
-    <dgm:sp3d/>
-    <dgm:txPr/>
-    <dgm:style>
-      <a:lnRef idx="2">
-        <a:scrgbClr r="0" g="0" b="0"/>
-      </a:lnRef>
-      <a:fillRef idx="1">
-        <a:scrgbClr r="0" g="0" b="0"/>
-      </a:fillRef>
-      <a:effectRef idx="0">
-        <a:scrgbClr r="0" g="0" b="0"/>
-      </a:effectRef>
-      <a:fontRef idx="minor"/>
-    </dgm:style>
-  </dgm:styleLbl>
-  <dgm:styleLbl name="bgAccFollowNode1">
-    <dgm:scene3d>
-      <a:camera prst="orthographicFront"/>
-      <a:lightRig rig="threePt" dir="t"/>
-    </dgm:scene3d>
-    <dgm:sp3d/>
-    <dgm:txPr/>
-    <dgm:style>
-      <a:lnRef idx="2">
-        <a:scrgbClr r="0" g="0" b="0"/>
-      </a:lnRef>
-      <a:fillRef idx="1">
-        <a:scrgbClr r="0" g="0" b="0"/>
-      </a:fillRef>
-      <a:effectRef idx="0">
-        <a:scrgbClr r="0" g="0" b="0"/>
-      </a:effectRef>
-      <a:fontRef idx="minor"/>
-    </dgm:style>
-  </dgm:styleLbl>
-  <dgm:styleLbl name="fgAcc0">
-    <dgm:scene3d>
-      <a:camera prst="orthographicFront"/>
-      <a:lightRig rig="threePt" dir="t"/>
-    </dgm:scene3d>
-    <dgm:sp3d/>
-    <dgm:txPr/>
-    <dgm:style>
-      <a:lnRef idx="2">
-        <a:scrgbClr r="0" g="0" b="0"/>
-      </a:lnRef>
-      <a:fillRef idx="1">
-        <a:scrgbClr r="0" g="0" b="0"/>
-      </a:fillRef>
-      <a:effectRef idx="0">
-        <a:scrgbClr r="0" g="0" b="0"/>
-      </a:effectRef>
-      <a:fontRef idx="minor"/>
-    </dgm:style>
-  </dgm:styleLbl>
-  <dgm:styleLbl name="fgAcc2">
-    <dgm:scene3d>
-      <a:camera prst="orthographicFront"/>
-      <a:lightRig rig="threePt" dir="t"/>
-    </dgm:scene3d>
-    <dgm:sp3d/>
-    <dgm:txPr/>
-    <dgm:style>
-      <a:lnRef idx="2">
-        <a:scrgbClr r="0" g="0" b="0"/>
-      </a:lnRef>
-      <a:fillRef idx="1">
-        <a:scrgbClr r="0" g="0" b="0"/>
-      </a:fillRef>
-      <a:effectRef idx="0">
-        <a:scrgbClr r="0" g="0" b="0"/>
-      </a:effectRef>
-      <a:fontRef idx="minor"/>
-    </dgm:style>
-  </dgm:styleLbl>
-  <dgm:styleLbl name="fgAcc3">
-    <dgm:scene3d>
-      <a:camera prst="orthographicFront"/>
-      <a:lightRig rig="threePt" dir="t"/>
-    </dgm:scene3d>
-    <dgm:sp3d/>
-    <dgm:txPr/>
-    <dgm:style>
-      <a:lnRef idx="2">
-        <a:scrgbClr r="0" g="0" b="0"/>
-      </a:lnRef>
-      <a:fillRef idx="1">
-        <a:scrgbClr r="0" g="0" b="0"/>
-      </a:fillRef>
-      <a:effectRef idx="0">
-        <a:scrgbClr r="0" g="0" b="0"/>
-      </a:effectRef>
-      <a:fontRef idx="minor"/>
-    </dgm:style>
-  </dgm:styleLbl>
-  <dgm:styleLbl name="fgAcc4">
-    <dgm:scene3d>
-      <a:camera prst="orthographicFront"/>
-      <a:lightRig rig="threePt" dir="t"/>
-    </dgm:scene3d>
-    <dgm:sp3d/>
-    <dgm:txPr/>
-    <dgm:style>
-      <a:lnRef idx="2">
-        <a:scrgbClr r="0" g="0" b="0"/>
-      </a:lnRef>
-      <a:fillRef idx="1">
-        <a:scrgbClr r="0" g="0" b="0"/>
-      </a:fillRef>
-      <a:effectRef idx="0">
-        <a:scrgbClr r="0" g="0" b="0"/>
-      </a:effectRef>
-      <a:fontRef idx="minor"/>
-    </dgm:style>
-  </dgm:styleLbl>
-  <dgm:styleLbl name="bgShp">
-    <dgm:scene3d>
-      <a:camera prst="orthographicFront"/>
-      <a:lightRig rig="threePt" dir="t"/>
-    </dgm:scene3d>
-    <dgm:sp3d/>
-    <dgm:txPr/>
-    <dgm:style>
-      <a:lnRef idx="0">
-        <a:scrgbClr r="0" g="0" b="0"/>
-      </a:lnRef>
-      <a:fillRef idx="1">
-        <a:scrgbClr r="0" g="0" b="0"/>
-      </a:fillRef>
-      <a:effectRef idx="0">
-        <a:scrgbClr r="0" g="0" b="0"/>
-      </a:effectRef>
-      <a:fontRef idx="minor"/>
-    </dgm:style>
-  </dgm:styleLbl>
-  <dgm:styleLbl name="dkBgShp">
-    <dgm:scene3d>
-      <a:camera prst="orthographicFront"/>
-      <a:lightRig rig="threePt" dir="t"/>
-    </dgm:scene3d>
-    <dgm:sp3d/>
-    <dgm:txPr/>
-    <dgm:style>
-      <a:lnRef idx="0">
-        <a:scrgbClr r="0" g="0" b="0"/>
-      </a:lnRef>
-      <a:fillRef idx="1">
-        <a:scrgbClr r="0" g="0" b="0"/>
-      </a:fillRef>
-      <a:effectRef idx="0">
-        <a:scrgbClr r="0" g="0" b="0"/>
-      </a:effectRef>
-      <a:fontRef idx="minor"/>
-    </dgm:style>
-  </dgm:styleLbl>
-  <dgm:styleLbl name="trBgShp">
-    <dgm:scene3d>
-      <a:camera prst="orthographicFront"/>
-      <a:lightRig rig="threePt" dir="t"/>
-    </dgm:scene3d>
-    <dgm:sp3d/>
-    <dgm:txPr/>
-    <dgm:style>
-      <a:lnRef idx="0">
-        <a:scrgbClr r="0" g="0" b="0"/>
-      </a:lnRef>
-      <a:fillRef idx="1">
-        <a:scrgbClr r="0" g="0" b="0"/>
-      </a:fillRef>
-      <a:effectRef idx="0">
-        <a:scrgbClr r="0" g="0" b="0"/>
-      </a:effectRef>
-      <a:fontRef idx="minor"/>
-    </dgm:style>
-  </dgm:styleLbl>
-  <dgm:styleLbl name="fgShp">
-    <dgm:scene3d>
-      <a:camera prst="orthographicFront"/>
-      <a:lightRig rig="threePt" dir="t"/>
-    </dgm:scene3d>
-    <dgm:sp3d/>
-    <dgm:txPr/>
-    <dgm:style>
-      <a:lnRef idx="2">
-        <a:scrgbClr r="0" g="0" b="0"/>
-      </a:lnRef>
-      <a:fillRef idx="1">
-        <a:scrgbClr r="0" g="0" b="0"/>
-      </a:fillRef>
-      <a:effectRef idx="0">
-        <a:scrgbClr r="0" g="0" b="0"/>
-      </a:effectRef>
-      <a:fontRef idx="minor"/>
-    </dgm:style>
-  </dgm:styleLbl>
-  <dgm:styleLbl name="revTx">
-    <dgm:scene3d>
-      <a:camera prst="orthographicFront"/>
-      <a:lightRig rig="threePt" dir="t"/>
-    </dgm:scene3d>
-    <dgm:sp3d/>
-    <dgm:txPr/>
-    <dgm:style>
-      <a:lnRef idx="0">
-        <a:scrgbClr r="0" g="0" b="0"/>
-      </a:lnRef>
-      <a:fillRef idx="0">
-        <a:scrgbClr r="0" g="0" b="0"/>
-      </a:fillRef>
-      <a:effectRef idx="0">
-        <a:scrgbClr r="0" g="0" b="0"/>
-      </a:effectRef>
-      <a:fontRef idx="minor"/>
-    </dgm:style>
-  </dgm:styleLbl>
-</dgm:styleDef>
-</file>
-
-<file path=ppt/diagrams/quickStyle5.xml><?xml version="1.0" encoding="utf-8"?>
 <dgm:styleDef xmlns:dgm="http://schemas.openxmlformats.org/drawingml/2006/diagram" xmlns:a="http://schemas.openxmlformats.org/drawingml/2006/main" uniqueId="urn:microsoft.com/office/officeart/2005/8/quickstyle/simple1">
   <dgm:title val=""/>
   <dgm:desc val=""/>
@@ -20936,110 +16925,6 @@
   <p:cSld>
     <p:spTree>
       <p:nvGrpSpPr>
-        <p:cNvPr id="1" name="Shape 160"/>
-        <p:cNvGrpSpPr/>
-        <p:nvPr/>
-      </p:nvGrpSpPr>
-      <p:grpSpPr>
-        <a:xfrm>
-          <a:off x="0" y="0"/>
-          <a:ext cx="0" cy="0"/>
-          <a:chOff x="0" y="0"/>
-          <a:chExt cx="0" cy="0"/>
-        </a:xfrm>
-      </p:grpSpPr>
-      <p:sp>
-        <p:nvSpPr>
-          <p:cNvPr id="161" name="Google Shape;161;p7:notes"/>
-          <p:cNvSpPr txBox="1">
-            <a:spLocks noGrp="1"/>
-          </p:cNvSpPr>
-          <p:nvPr>
-            <p:ph type="body" idx="1"/>
-          </p:nvPr>
-        </p:nvSpPr>
-        <p:spPr>
-          <a:xfrm>
-            <a:off x="685800" y="4343400"/>
-            <a:ext cx="5486400" cy="4114800"/>
-          </a:xfrm>
-          <a:prstGeom prst="rect">
-            <a:avLst/>
-          </a:prstGeom>
-        </p:spPr>
-        <p:txBody>
-          <a:bodyPr spcFirstLastPara="1" wrap="square" lIns="91425" tIns="45700" rIns="91425" bIns="45700" anchor="t" anchorCtr="0">
-            <a:noAutofit/>
-          </a:bodyPr>
-          <a:lstStyle/>
-          <a:p>
-            <a:pPr marL="0" lvl="0" indent="0" algn="l" rtl="0">
-              <a:spcBef>
-                <a:spcPts val="0"/>
-              </a:spcBef>
-              <a:spcAft>
-                <a:spcPts val="0"/>
-              </a:spcAft>
-              <a:buNone/>
-            </a:pPr>
-            <a:endParaRPr/>
-          </a:p>
-        </p:txBody>
-      </p:sp>
-      <p:sp>
-        <p:nvSpPr>
-          <p:cNvPr id="162" name="Google Shape;162;p7:notes"/>
-          <p:cNvSpPr>
-            <a:spLocks noGrp="1" noRot="1" noChangeAspect="1"/>
-          </p:cNvSpPr>
-          <p:nvPr>
-            <p:ph type="sldImg" idx="2"/>
-          </p:nvPr>
-        </p:nvSpPr>
-        <p:spPr>
-          <a:xfrm>
-            <a:off x="1143000" y="685800"/>
-            <a:ext cx="4572000" cy="3429000"/>
-          </a:xfrm>
-          <a:custGeom>
-            <a:avLst/>
-            <a:gdLst/>
-            <a:ahLst/>
-            <a:cxnLst/>
-            <a:rect l="l" t="t" r="r" b="b"/>
-            <a:pathLst>
-              <a:path w="120000" h="120000" extrusionOk="0">
-                <a:moveTo>
-                  <a:pt x="0" y="0"/>
-                </a:moveTo>
-                <a:lnTo>
-                  <a:pt x="120000" y="0"/>
-                </a:lnTo>
-                <a:lnTo>
-                  <a:pt x="120000" y="120000"/>
-                </a:lnTo>
-                <a:lnTo>
-                  <a:pt x="0" y="120000"/>
-                </a:lnTo>
-                <a:close/>
-              </a:path>
-            </a:pathLst>
-          </a:custGeom>
-        </p:spPr>
-      </p:sp>
-    </p:spTree>
-  </p:cSld>
-  <p:clrMapOvr>
-    <a:masterClrMapping/>
-  </p:clrMapOvr>
-</p:notes>
-</file>
-
-<file path=ppt/notesSlides/notesSlide11.xml><?xml version="1.0" encoding="utf-8"?>
-<p:notes xmlns:a="http://schemas.openxmlformats.org/drawingml/2006/main" xmlns:r="http://schemas.openxmlformats.org/officeDocument/2006/relationships" xmlns:p="http://schemas.openxmlformats.org/presentationml/2006/main" showMasterSp="0" showMasterPhAnim="0">
-  <p:cSld>
-    <p:spTree>
-      <p:nvGrpSpPr>
         <p:cNvPr id="1" name="Shape 214"/>
         <p:cNvGrpSpPr/>
         <p:nvPr/>
@@ -21887,7 +17772,7 @@
   <p:cSld>
     <p:spTree>
       <p:nvGrpSpPr>
-        <p:cNvPr id="1" name="Shape 142"/>
+        <p:cNvPr id="1" name="Shape 160"/>
         <p:cNvGrpSpPr/>
         <p:nvPr/>
       </p:nvGrpSpPr>
@@ -21901,7 +17786,7 @@
       </p:grpSpPr>
       <p:sp>
         <p:nvSpPr>
-          <p:cNvPr id="143" name="Google Shape;143;p5:notes"/>
+          <p:cNvPr id="161" name="Google Shape;161;p7:notes"/>
           <p:cNvSpPr txBox="1">
             <a:spLocks noGrp="1"/>
           </p:cNvSpPr>
@@ -21939,7 +17824,7 @@
       </p:sp>
       <p:sp>
         <p:nvSpPr>
-          <p:cNvPr id="144" name="Google Shape;144;p5:notes"/>
+          <p:cNvPr id="162" name="Google Shape;162;p7:notes"/>
           <p:cNvSpPr>
             <a:spLocks noGrp="1" noRot="1" noChangeAspect="1"/>
           </p:cNvSpPr>
@@ -21979,11 +17864,6 @@
         </p:spPr>
       </p:sp>
     </p:spTree>
-    <p:extLst>
-      <p:ext uri="{BB962C8B-B14F-4D97-AF65-F5344CB8AC3E}">
-        <p14:creationId xmlns:p14="http://schemas.microsoft.com/office/powerpoint/2010/main" val="2732940811"/>
-      </p:ext>
-    </p:extLst>
   </p:cSld>
   <p:clrMapOvr>
     <a:masterClrMapping/>
@@ -34004,398 +29884,6 @@
   <p:cSld>
     <p:spTree>
       <p:nvGrpSpPr>
-        <p:cNvPr id="1" name="Shape 163"/>
-        <p:cNvGrpSpPr/>
-        <p:nvPr/>
-      </p:nvGrpSpPr>
-      <p:grpSpPr>
-        <a:xfrm>
-          <a:off x="0" y="0"/>
-          <a:ext cx="0" cy="0"/>
-          <a:chOff x="0" y="0"/>
-          <a:chExt cx="0" cy="0"/>
-        </a:xfrm>
-      </p:grpSpPr>
-      <p:sp>
-        <p:nvSpPr>
-          <p:cNvPr id="164" name="Google Shape;164;p7"/>
-          <p:cNvSpPr txBox="1">
-            <a:spLocks noGrp="1"/>
-          </p:cNvSpPr>
-          <p:nvPr>
-            <p:ph type="title"/>
-          </p:nvPr>
-        </p:nvSpPr>
-        <p:spPr>
-          <a:xfrm>
-            <a:off x="2057400" y="274638"/>
-            <a:ext cx="6629400" cy="487362"/>
-          </a:xfrm>
-          <a:prstGeom prst="rect">
-            <a:avLst/>
-          </a:prstGeom>
-          <a:noFill/>
-          <a:ln>
-            <a:noFill/>
-          </a:ln>
-        </p:spPr>
-        <p:txBody>
-          <a:bodyPr spcFirstLastPara="1" wrap="square" lIns="91425" tIns="45700" rIns="91425" bIns="45700" anchor="ctr" anchorCtr="0">
-            <a:noAutofit/>
-          </a:bodyPr>
-          <a:lstStyle/>
-          <a:p>
-            <a:pPr lvl="0"/>
-            <a:r>
-              <a:rPr lang="fr-FR" dirty="0">
-                <a:solidFill>
-                  <a:schemeClr val="accent6"/>
-                </a:solidFill>
-                <a:latin typeface="Calibri"/>
-                <a:ea typeface="Calibri"/>
-                <a:cs typeface="Calibri"/>
-                <a:sym typeface="Calibri"/>
-              </a:rPr>
-              <a:t>Test Techniques</a:t>
-            </a:r>
-            <a:endParaRPr dirty="0"/>
-          </a:p>
-        </p:txBody>
-      </p:sp>
-      <p:sp>
-        <p:nvSpPr>
-          <p:cNvPr id="165" name="Google Shape;165;p7"/>
-          <p:cNvSpPr txBox="1">
-            <a:spLocks noGrp="1"/>
-          </p:cNvSpPr>
-          <p:nvPr>
-            <p:ph type="ftr" idx="11"/>
-          </p:nvPr>
-        </p:nvSpPr>
-        <p:spPr>
-          <a:xfrm>
-            <a:off x="3124200" y="6356350"/>
-            <a:ext cx="2895600" cy="365125"/>
-          </a:xfrm>
-          <a:prstGeom prst="rect">
-            <a:avLst/>
-          </a:prstGeom>
-          <a:noFill/>
-          <a:ln>
-            <a:noFill/>
-          </a:ln>
-        </p:spPr>
-        <p:txBody>
-          <a:bodyPr spcFirstLastPara="1" wrap="square" lIns="91425" tIns="45700" rIns="91425" bIns="45700" anchor="ctr" anchorCtr="0">
-            <a:noAutofit/>
-          </a:bodyPr>
-          <a:lstStyle/>
-          <a:p>
-            <a:pPr marL="0" lvl="0" indent="0" algn="ctr" rtl="0">
-              <a:spcBef>
-                <a:spcPts val="0"/>
-              </a:spcBef>
-              <a:spcAft>
-                <a:spcPts val="0"/>
-              </a:spcAft>
-              <a:buNone/>
-            </a:pPr>
-            <a:r>
-              <a:rPr lang="en-US"/>
-              <a:t>Kiểm thử cơ bản</a:t>
-            </a:r>
-            <a:endParaRPr/>
-          </a:p>
-        </p:txBody>
-      </p:sp>
-      <p:sp>
-        <p:nvSpPr>
-          <p:cNvPr id="166" name="Google Shape;166;p7"/>
-          <p:cNvSpPr txBox="1">
-            <a:spLocks noGrp="1"/>
-          </p:cNvSpPr>
-          <p:nvPr>
-            <p:ph type="sldNum" idx="12"/>
-          </p:nvPr>
-        </p:nvSpPr>
-        <p:spPr>
-          <a:xfrm>
-            <a:off x="6553200" y="6356350"/>
-            <a:ext cx="2133600" cy="365125"/>
-          </a:xfrm>
-          <a:prstGeom prst="rect">
-            <a:avLst/>
-          </a:prstGeom>
-          <a:noFill/>
-          <a:ln>
-            <a:noFill/>
-          </a:ln>
-        </p:spPr>
-        <p:txBody>
-          <a:bodyPr spcFirstLastPara="1" wrap="square" lIns="91425" tIns="45700" rIns="91425" bIns="45700" anchor="ctr" anchorCtr="0">
-            <a:noAutofit/>
-          </a:bodyPr>
-          <a:lstStyle/>
-          <a:p>
-            <a:pPr marL="0" lvl="0" indent="0" algn="r" rtl="0">
-              <a:spcBef>
-                <a:spcPts val="0"/>
-              </a:spcBef>
-              <a:spcAft>
-                <a:spcPts val="0"/>
-              </a:spcAft>
-              <a:buNone/>
-            </a:pPr>
-            <a:fld id="{00000000-1234-1234-1234-123412341234}" type="slidenum">
-              <a:rPr lang="en-US"/>
-              <a:t>10</a:t>
-            </a:fld>
-            <a:endParaRPr/>
-          </a:p>
-        </p:txBody>
-      </p:sp>
-      <p:sp>
-        <p:nvSpPr>
-          <p:cNvPr id="167" name="Google Shape;167;p7"/>
-          <p:cNvSpPr/>
-          <p:nvPr/>
-        </p:nvSpPr>
-        <p:spPr>
-          <a:xfrm>
-            <a:off x="304799" y="956872"/>
-            <a:ext cx="8506691" cy="646290"/>
-          </a:xfrm>
-          <a:prstGeom prst="rect">
-            <a:avLst/>
-          </a:prstGeom>
-          <a:noFill/>
-          <a:ln>
-            <a:noFill/>
-          </a:ln>
-        </p:spPr>
-        <p:txBody>
-          <a:bodyPr spcFirstLastPara="1" wrap="square" lIns="91425" tIns="45700" rIns="91425" bIns="45700" anchor="t" anchorCtr="0">
-            <a:spAutoFit/>
-          </a:bodyPr>
-          <a:lstStyle/>
-          <a:p>
-            <a:pPr lvl="0"/>
-            <a:r>
-              <a:rPr lang="en-US" sz="3600" b="1" dirty="0" smtClean="0">
-                <a:solidFill>
-                  <a:schemeClr val="accent6"/>
-                </a:solidFill>
-                <a:latin typeface="Calibri"/>
-                <a:ea typeface="Calibri"/>
-                <a:cs typeface="Calibri"/>
-                <a:sym typeface="Calibri"/>
-              </a:rPr>
-              <a:t>Các </a:t>
-            </a:r>
-            <a:r>
-              <a:rPr lang="en-US" sz="3600" b="1" dirty="0" err="1">
-                <a:solidFill>
-                  <a:schemeClr val="accent6"/>
-                </a:solidFill>
-                <a:latin typeface="Calibri"/>
-                <a:ea typeface="Calibri"/>
-                <a:cs typeface="Calibri"/>
-                <a:sym typeface="Calibri"/>
-              </a:rPr>
-              <a:t>loại</a:t>
-            </a:r>
-            <a:r>
-              <a:rPr lang="en-US" sz="3600" b="1" dirty="0">
-                <a:solidFill>
-                  <a:schemeClr val="accent6"/>
-                </a:solidFill>
-                <a:latin typeface="Calibri"/>
-                <a:ea typeface="Calibri"/>
-                <a:cs typeface="Calibri"/>
-                <a:sym typeface="Calibri"/>
-              </a:rPr>
-              <a:t> </a:t>
-            </a:r>
-            <a:r>
-              <a:rPr lang="en-US" sz="3600" b="1" dirty="0" err="1">
-                <a:solidFill>
-                  <a:schemeClr val="accent6"/>
-                </a:solidFill>
-                <a:latin typeface="Calibri"/>
-                <a:ea typeface="Calibri"/>
-                <a:cs typeface="Calibri"/>
-                <a:sym typeface="Calibri"/>
-              </a:rPr>
-              <a:t>kỹ</a:t>
-            </a:r>
-            <a:r>
-              <a:rPr lang="en-US" sz="3600" b="1" dirty="0">
-                <a:solidFill>
-                  <a:schemeClr val="accent6"/>
-                </a:solidFill>
-                <a:latin typeface="Calibri"/>
-                <a:ea typeface="Calibri"/>
-                <a:cs typeface="Calibri"/>
-                <a:sym typeface="Calibri"/>
-              </a:rPr>
-              <a:t> </a:t>
-            </a:r>
-            <a:r>
-              <a:rPr lang="en-US" sz="3600" b="1" dirty="0" err="1">
-                <a:solidFill>
-                  <a:schemeClr val="accent6"/>
-                </a:solidFill>
-                <a:latin typeface="Calibri"/>
-                <a:ea typeface="Calibri"/>
-                <a:cs typeface="Calibri"/>
-                <a:sym typeface="Calibri"/>
-              </a:rPr>
-              <a:t>thuật</a:t>
-            </a:r>
-            <a:r>
-              <a:rPr lang="en-US" sz="3600" b="1" dirty="0">
-                <a:solidFill>
-                  <a:schemeClr val="accent6"/>
-                </a:solidFill>
-                <a:latin typeface="Calibri"/>
-                <a:ea typeface="Calibri"/>
-                <a:cs typeface="Calibri"/>
-                <a:sym typeface="Calibri"/>
-              </a:rPr>
-              <a:t> </a:t>
-            </a:r>
-            <a:r>
-              <a:rPr lang="en-US" sz="3600" b="1" dirty="0" err="1">
-                <a:solidFill>
-                  <a:schemeClr val="accent6"/>
-                </a:solidFill>
-                <a:latin typeface="Calibri"/>
-                <a:ea typeface="Calibri"/>
-                <a:cs typeface="Calibri"/>
-                <a:sym typeface="Calibri"/>
-              </a:rPr>
-              <a:t>thiết</a:t>
-            </a:r>
-            <a:r>
-              <a:rPr lang="en-US" sz="3600" b="1" dirty="0">
-                <a:solidFill>
-                  <a:schemeClr val="accent6"/>
-                </a:solidFill>
-                <a:latin typeface="Calibri"/>
-                <a:ea typeface="Calibri"/>
-                <a:cs typeface="Calibri"/>
-                <a:sym typeface="Calibri"/>
-              </a:rPr>
-              <a:t> </a:t>
-            </a:r>
-            <a:r>
-              <a:rPr lang="en-US" sz="3600" b="1" dirty="0" err="1">
-                <a:solidFill>
-                  <a:schemeClr val="accent6"/>
-                </a:solidFill>
-                <a:latin typeface="Calibri"/>
-                <a:ea typeface="Calibri"/>
-                <a:cs typeface="Calibri"/>
-                <a:sym typeface="Calibri"/>
-              </a:rPr>
-              <a:t>kế</a:t>
-            </a:r>
-            <a:r>
-              <a:rPr lang="en-US" sz="3600" b="1" dirty="0">
-                <a:solidFill>
-                  <a:schemeClr val="accent6"/>
-                </a:solidFill>
-                <a:latin typeface="Calibri"/>
-                <a:ea typeface="Calibri"/>
-                <a:cs typeface="Calibri"/>
-                <a:sym typeface="Calibri"/>
-              </a:rPr>
-              <a:t> kiểm thử</a:t>
-            </a:r>
-            <a:endParaRPr sz="3600" b="1" cap="none" dirty="0">
-              <a:solidFill>
-                <a:schemeClr val="accent6"/>
-              </a:solidFill>
-              <a:latin typeface="Calibri"/>
-              <a:ea typeface="Calibri"/>
-              <a:cs typeface="Calibri"/>
-              <a:sym typeface="Calibri"/>
-            </a:endParaRPr>
-          </a:p>
-        </p:txBody>
-      </p:sp>
-      <p:pic>
-        <p:nvPicPr>
-          <p:cNvPr id="2" name="Picture 1"/>
-          <p:cNvPicPr>
-            <a:picLocks noChangeAspect="1"/>
-          </p:cNvPicPr>
-          <p:nvPr/>
-        </p:nvPicPr>
-        <p:blipFill>
-          <a:blip r:embed="rId3">
-            <a:extLst>
-              <a:ext uri="{28A0092B-C50C-407E-A947-70E740481C1C}">
-                <a14:useLocalDpi xmlns:a14="http://schemas.microsoft.com/office/drawing/2010/main" val="0"/>
-              </a:ext>
-            </a:extLst>
-          </a:blip>
-          <a:stretch>
-            <a:fillRect/>
-          </a:stretch>
-        </p:blipFill>
-        <p:spPr>
-          <a:xfrm>
-            <a:off x="984229" y="1986752"/>
-            <a:ext cx="7147830" cy="3767502"/>
-          </a:xfrm>
-          <a:prstGeom prst="rect">
-            <a:avLst/>
-          </a:prstGeom>
-          <a:ln>
-            <a:noFill/>
-          </a:ln>
-          <a:effectLst>
-            <a:outerShdw blurRad="292100" dist="139700" dir="2700000" algn="tl" rotWithShape="0">
-              <a:srgbClr val="333333">
-                <a:alpha val="65000"/>
-              </a:srgbClr>
-            </a:outerShdw>
-          </a:effectLst>
-        </p:spPr>
-      </p:pic>
-    </p:spTree>
-  </p:cSld>
-  <p:clrMapOvr>
-    <a:masterClrMapping/>
-  </p:clrMapOvr>
-  <mc:AlternateContent xmlns:mc="http://schemas.openxmlformats.org/markup-compatibility/2006" xmlns:p14="http://schemas.microsoft.com/office/powerpoint/2010/main">
-    <mc:Choice Requires="p14">
-      <p:transition spd="slow" p14:dur="1500">
-        <p:random/>
-      </p:transition>
-    </mc:Choice>
-    <mc:Fallback xmlns="">
-      <p:transition spd="slow">
-        <p:random/>
-      </p:transition>
-    </mc:Fallback>
-  </mc:AlternateContent>
-  <p:timing>
-    <p:tnLst>
-      <p:par>
-        <p:cTn id="1" dur="indefinite" restart="never" nodeType="tmRoot"/>
-      </p:par>
-    </p:tnLst>
-  </p:timing>
-</p:sld>
-</file>
-
-<file path=ppt/slides/slide11.xml><?xml version="1.0" encoding="utf-8"?>
-<p:sld xmlns:a="http://schemas.openxmlformats.org/drawingml/2006/main" xmlns:r="http://schemas.openxmlformats.org/officeDocument/2006/relationships" xmlns:p="http://schemas.openxmlformats.org/presentationml/2006/main">
-  <p:cSld>
-    <p:spTree>
-      <p:nvGrpSpPr>
         <p:cNvPr id="1" name="Shape 217"/>
         <p:cNvGrpSpPr/>
         <p:nvPr/>
@@ -34521,7 +30009,7 @@
             </a:pPr>
             <a:fld id="{00000000-1234-1234-1234-123412341234}" type="slidenum">
               <a:rPr lang="en-US"/>
-              <a:t>11</a:t>
+              <a:t>10</a:t>
             </a:fld>
             <a:endParaRPr/>
           </a:p>
@@ -36992,7 +32480,7 @@
   <p:cSld>
     <p:spTree>
       <p:nvGrpSpPr>
-        <p:cNvPr id="1" name="Shape 145"/>
+        <p:cNvPr id="1" name="Shape 163"/>
         <p:cNvGrpSpPr/>
         <p:nvPr/>
       </p:nvGrpSpPr>
@@ -37006,7 +32494,7 @@
       </p:grpSpPr>
       <p:sp>
         <p:nvSpPr>
-          <p:cNvPr id="146" name="Google Shape;146;p5"/>
+          <p:cNvPr id="164" name="Google Shape;164;p7"/>
           <p:cNvSpPr txBox="1">
             <a:spLocks noGrp="1"/>
           </p:cNvSpPr>
@@ -37052,7 +32540,7 @@
       </p:sp>
       <p:sp>
         <p:nvSpPr>
-          <p:cNvPr id="147" name="Google Shape;147;p5"/>
+          <p:cNvPr id="165" name="Google Shape;165;p7"/>
           <p:cNvSpPr txBox="1">
             <a:spLocks noGrp="1"/>
           </p:cNvSpPr>
@@ -37098,7 +32586,7 @@
       </p:sp>
       <p:sp>
         <p:nvSpPr>
-          <p:cNvPr id="148" name="Google Shape;148;p5"/>
+          <p:cNvPr id="166" name="Google Shape;166;p7"/>
           <p:cNvSpPr txBox="1">
             <a:spLocks noGrp="1"/>
           </p:cNvSpPr>
@@ -37142,32 +32630,186 @@
           </a:p>
         </p:txBody>
       </p:sp>
-      <p:graphicFrame>
-        <p:nvGraphicFramePr>
-          <p:cNvPr id="2" name="Diagram 1"/>
-          <p:cNvGraphicFramePr/>
+      <p:sp>
+        <p:nvSpPr>
+          <p:cNvPr id="167" name="Google Shape;167;p7"/>
+          <p:cNvSpPr/>
           <p:nvPr/>
-        </p:nvGraphicFramePr>
-        <p:xfrm>
-          <a:off x="591128" y="960582"/>
-          <a:ext cx="8095672" cy="5541818"/>
-        </p:xfrm>
-        <a:graphic>
-          <a:graphicData uri="http://schemas.openxmlformats.org/drawingml/2006/diagram">
-            <dgm:relIds xmlns:dgm="http://schemas.openxmlformats.org/drawingml/2006/diagram" xmlns:r="http://schemas.openxmlformats.org/officeDocument/2006/relationships" r:dm="rId3" r:lo="rId4" r:qs="rId5" r:cs="rId6"/>
-          </a:graphicData>
-        </a:graphic>
-      </p:graphicFrame>
+        </p:nvSpPr>
+        <p:spPr>
+          <a:xfrm>
+            <a:off x="304799" y="956872"/>
+            <a:ext cx="8506691" cy="646290"/>
+          </a:xfrm>
+          <a:prstGeom prst="rect">
+            <a:avLst/>
+          </a:prstGeom>
+          <a:noFill/>
+          <a:ln>
+            <a:noFill/>
+          </a:ln>
+        </p:spPr>
+        <p:txBody>
+          <a:bodyPr spcFirstLastPara="1" wrap="square" lIns="91425" tIns="45700" rIns="91425" bIns="45700" anchor="t" anchorCtr="0">
+            <a:spAutoFit/>
+          </a:bodyPr>
+          <a:lstStyle/>
+          <a:p>
+            <a:pPr lvl="0"/>
+            <a:r>
+              <a:rPr lang="en-US" sz="3600" b="1" dirty="0" smtClean="0">
+                <a:solidFill>
+                  <a:schemeClr val="accent6"/>
+                </a:solidFill>
+                <a:latin typeface="Calibri"/>
+                <a:ea typeface="Calibri"/>
+                <a:cs typeface="Calibri"/>
+                <a:sym typeface="Calibri"/>
+              </a:rPr>
+              <a:t>Các </a:t>
+            </a:r>
+            <a:r>
+              <a:rPr lang="en-US" sz="3600" b="1" dirty="0" err="1">
+                <a:solidFill>
+                  <a:schemeClr val="accent6"/>
+                </a:solidFill>
+                <a:latin typeface="Calibri"/>
+                <a:ea typeface="Calibri"/>
+                <a:cs typeface="Calibri"/>
+                <a:sym typeface="Calibri"/>
+              </a:rPr>
+              <a:t>loại</a:t>
+            </a:r>
+            <a:r>
+              <a:rPr lang="en-US" sz="3600" b="1" dirty="0">
+                <a:solidFill>
+                  <a:schemeClr val="accent6"/>
+                </a:solidFill>
+                <a:latin typeface="Calibri"/>
+                <a:ea typeface="Calibri"/>
+                <a:cs typeface="Calibri"/>
+                <a:sym typeface="Calibri"/>
+              </a:rPr>
+              <a:t> </a:t>
+            </a:r>
+            <a:r>
+              <a:rPr lang="en-US" sz="3600" b="1" dirty="0" err="1">
+                <a:solidFill>
+                  <a:schemeClr val="accent6"/>
+                </a:solidFill>
+                <a:latin typeface="Calibri"/>
+                <a:ea typeface="Calibri"/>
+                <a:cs typeface="Calibri"/>
+                <a:sym typeface="Calibri"/>
+              </a:rPr>
+              <a:t>kỹ</a:t>
+            </a:r>
+            <a:r>
+              <a:rPr lang="en-US" sz="3600" b="1" dirty="0">
+                <a:solidFill>
+                  <a:schemeClr val="accent6"/>
+                </a:solidFill>
+                <a:latin typeface="Calibri"/>
+                <a:ea typeface="Calibri"/>
+                <a:cs typeface="Calibri"/>
+                <a:sym typeface="Calibri"/>
+              </a:rPr>
+              <a:t> </a:t>
+            </a:r>
+            <a:r>
+              <a:rPr lang="en-US" sz="3600" b="1" dirty="0" err="1">
+                <a:solidFill>
+                  <a:schemeClr val="accent6"/>
+                </a:solidFill>
+                <a:latin typeface="Calibri"/>
+                <a:ea typeface="Calibri"/>
+                <a:cs typeface="Calibri"/>
+                <a:sym typeface="Calibri"/>
+              </a:rPr>
+              <a:t>thuật</a:t>
+            </a:r>
+            <a:r>
+              <a:rPr lang="en-US" sz="3600" b="1" dirty="0">
+                <a:solidFill>
+                  <a:schemeClr val="accent6"/>
+                </a:solidFill>
+                <a:latin typeface="Calibri"/>
+                <a:ea typeface="Calibri"/>
+                <a:cs typeface="Calibri"/>
+                <a:sym typeface="Calibri"/>
+              </a:rPr>
+              <a:t> </a:t>
+            </a:r>
+            <a:r>
+              <a:rPr lang="en-US" sz="3600" b="1" dirty="0" err="1">
+                <a:solidFill>
+                  <a:schemeClr val="accent6"/>
+                </a:solidFill>
+                <a:latin typeface="Calibri"/>
+                <a:ea typeface="Calibri"/>
+                <a:cs typeface="Calibri"/>
+                <a:sym typeface="Calibri"/>
+              </a:rPr>
+              <a:t>thiết</a:t>
+            </a:r>
+            <a:r>
+              <a:rPr lang="en-US" sz="3600" b="1" dirty="0">
+                <a:solidFill>
+                  <a:schemeClr val="accent6"/>
+                </a:solidFill>
+                <a:latin typeface="Calibri"/>
+                <a:ea typeface="Calibri"/>
+                <a:cs typeface="Calibri"/>
+                <a:sym typeface="Calibri"/>
+              </a:rPr>
+              <a:t> </a:t>
+            </a:r>
+            <a:r>
+              <a:rPr lang="en-US" sz="3600" b="1" dirty="0" err="1">
+                <a:solidFill>
+                  <a:schemeClr val="accent6"/>
+                </a:solidFill>
+                <a:latin typeface="Calibri"/>
+                <a:ea typeface="Calibri"/>
+                <a:cs typeface="Calibri"/>
+                <a:sym typeface="Calibri"/>
+              </a:rPr>
+              <a:t>kế</a:t>
+            </a:r>
+            <a:r>
+              <a:rPr lang="en-US" sz="3600" b="1" dirty="0">
+                <a:solidFill>
+                  <a:schemeClr val="accent6"/>
+                </a:solidFill>
+                <a:latin typeface="Calibri"/>
+                <a:ea typeface="Calibri"/>
+                <a:cs typeface="Calibri"/>
+                <a:sym typeface="Calibri"/>
+              </a:rPr>
+              <a:t> kiểm thử</a:t>
+            </a:r>
+            <a:endParaRPr sz="3600" b="1" cap="none" dirty="0">
+              <a:solidFill>
+                <a:schemeClr val="accent6"/>
+              </a:solidFill>
+              <a:latin typeface="Calibri"/>
+              <a:ea typeface="Calibri"/>
+              <a:cs typeface="Calibri"/>
+              <a:sym typeface="Calibri"/>
+            </a:endParaRPr>
+          </a:p>
+        </p:txBody>
+      </p:sp>
       <p:pic>
         <p:nvPicPr>
-          <p:cNvPr id="3" name="Picture 2"/>
+          <p:cNvPr id="2" name="Picture 1"/>
           <p:cNvPicPr>
             <a:picLocks noChangeAspect="1"/>
           </p:cNvPicPr>
           <p:nvPr/>
         </p:nvPicPr>
         <p:blipFill>
-          <a:blip r:embed="rId8">
+          <a:blip r:embed="rId3">
             <a:extLst>
               <a:ext uri="{28A0092B-C50C-407E-A947-70E740481C1C}">
                 <a14:useLocalDpi xmlns:a14="http://schemas.microsoft.com/office/drawing/2010/main" val="0"/>
@@ -37180,8 +32822,8 @@
         </p:blipFill>
         <p:spPr>
           <a:xfrm>
-            <a:off x="230764" y="1496291"/>
-            <a:ext cx="2143125" cy="2143125"/>
+            <a:off x="984229" y="1986752"/>
+            <a:ext cx="7147830" cy="3767502"/>
           </a:xfrm>
           <a:prstGeom prst="rect">
             <a:avLst/>
@@ -37190,16 +32832,15 @@
             <a:noFill/>
           </a:ln>
           <a:effectLst>
-            <a:softEdge rad="112500"/>
+            <a:outerShdw blurRad="292100" dist="139700" dir="2700000" algn="tl" rotWithShape="0">
+              <a:srgbClr val="333333">
+                <a:alpha val="65000"/>
+              </a:srgbClr>
+            </a:outerShdw>
           </a:effectLst>
         </p:spPr>
       </p:pic>
     </p:spTree>
-    <p:extLst>
-      <p:ext uri="{BB962C8B-B14F-4D97-AF65-F5344CB8AC3E}">
-        <p14:creationId xmlns:p14="http://schemas.microsoft.com/office/powerpoint/2010/main" val="1129055012"/>
-      </p:ext>
-    </p:extLst>
   </p:cSld>
   <p:clrMapOvr>
     <a:masterClrMapping/>

--- a/Thuyết trình ngày 24-4-2020/thuyết_trình_nhóm_6.pptx
+++ b/Thuyết trình ngày 24-4-2020/thuyết_trình_nhóm_6.pptx
@@ -23,21 +23,21 @@
   <p:notesSz cx="6858000" cy="9144000"/>
   <p:embeddedFontLst>
     <p:embeddedFont>
-      <p:font typeface="Roboto" panose="020B0604020202020204" charset="0"/>
+      <p:font typeface="Calibri" pitchFamily="34" charset="0"/>
       <p:regular r:id="rId13"/>
       <p:bold r:id="rId14"/>
       <p:italic r:id="rId15"/>
       <p:boldItalic r:id="rId16"/>
     </p:embeddedFont>
     <p:embeddedFont>
-      <p:font typeface="Quattrocento Sans" panose="020B0604020202020204" charset="0"/>
+      <p:font typeface="Roboto" charset="0"/>
       <p:regular r:id="rId17"/>
       <p:bold r:id="rId18"/>
       <p:italic r:id="rId19"/>
       <p:boldItalic r:id="rId20"/>
     </p:embeddedFont>
     <p:embeddedFont>
-      <p:font typeface="Calibri" panose="020F0502020204030204" pitchFamily="34" charset="0"/>
+      <p:font typeface="Quattrocento Sans" charset="0"/>
       <p:regular r:id="rId21"/>
       <p:bold r:id="rId22"/>
       <p:italic r:id="rId23"/>
@@ -275,7 +275,7 @@
   </p:defaultTextStyle>
   <p:extLst>
     <p:ext uri="{EFAFB233-063F-42B5-8137-9DF3F51BA10A}">
-      <p15:sldGuideLst xmlns:p15="http://schemas.microsoft.com/office/powerpoint/2012/main">
+      <p15:sldGuideLst xmlns:p15="http://schemas.microsoft.com/office/powerpoint/2012/main" xmlns="">
         <p15:guide id="1" orient="horz" pos="2160">
           <p15:clr>
             <a:srgbClr val="A4A3A4"/>
@@ -289,7 +289,7 @@
       </p15:sldGuideLst>
     </p:ext>
     <p:ext uri="{2D200454-40CA-4A62-9FC3-DE9A4176ACB9}">
-      <p15:notesGuideLst xmlns:p15="http://schemas.microsoft.com/office/powerpoint/2012/main">
+      <p15:notesGuideLst xmlns:p15="http://schemas.microsoft.com/office/powerpoint/2012/main" xmlns="">
         <p15:guide id="1" orient="horz" pos="2880">
           <p15:clr>
             <a:srgbClr val="A4A3A4"/>
@@ -303,7 +303,7 @@
       </p15:notesGuideLst>
     </p:ext>
     <p:ext uri="http://customooxmlschemas.google.com/">
-      <go:slidesCustomData xmlns="" xmlns:mc="http://schemas.openxmlformats.org/markup-compatibility/2006" xmlns:mv="urn:schemas-microsoft-com:mac:vml" xmlns:c="http://schemas.openxmlformats.org/drawingml/2006/chart" xmlns:dgm="http://schemas.openxmlformats.org/drawingml/2006/diagram" xmlns:o="urn:schemas-microsoft-com:office:office" xmlns:v="urn:schemas-microsoft-com:vml" xmlns:pvml="urn:schemas-microsoft-com:office:powerpoint" xmlns:com="http://schemas.openxmlformats.org/drawingml/2006/compatibility" xmlns:p14="http://schemas.microsoft.com/office/powerpoint/2010/main" xmlns:p15="http://schemas.microsoft.com/office/powerpoint/2012/main" xmlns:go="http://customooxmlschemas.google.com/" r:id="rId29" roundtripDataSignature="AMtx7miOGBkPJPiBwm29evHY2cxksiT79w=="/>
+      <go:slidesCustomData xmlns:go="http://customooxmlschemas.google.com/" xmlns:p15="http://schemas.microsoft.com/office/powerpoint/2012/main" xmlns:p14="http://schemas.microsoft.com/office/powerpoint/2010/main" xmlns:com="http://schemas.openxmlformats.org/drawingml/2006/compatibility" xmlns:pvml="urn:schemas-microsoft-com:office:powerpoint" xmlns:v="urn:schemas-microsoft-com:vml" xmlns:o="urn:schemas-microsoft-com:office:office" xmlns:dgm="http://schemas.openxmlformats.org/drawingml/2006/diagram" xmlns:c="http://schemas.openxmlformats.org/drawingml/2006/chart" xmlns:mv="urn:schemas-microsoft-com:mac:vml" xmlns:mc="http://schemas.openxmlformats.org/markup-compatibility/2006" xmlns="" r:id="rId29" roundtripDataSignature="AMtx7miOGBkPJPiBwm29evHY2cxksiT79w=="/>
     </p:ext>
   </p:extLst>
 </p:presentation>
@@ -16582,6 +16582,11 @@
         </p:txBody>
       </p:sp>
     </p:spTree>
+    <p:extLst>
+      <p:ext uri="{BB962C8B-B14F-4D97-AF65-F5344CB8AC3E}">
+        <p14:creationId xmlns:p14="http://schemas.microsoft.com/office/powerpoint/2010/main" val="2185323226"/>
+      </p:ext>
+    </p:extLst>
   </p:cSld>
   <p:clrMap bg1="lt1" tx1="dk1" bg2="dk2" tx2="lt2" accent1="accent1" accent2="accent2" accent3="accent3" accent4="accent4" accent5="accent5" accent6="accent6" hlink="hlink" folHlink="folHlink"/>
   <p:notesStyle>
@@ -29779,6 +29784,22 @@
             </a:r>
             <a:r>
               <a:rPr lang="en-US" sz="2800" dirty="0" err="1" smtClean="0"/>
+              <a:t>Nguyễn</a:t>
+            </a:r>
+            <a:r>
+              <a:rPr lang="en-US" sz="2800" dirty="0" smtClean="0"/>
+              <a:t> </a:t>
+            </a:r>
+            <a:r>
+              <a:rPr lang="en-US" sz="2800" dirty="0" err="1" smtClean="0"/>
+              <a:t>Công</a:t>
+            </a:r>
+            <a:r>
+              <a:rPr lang="en-US" sz="2800"/>
+              <a:t> </a:t>
+            </a:r>
+            <a:r>
+              <a:rPr lang="en-US" sz="2800" smtClean="0"/>
               <a:t>Đạt</a:t>
             </a:r>
             <a:endParaRPr sz="2800" dirty="0"/>

--- a/Thuyết trình ngày 24-4-2020/thuyết_trình_nhóm_6.pptx
+++ b/Thuyết trình ngày 24-4-2020/thuyết_trình_nhóm_6.pptx
@@ -29795,11 +29795,11 @@
               <a:t>Công</a:t>
             </a:r>
             <a:r>
-              <a:rPr lang="en-US" sz="2800"/>
+              <a:rPr lang="en-US" sz="2800" dirty="0"/>
               <a:t> </a:t>
             </a:r>
             <a:r>
-              <a:rPr lang="en-US" sz="2800" smtClean="0"/>
+              <a:rPr lang="en-US" sz="2800" dirty="0" err="1" smtClean="0"/>
               <a:t>Đạt</a:t>
             </a:r>
             <a:endParaRPr sz="2800" dirty="0"/>
